--- a/powerpoint/Session2.pptx
+++ b/powerpoint/Session2.pptx
@@ -10,26 +10,27 @@
     <p:sldMasterId id="2147483713" r:id="rId6"/>
   </p:sldMasterIdLst>
   <p:sldIdLst>
-    <p:sldId id="256" r:id="rId7"/>
-    <p:sldId id="257" r:id="rId8"/>
-    <p:sldId id="258" r:id="rId9"/>
-    <p:sldId id="259" r:id="rId10"/>
-    <p:sldId id="260" r:id="rId11"/>
-    <p:sldId id="261" r:id="rId12"/>
-    <p:sldId id="262" r:id="rId13"/>
-    <p:sldId id="263" r:id="rId14"/>
-    <p:sldId id="264" r:id="rId15"/>
-    <p:sldId id="265" r:id="rId16"/>
-    <p:sldId id="266" r:id="rId17"/>
-    <p:sldId id="267" r:id="rId18"/>
-    <p:sldId id="268" r:id="rId19"/>
-    <p:sldId id="269" r:id="rId20"/>
-    <p:sldId id="270" r:id="rId21"/>
-    <p:sldId id="271" r:id="rId22"/>
-    <p:sldId id="272" r:id="rId23"/>
-    <p:sldId id="273" r:id="rId24"/>
-    <p:sldId id="274" r:id="rId25"/>
-    <p:sldId id="275" r:id="rId26"/>
+    <p:sldId id="276" r:id="rId7"/>
+    <p:sldId id="256" r:id="rId8"/>
+    <p:sldId id="257" r:id="rId9"/>
+    <p:sldId id="258" r:id="rId10"/>
+    <p:sldId id="259" r:id="rId11"/>
+    <p:sldId id="260" r:id="rId12"/>
+    <p:sldId id="261" r:id="rId13"/>
+    <p:sldId id="262" r:id="rId14"/>
+    <p:sldId id="263" r:id="rId15"/>
+    <p:sldId id="264" r:id="rId16"/>
+    <p:sldId id="265" r:id="rId17"/>
+    <p:sldId id="266" r:id="rId18"/>
+    <p:sldId id="267" r:id="rId19"/>
+    <p:sldId id="268" r:id="rId20"/>
+    <p:sldId id="269" r:id="rId21"/>
+    <p:sldId id="270" r:id="rId22"/>
+    <p:sldId id="271" r:id="rId23"/>
+    <p:sldId id="272" r:id="rId24"/>
+    <p:sldId id="273" r:id="rId25"/>
+    <p:sldId id="274" r:id="rId26"/>
+    <p:sldId id="275" r:id="rId27"/>
   </p:sldIdLst>
   <p:sldSz cx="9144000" cy="6858000" type="screen4x3"/>
   <p:notesSz cx="7559675" cy="10691813"/>
@@ -134,6 +135,81 @@
     </p:ext>
   </p:extLst>
 </p:presentation>
+</file>
+
+<file path=ppt/revisionInfo.xml><?xml version="1.0" encoding="utf-8"?>
+<p1510:revInfo xmlns:a="http://schemas.openxmlformats.org/drawingml/2006/main" xmlns:r="http://schemas.openxmlformats.org/officeDocument/2006/relationships" xmlns:p1510="http://schemas.microsoft.com/office/powerpoint/2015/10/main">
+  <p1510:revLst>
+    <p1510:client id="{CF7D4108-D40D-A74D-804B-296130AF4168}" v="1" dt="2023-10-10T07:57:21.659"/>
+  </p1510:revLst>
+</p1510:revInfo>
+</file>
+
+<file path=ppt/changesInfos/changesInfo1.xml><?xml version="1.0" encoding="utf-8"?>
+<pc:chgInfo xmlns:a="http://schemas.openxmlformats.org/drawingml/2006/main" xmlns:r="http://schemas.openxmlformats.org/officeDocument/2006/relationships" xmlns:ac="http://schemas.microsoft.com/office/drawing/2013/main/command" xmlns:pc="http://schemas.microsoft.com/office/powerpoint/2013/main/command">
+  <pc:docChgLst>
+    <pc:chgData name="Srinivasa Rao" userId="a6b54366-f13d-4292-8bb4-f06c50909b1e" providerId="ADAL" clId="{CF7D4108-D40D-A74D-804B-296130AF4168}"/>
+    <pc:docChg chg="custSel addSld modSld sldOrd">
+      <pc:chgData name="Srinivasa Rao" userId="a6b54366-f13d-4292-8bb4-f06c50909b1e" providerId="ADAL" clId="{CF7D4108-D40D-A74D-804B-296130AF4168}" dt="2023-10-10T07:57:48.161" v="68" actId="20577"/>
+      <pc:docMkLst>
+        <pc:docMk/>
+      </pc:docMkLst>
+      <pc:sldChg chg="modSp mod">
+        <pc:chgData name="Srinivasa Rao" userId="a6b54366-f13d-4292-8bb4-f06c50909b1e" providerId="ADAL" clId="{CF7D4108-D40D-A74D-804B-296130AF4168}" dt="2023-10-10T07:57:21.749" v="3" actId="27636"/>
+        <pc:sldMkLst>
+          <pc:docMk/>
+          <pc:sldMk cId="0" sldId="256"/>
+        </pc:sldMkLst>
+        <pc:spChg chg="mod">
+          <ac:chgData name="Srinivasa Rao" userId="a6b54366-f13d-4292-8bb4-f06c50909b1e" providerId="ADAL" clId="{CF7D4108-D40D-A74D-804B-296130AF4168}" dt="2023-10-10T07:57:21.749" v="3" actId="27636"/>
+          <ac:spMkLst>
+            <pc:docMk/>
+            <pc:sldMk cId="0" sldId="256"/>
+            <ac:spMk id="228" creationId="{00000000-0000-0000-0000-000000000000}"/>
+          </ac:spMkLst>
+        </pc:spChg>
+        <pc:spChg chg="mod">
+          <ac:chgData name="Srinivasa Rao" userId="a6b54366-f13d-4292-8bb4-f06c50909b1e" providerId="ADAL" clId="{CF7D4108-D40D-A74D-804B-296130AF4168}" dt="2023-10-10T07:57:07.155" v="0"/>
+          <ac:spMkLst>
+            <pc:docMk/>
+            <pc:sldMk cId="0" sldId="256"/>
+            <ac:spMk id="229" creationId="{00000000-0000-0000-0000-000000000000}"/>
+          </ac:spMkLst>
+        </pc:spChg>
+      </pc:sldChg>
+      <pc:sldChg chg="modSp mod">
+        <pc:chgData name="Srinivasa Rao" userId="a6b54366-f13d-4292-8bb4-f06c50909b1e" providerId="ADAL" clId="{CF7D4108-D40D-A74D-804B-296130AF4168}" dt="2023-10-10T07:57:21.726" v="2" actId="27636"/>
+        <pc:sldMkLst>
+          <pc:docMk/>
+          <pc:sldMk cId="0" sldId="260"/>
+        </pc:sldMkLst>
+        <pc:spChg chg="mod">
+          <ac:chgData name="Srinivasa Rao" userId="a6b54366-f13d-4292-8bb4-f06c50909b1e" providerId="ADAL" clId="{CF7D4108-D40D-A74D-804B-296130AF4168}" dt="2023-10-10T07:57:21.726" v="2" actId="27636"/>
+          <ac:spMkLst>
+            <pc:docMk/>
+            <pc:sldMk cId="0" sldId="260"/>
+            <ac:spMk id="239" creationId="{00000000-0000-0000-0000-000000000000}"/>
+          </ac:spMkLst>
+        </pc:spChg>
+      </pc:sldChg>
+      <pc:sldChg chg="modSp add mod ord">
+        <pc:chgData name="Srinivasa Rao" userId="a6b54366-f13d-4292-8bb4-f06c50909b1e" providerId="ADAL" clId="{CF7D4108-D40D-A74D-804B-296130AF4168}" dt="2023-10-10T07:57:48.161" v="68" actId="20577"/>
+        <pc:sldMkLst>
+          <pc:docMk/>
+          <pc:sldMk cId="0" sldId="276"/>
+        </pc:sldMkLst>
+        <pc:spChg chg="mod">
+          <ac:chgData name="Srinivasa Rao" userId="a6b54366-f13d-4292-8bb4-f06c50909b1e" providerId="ADAL" clId="{CF7D4108-D40D-A74D-804B-296130AF4168}" dt="2023-10-10T07:57:48.161" v="68" actId="20577"/>
+          <ac:spMkLst>
+            <pc:docMk/>
+            <pc:sldMk cId="0" sldId="276"/>
+            <ac:spMk id="228" creationId="{00000000-0000-0000-0000-000000000000}"/>
+          </ac:spMkLst>
+        </pc:spChg>
+      </pc:sldChg>
+    </pc:docChg>
+  </pc:docChgLst>
+</pc:chgInfo>
 </file>
 
 <file path=ppt/slideLayouts/slideLayout1.xml><?xml version="1.0" encoding="utf-8"?>
@@ -11844,7 +11920,7 @@
         <p:spPr>
           <a:xfrm>
             <a:off x="685800" y="2130480"/>
-            <a:ext cx="7770960" cy="1468440"/>
+            <a:ext cx="7771320" cy="1468800"/>
           </a:xfrm>
           <a:prstGeom prst="rect">
             <a:avLst/>
@@ -11868,7 +11944,7 @@
         </p:style>
         <p:txBody>
           <a:bodyPr lIns="90000" tIns="45000" rIns="90000" bIns="45000" anchor="ctr">
-            <a:normAutofit fontScale="73000" lnSpcReduction="10000"/>
+            <a:normAutofit fontScale="88000" lnSpcReduction="20000"/>
           </a:bodyPr>
           <a:lstStyle/>
           <a:p>
@@ -11878,38 +11954,44 @@
               </a:lnSpc>
             </a:pPr>
             <a:r>
-              <a:rPr lang="en-US" sz="4400" b="0" strike="noStrike" spc="-1">
+              <a:rPr lang="en-US" sz="4400" b="0" strike="noStrike" spc="-1" dirty="0">
                 <a:solidFill>
                   <a:srgbClr val="000000"/>
                 </a:solidFill>
                 <a:latin typeface="Calibri"/>
                 <a:ea typeface="Calibri"/>
               </a:rPr>
-              <a:t>Intro to R for Biologists</a:t>
-            </a:r>
-            <a:br/>
-            <a:r>
-              <a:rPr lang="en-US" sz="4400" b="0" strike="noStrike" spc="-1">
+              <a:t>Welcome to </a:t>
+            </a:r>
+          </a:p>
+          <a:p>
+            <a:pPr algn="ctr">
+              <a:lnSpc>
+                <a:spcPct val="100000"/>
+              </a:lnSpc>
+            </a:pPr>
+            <a:r>
+              <a:rPr lang="en-US" sz="4400" b="0" strike="noStrike" spc="-1" dirty="0">
                 <a:solidFill>
                   <a:srgbClr val="000000"/>
                 </a:solidFill>
                 <a:latin typeface="Calibri"/>
                 <a:ea typeface="Calibri"/>
               </a:rPr>
-              <a:t>Session 2</a:t>
-            </a:r>
-            <a:br/>
-            <a:r>
-              <a:rPr lang="en-US" sz="4400" b="1" strike="noStrike" spc="-1">
-                <a:solidFill>
-                  <a:srgbClr val="000000"/>
-                </a:solidFill>
-                <a:latin typeface="Calibri"/>
-                <a:ea typeface="Calibri"/>
-              </a:rPr>
-              <a:t>Data exploration</a:t>
-            </a:r>
-            <a:endParaRPr lang="en-GB" sz="4400" b="0" strike="noStrike" spc="-1">
+              <a:t>Intro to R for Biologists</a:t>
+            </a:r>
+            <a:br>
+              <a:rPr dirty="0"/>
+            </a:br>
+            <a:r>
+              <a:rPr lang="en-GB" dirty="0"/>
+              <a:t>We’ll start at 10:00am, please ask if you have any questions </a:t>
+            </a:r>
+            <a:r>
+              <a:rPr lang="en-GB"/>
+              <a:t>about what we learnt so far</a:t>
+            </a:r>
+            <a:endParaRPr lang="en-GB" sz="4400" b="0" strike="noStrike" spc="-1" dirty="0">
               <a:latin typeface="Arial"/>
             </a:endParaRPr>
           </a:p>
@@ -11924,7 +12006,7 @@
         <p:spPr>
           <a:xfrm>
             <a:off x="1378080" y="4766400"/>
-            <a:ext cx="6399360" cy="1751040"/>
+            <a:ext cx="6399720" cy="1751400"/>
           </a:xfrm>
           <a:prstGeom prst="rect">
             <a:avLst/>
@@ -11990,14 +12072,24 @@
               </a:tabLst>
             </a:pPr>
             <a:r>
-              <a:rPr lang="en-US" sz="3200" b="0" strike="noStrike" spc="-1" dirty="0">
+              <a:rPr lang="en-US" sz="3200" b="0" strike="noStrike" spc="-1" dirty="0" err="1">
                 <a:solidFill>
                   <a:srgbClr val="8B8B8B"/>
                 </a:solidFill>
                 <a:latin typeface="Calibri"/>
                 <a:ea typeface="DejaVu Sans"/>
               </a:rPr>
-              <a:t>Trinity 2023</a:t>
+              <a:t>Michaelmas</a:t>
+            </a:r>
+            <a:r>
+              <a:rPr lang="en-US" sz="3200" b="0" strike="noStrike" spc="-1" dirty="0">
+                <a:solidFill>
+                  <a:srgbClr val="8B8B8B"/>
+                </a:solidFill>
+                <a:latin typeface="Calibri"/>
+                <a:ea typeface="DejaVu Sans"/>
+              </a:rPr>
+              <a:t> 2023</a:t>
             </a:r>
             <a:endParaRPr lang="en-GB" sz="3200" b="0" strike="noStrike" spc="-1" dirty="0">
               <a:latin typeface="Arial"/>
@@ -12032,6 +12124,426 @@
       </p:grpSpPr>
       <p:sp>
         <p:nvSpPr>
+          <p:cNvPr id="259" name="CustomShape 1"/>
+          <p:cNvSpPr/>
+          <p:nvPr/>
+        </p:nvSpPr>
+        <p:spPr>
+          <a:xfrm>
+            <a:off x="457200" y="532440"/>
+            <a:ext cx="8227440" cy="1143360"/>
+          </a:xfrm>
+          <a:prstGeom prst="rect">
+            <a:avLst/>
+          </a:prstGeom>
+          <a:noFill/>
+          <a:ln>
+            <a:noFill/>
+          </a:ln>
+        </p:spPr>
+        <p:style>
+          <a:lnRef idx="0">
+            <a:scrgbClr r="0" g="0" b="0"/>
+          </a:lnRef>
+          <a:fillRef idx="0">
+            <a:scrgbClr r="0" g="0" b="0"/>
+          </a:fillRef>
+          <a:effectRef idx="0">
+            <a:scrgbClr r="0" g="0" b="0"/>
+          </a:effectRef>
+          <a:fontRef idx="minor"/>
+        </p:style>
+        <p:txBody>
+          <a:bodyPr lIns="0" tIns="0" rIns="0" bIns="0" anchor="ctr">
+            <a:noAutofit/>
+          </a:bodyPr>
+          <a:lstStyle/>
+          <a:p>
+            <a:pPr algn="ctr">
+              <a:lnSpc>
+                <a:spcPct val="100000"/>
+              </a:lnSpc>
+            </a:pPr>
+            <a:r>
+              <a:rPr lang="en-GB" sz="4400" b="1" strike="noStrike" spc="-1">
+                <a:solidFill>
+                  <a:srgbClr val="000000"/>
+                </a:solidFill>
+                <a:latin typeface="Calibri"/>
+                <a:ea typeface="DejaVu Sans"/>
+              </a:rPr>
+              <a:t>Infinite loops</a:t>
+            </a:r>
+            <a:endParaRPr lang="en-GB" sz="4400" b="0" strike="noStrike" spc="-1">
+              <a:latin typeface="Arial"/>
+            </a:endParaRPr>
+          </a:p>
+        </p:txBody>
+      </p:sp>
+      <p:pic>
+        <p:nvPicPr>
+          <p:cNvPr id="260" name="Picture 6_0" descr="arguing-with-yourself-at-are-you-stuck-in-an-infinite-49873894.png"/>
+          <p:cNvPicPr/>
+          <p:nvPr/>
+        </p:nvPicPr>
+        <p:blipFill>
+          <a:blip r:embed="rId2"/>
+          <a:stretch/>
+        </p:blipFill>
+        <p:spPr>
+          <a:xfrm>
+            <a:off x="4680720" y="1600200"/>
+            <a:ext cx="4164480" cy="5039640"/>
+          </a:xfrm>
+          <a:prstGeom prst="rect">
+            <a:avLst/>
+          </a:prstGeom>
+          <a:ln>
+            <a:noFill/>
+          </a:ln>
+        </p:spPr>
+      </p:pic>
+      <p:sp>
+        <p:nvSpPr>
+          <p:cNvPr id="261" name="CustomShape 2"/>
+          <p:cNvSpPr/>
+          <p:nvPr/>
+        </p:nvSpPr>
+        <p:spPr>
+          <a:xfrm>
+            <a:off x="678600" y="2723760"/>
+            <a:ext cx="3831480" cy="1461240"/>
+          </a:xfrm>
+          <a:prstGeom prst="rect">
+            <a:avLst/>
+          </a:prstGeom>
+          <a:noFill/>
+          <a:ln>
+            <a:noFill/>
+          </a:ln>
+        </p:spPr>
+        <p:style>
+          <a:lnRef idx="0">
+            <a:scrgbClr r="0" g="0" b="0"/>
+          </a:lnRef>
+          <a:fillRef idx="0">
+            <a:scrgbClr r="0" g="0" b="0"/>
+          </a:fillRef>
+          <a:effectRef idx="0">
+            <a:scrgbClr r="0" g="0" b="0"/>
+          </a:effectRef>
+          <a:fontRef idx="minor"/>
+        </p:style>
+        <p:txBody>
+          <a:bodyPr lIns="90000" tIns="45000" rIns="90000" bIns="45000">
+            <a:spAutoFit/>
+          </a:bodyPr>
+          <a:lstStyle/>
+          <a:p>
+            <a:pPr>
+              <a:lnSpc>
+                <a:spcPct val="100000"/>
+              </a:lnSpc>
+            </a:pPr>
+            <a:r>
+              <a:rPr lang="en-US" sz="1800" b="0" strike="noStrike" spc="-1">
+                <a:solidFill>
+                  <a:srgbClr val="000000"/>
+                </a:solidFill>
+                <a:latin typeface="Courier New"/>
+                <a:ea typeface="DejaVu Sans"/>
+              </a:rPr>
+              <a:t>x &lt;- 1</a:t>
+            </a:r>
+            <a:endParaRPr lang="en-GB" sz="1800" b="0" strike="noStrike" spc="-1">
+              <a:latin typeface="Arial"/>
+            </a:endParaRPr>
+          </a:p>
+          <a:p>
+            <a:pPr>
+              <a:lnSpc>
+                <a:spcPct val="100000"/>
+              </a:lnSpc>
+            </a:pPr>
+            <a:r>
+              <a:rPr lang="en-US" sz="1800" b="0" strike="noStrike" spc="-1">
+                <a:solidFill>
+                  <a:srgbClr val="000000"/>
+                </a:solidFill>
+                <a:latin typeface="Courier New"/>
+                <a:ea typeface="DejaVu Sans"/>
+              </a:rPr>
+              <a:t>while (x=1)</a:t>
+            </a:r>
+            <a:endParaRPr lang="en-GB" sz="1800" b="0" strike="noStrike" spc="-1">
+              <a:latin typeface="Arial"/>
+            </a:endParaRPr>
+          </a:p>
+          <a:p>
+            <a:pPr>
+              <a:lnSpc>
+                <a:spcPct val="100000"/>
+              </a:lnSpc>
+            </a:pPr>
+            <a:r>
+              <a:rPr lang="en-US" sz="1800" b="0" strike="noStrike" spc="-1">
+                <a:solidFill>
+                  <a:srgbClr val="000000"/>
+                </a:solidFill>
+                <a:latin typeface="Courier New"/>
+                <a:ea typeface="DejaVu Sans"/>
+              </a:rPr>
+              <a:t>{</a:t>
+            </a:r>
+            <a:endParaRPr lang="en-GB" sz="1800" b="0" strike="noStrike" spc="-1">
+              <a:latin typeface="Arial"/>
+            </a:endParaRPr>
+          </a:p>
+          <a:p>
+            <a:pPr>
+              <a:lnSpc>
+                <a:spcPct val="100000"/>
+              </a:lnSpc>
+            </a:pPr>
+            <a:r>
+              <a:rPr lang="en-US" sz="1800" b="0" strike="noStrike" spc="-1">
+                <a:solidFill>
+                  <a:srgbClr val="000000"/>
+                </a:solidFill>
+                <a:latin typeface="Courier New"/>
+                <a:ea typeface="DejaVu Sans"/>
+              </a:rPr>
+              <a:t>Print(“Let’s move on!”)</a:t>
+            </a:r>
+            <a:endParaRPr lang="en-GB" sz="1800" b="0" strike="noStrike" spc="-1">
+              <a:latin typeface="Arial"/>
+            </a:endParaRPr>
+          </a:p>
+          <a:p>
+            <a:pPr>
+              <a:lnSpc>
+                <a:spcPct val="100000"/>
+              </a:lnSpc>
+            </a:pPr>
+            <a:r>
+              <a:rPr lang="en-US" sz="1800" b="0" strike="noStrike" spc="-1">
+                <a:solidFill>
+                  <a:srgbClr val="000000"/>
+                </a:solidFill>
+                <a:latin typeface="Courier New"/>
+                <a:ea typeface="DejaVu Sans"/>
+              </a:rPr>
+              <a:t>}</a:t>
+            </a:r>
+            <a:endParaRPr lang="en-GB" sz="1800" b="0" strike="noStrike" spc="-1">
+              <a:latin typeface="Arial"/>
+            </a:endParaRPr>
+          </a:p>
+        </p:txBody>
+      </p:sp>
+      <p:sp>
+        <p:nvSpPr>
+          <p:cNvPr id="262" name="CustomShape 3"/>
+          <p:cNvSpPr/>
+          <p:nvPr/>
+        </p:nvSpPr>
+        <p:spPr>
+          <a:xfrm>
+            <a:off x="771120" y="4796280"/>
+            <a:ext cx="3038040" cy="394560"/>
+          </a:xfrm>
+          <a:prstGeom prst="rect">
+            <a:avLst/>
+          </a:prstGeom>
+          <a:noFill/>
+          <a:ln>
+            <a:noFill/>
+          </a:ln>
+        </p:spPr>
+        <p:style>
+          <a:lnRef idx="0">
+            <a:scrgbClr r="0" g="0" b="0"/>
+          </a:lnRef>
+          <a:fillRef idx="0">
+            <a:scrgbClr r="0" g="0" b="0"/>
+          </a:fillRef>
+          <a:effectRef idx="0">
+            <a:scrgbClr r="0" g="0" b="0"/>
+          </a:effectRef>
+          <a:fontRef idx="minor"/>
+        </p:style>
+        <p:txBody>
+          <a:bodyPr wrap="none" lIns="90000" tIns="45000" rIns="90000" bIns="45000">
+            <a:spAutoFit/>
+          </a:bodyPr>
+          <a:lstStyle/>
+          <a:p>
+            <a:pPr>
+              <a:lnSpc>
+                <a:spcPct val="100000"/>
+              </a:lnSpc>
+            </a:pPr>
+            <a:r>
+              <a:rPr lang="en-US" sz="2000" b="0" strike="noStrike" spc="-1">
+                <a:solidFill>
+                  <a:srgbClr val="FF0000"/>
+                </a:solidFill>
+                <a:latin typeface="Calibri"/>
+                <a:ea typeface="DejaVu Sans"/>
+              </a:rPr>
+              <a:t>Something to keep in mind!</a:t>
+            </a:r>
+            <a:endParaRPr lang="en-GB" sz="2000" b="0" strike="noStrike" spc="-1">
+              <a:latin typeface="Arial"/>
+            </a:endParaRPr>
+          </a:p>
+        </p:txBody>
+      </p:sp>
+      <p:sp>
+        <p:nvSpPr>
+          <p:cNvPr id="263" name="CustomShape 4"/>
+          <p:cNvSpPr/>
+          <p:nvPr/>
+        </p:nvSpPr>
+        <p:spPr>
+          <a:xfrm>
+            <a:off x="349920" y="5914800"/>
+            <a:ext cx="4284720" cy="638280"/>
+          </a:xfrm>
+          <a:prstGeom prst="rect">
+            <a:avLst/>
+          </a:prstGeom>
+          <a:noFill/>
+          <a:ln>
+            <a:noFill/>
+          </a:ln>
+        </p:spPr>
+        <p:style>
+          <a:lnRef idx="0">
+            <a:scrgbClr r="0" g="0" b="0"/>
+          </a:lnRef>
+          <a:fillRef idx="0">
+            <a:scrgbClr r="0" g="0" b="0"/>
+          </a:fillRef>
+          <a:effectRef idx="0">
+            <a:scrgbClr r="0" g="0" b="0"/>
+          </a:effectRef>
+          <a:fontRef idx="minor"/>
+        </p:style>
+        <p:txBody>
+          <a:bodyPr wrap="none" lIns="90000" tIns="45000" rIns="90000" bIns="45000">
+            <a:spAutoFit/>
+          </a:bodyPr>
+          <a:lstStyle/>
+          <a:p>
+            <a:pPr>
+              <a:lnSpc>
+                <a:spcPct val="100000"/>
+              </a:lnSpc>
+            </a:pPr>
+            <a:r>
+              <a:rPr lang="en-US" sz="1800" b="0" strike="noStrike" spc="-1">
+                <a:solidFill>
+                  <a:srgbClr val="000000"/>
+                </a:solidFill>
+                <a:latin typeface="Calibri"/>
+                <a:ea typeface="DejaVu Sans"/>
+              </a:rPr>
+              <a:t>*</a:t>
+            </a:r>
+            <a:r>
+              <a:rPr lang="en-US" sz="1800" b="0" strike="noStrike" spc="-1">
+                <a:solidFill>
+                  <a:srgbClr val="000000"/>
+                </a:solidFill>
+                <a:latin typeface="Courier New"/>
+                <a:ea typeface="DejaVu Sans"/>
+              </a:rPr>
+              <a:t>break</a:t>
+            </a:r>
+            <a:r>
+              <a:rPr lang="en-US" sz="1800" b="0" strike="noStrike" spc="-1">
+                <a:solidFill>
+                  <a:srgbClr val="000000"/>
+                </a:solidFill>
+                <a:latin typeface="Calibri"/>
+                <a:ea typeface="DejaVu Sans"/>
+              </a:rPr>
+              <a:t> and </a:t>
+            </a:r>
+            <a:r>
+              <a:rPr lang="en-US" sz="1800" b="0" strike="noStrike" spc="-1">
+                <a:solidFill>
+                  <a:srgbClr val="000000"/>
+                </a:solidFill>
+                <a:latin typeface="Courier New"/>
+                <a:ea typeface="DejaVu Sans"/>
+              </a:rPr>
+              <a:t>next</a:t>
+            </a:r>
+            <a:r>
+              <a:rPr lang="en-US" sz="1800" b="0" strike="noStrike" spc="-1">
+                <a:solidFill>
+                  <a:srgbClr val="000000"/>
+                </a:solidFill>
+                <a:latin typeface="Calibri"/>
+                <a:ea typeface="DejaVu Sans"/>
+              </a:rPr>
+              <a:t> statements might help –</a:t>
+            </a:r>
+            <a:endParaRPr lang="en-GB" sz="1800" b="0" strike="noStrike" spc="-1">
+              <a:latin typeface="Arial"/>
+            </a:endParaRPr>
+          </a:p>
+          <a:p>
+            <a:pPr>
+              <a:lnSpc>
+                <a:spcPct val="100000"/>
+              </a:lnSpc>
+            </a:pPr>
+            <a:r>
+              <a:rPr lang="en-US" sz="1800" b="0" strike="noStrike" spc="-1">
+                <a:solidFill>
+                  <a:srgbClr val="000000"/>
+                </a:solidFill>
+                <a:latin typeface="Calibri"/>
+                <a:ea typeface="DejaVu Sans"/>
+              </a:rPr>
+              <a:t> advanced level</a:t>
+            </a:r>
+            <a:endParaRPr lang="en-GB" sz="1800" b="0" strike="noStrike" spc="-1">
+              <a:latin typeface="Arial"/>
+            </a:endParaRPr>
+          </a:p>
+        </p:txBody>
+      </p:sp>
+    </p:spTree>
+  </p:cSld>
+  <p:clrMapOvr>
+    <a:masterClrMapping/>
+  </p:clrMapOvr>
+</p:sld>
+</file>
+
+<file path=ppt/slides/slide11.xml><?xml version="1.0" encoding="utf-8"?>
+<p:sld xmlns:a="http://schemas.openxmlformats.org/drawingml/2006/main" xmlns:r="http://schemas.openxmlformats.org/officeDocument/2006/relationships" xmlns:p="http://schemas.openxmlformats.org/presentationml/2006/main">
+  <p:cSld>
+    <p:spTree>
+      <p:nvGrpSpPr>
+        <p:cNvPr id="1" name=""/>
+        <p:cNvGrpSpPr/>
+        <p:nvPr/>
+      </p:nvGrpSpPr>
+      <p:grpSpPr>
+        <a:xfrm>
+          <a:off x="0" y="0"/>
+          <a:ext cx="0" cy="0"/>
+          <a:chOff x="0" y="0"/>
+          <a:chExt cx="0" cy="0"/>
+        </a:xfrm>
+      </p:grpSpPr>
+      <p:sp>
+        <p:nvSpPr>
           <p:cNvPr id="264" name="CustomShape 1"/>
           <p:cNvSpPr/>
           <p:nvPr/>
@@ -12065,6 +12577,13 @@
           </a:effectRef>
           <a:fontRef idx="minor"/>
         </p:style>
+        <p:txBody>
+          <a:bodyPr/>
+          <a:lstStyle/>
+          <a:p>
+            <a:endParaRPr lang="en-US"/>
+          </a:p>
+        </p:txBody>
       </p:sp>
       <p:sp>
         <p:nvSpPr>
@@ -12507,6 +13026,13 @@
           </a:effectRef>
           <a:fontRef idx="minor"/>
         </p:style>
+        <p:txBody>
+          <a:bodyPr/>
+          <a:lstStyle/>
+          <a:p>
+            <a:endParaRPr lang="en-US"/>
+          </a:p>
+        </p:txBody>
       </p:sp>
       <p:pic>
         <p:nvPicPr>
@@ -12539,7 +13065,7 @@
 </p:sld>
 </file>
 
-<file path=ppt/slides/slide11.xml><?xml version="1.0" encoding="utf-8"?>
+<file path=ppt/slides/slide12.xml><?xml version="1.0" encoding="utf-8"?>
 <p:sld xmlns:a="http://schemas.openxmlformats.org/drawingml/2006/main" xmlns:r="http://schemas.openxmlformats.org/officeDocument/2006/relationships" xmlns:p="http://schemas.openxmlformats.org/presentationml/2006/main">
   <p:cSld>
     <p:spTree>
@@ -12989,618 +13515,6 @@
 </p:sld>
 </file>
 
-<file path=ppt/slides/slide12.xml><?xml version="1.0" encoding="utf-8"?>
-<p:sld xmlns:a="http://schemas.openxmlformats.org/drawingml/2006/main" xmlns:r="http://schemas.openxmlformats.org/officeDocument/2006/relationships" xmlns:p="http://schemas.openxmlformats.org/presentationml/2006/main">
-  <p:cSld>
-    <p:spTree>
-      <p:nvGrpSpPr>
-        <p:cNvPr id="1" name=""/>
-        <p:cNvGrpSpPr/>
-        <p:nvPr/>
-      </p:nvGrpSpPr>
-      <p:grpSpPr>
-        <a:xfrm>
-          <a:off x="0" y="0"/>
-          <a:ext cx="0" cy="0"/>
-          <a:chOff x="0" y="0"/>
-          <a:chExt cx="0" cy="0"/>
-        </a:xfrm>
-      </p:grpSpPr>
-      <p:sp>
-        <p:nvSpPr>
-          <p:cNvPr id="272" name="CustomShape 1"/>
-          <p:cNvSpPr/>
-          <p:nvPr/>
-        </p:nvSpPr>
-        <p:spPr>
-          <a:xfrm>
-            <a:off x="457200" y="684000"/>
-            <a:ext cx="8227800" cy="1143720"/>
-          </a:xfrm>
-          <a:prstGeom prst="rect">
-            <a:avLst/>
-          </a:prstGeom>
-          <a:noFill/>
-          <a:ln>
-            <a:noFill/>
-          </a:ln>
-        </p:spPr>
-        <p:style>
-          <a:lnRef idx="0">
-            <a:scrgbClr r="0" g="0" b="0"/>
-          </a:lnRef>
-          <a:fillRef idx="0">
-            <a:scrgbClr r="0" g="0" b="0"/>
-          </a:fillRef>
-          <a:effectRef idx="0">
-            <a:scrgbClr r="0" g="0" b="0"/>
-          </a:effectRef>
-          <a:fontRef idx="minor"/>
-        </p:style>
-        <p:txBody>
-          <a:bodyPr lIns="0" tIns="0" rIns="0" bIns="0" anchor="ctr">
-            <a:noAutofit/>
-          </a:bodyPr>
-          <a:lstStyle/>
-          <a:p>
-            <a:pPr algn="ctr">
-              <a:lnSpc>
-                <a:spcPct val="100000"/>
-              </a:lnSpc>
-            </a:pPr>
-            <a:r>
-              <a:rPr lang="en-GB" sz="4400" b="1" strike="noStrike" spc="-1">
-                <a:solidFill>
-                  <a:srgbClr val="000000"/>
-                </a:solidFill>
-                <a:latin typeface="Calibri"/>
-                <a:ea typeface="DejaVu Sans"/>
-              </a:rPr>
-              <a:t>Basic statistics</a:t>
-            </a:r>
-            <a:endParaRPr lang="en-GB" sz="4400" b="0" strike="noStrike" spc="-1">
-              <a:latin typeface="Arial"/>
-            </a:endParaRPr>
-          </a:p>
-        </p:txBody>
-      </p:sp>
-      <p:sp>
-        <p:nvSpPr>
-          <p:cNvPr id="273" name="CustomShape 2"/>
-          <p:cNvSpPr/>
-          <p:nvPr/>
-        </p:nvSpPr>
-        <p:spPr>
-          <a:xfrm>
-            <a:off x="457200" y="1700280"/>
-            <a:ext cx="8227800" cy="4863960"/>
-          </a:xfrm>
-          <a:prstGeom prst="rect">
-            <a:avLst/>
-          </a:prstGeom>
-          <a:noFill/>
-          <a:ln>
-            <a:noFill/>
-          </a:ln>
-        </p:spPr>
-        <p:style>
-          <a:lnRef idx="0">
-            <a:scrgbClr r="0" g="0" b="0"/>
-          </a:lnRef>
-          <a:fillRef idx="0">
-            <a:scrgbClr r="0" g="0" b="0"/>
-          </a:fillRef>
-          <a:effectRef idx="0">
-            <a:scrgbClr r="0" g="0" b="0"/>
-          </a:effectRef>
-          <a:fontRef idx="minor"/>
-        </p:style>
-        <p:txBody>
-          <a:bodyPr lIns="90000" tIns="45000" rIns="90000" bIns="45000">
-            <a:normAutofit fontScale="91000" lnSpcReduction="10000"/>
-          </a:bodyPr>
-          <a:lstStyle/>
-          <a:p>
-            <a:pPr marL="343080" indent="-342000">
-              <a:lnSpc>
-                <a:spcPct val="100000"/>
-              </a:lnSpc>
-              <a:spcBef>
-                <a:spcPts val="400"/>
-              </a:spcBef>
-              <a:buClr>
-                <a:srgbClr val="000000"/>
-              </a:buClr>
-              <a:buFont typeface="Arial"/>
-              <a:buChar char="•"/>
-            </a:pPr>
-            <a:r>
-              <a:rPr lang="en-GB" sz="2000" b="0" strike="noStrike" spc="-1">
-                <a:solidFill>
-                  <a:srgbClr val="000000"/>
-                </a:solidFill>
-                <a:latin typeface="Calibri"/>
-                <a:ea typeface="Calibri"/>
-              </a:rPr>
-              <a:t>Correlations – </a:t>
-            </a:r>
-            <a:r>
-              <a:rPr lang="en-GB" sz="2000" b="0" strike="noStrike" spc="-1">
-                <a:solidFill>
-                  <a:srgbClr val="000000"/>
-                </a:solidFill>
-                <a:latin typeface="Courier New"/>
-                <a:ea typeface="Calibri"/>
-              </a:rPr>
-              <a:t>cor(), cor.test()</a:t>
-            </a:r>
-            <a:endParaRPr lang="en-GB" sz="2000" b="0" strike="noStrike" spc="-1">
-              <a:latin typeface="Arial"/>
-            </a:endParaRPr>
-          </a:p>
-          <a:p>
-            <a:pPr marL="343080" indent="-342000">
-              <a:lnSpc>
-                <a:spcPct val="100000"/>
-              </a:lnSpc>
-              <a:spcBef>
-                <a:spcPts val="400"/>
-              </a:spcBef>
-              <a:buClr>
-                <a:srgbClr val="000000"/>
-              </a:buClr>
-              <a:buFont typeface="Arial"/>
-              <a:buChar char="•"/>
-            </a:pPr>
-            <a:r>
-              <a:rPr lang="en-GB" sz="2000" b="0" strike="noStrike" spc="-1">
-                <a:solidFill>
-                  <a:srgbClr val="000000"/>
-                </a:solidFill>
-                <a:latin typeface="Calibri"/>
-                <a:ea typeface="Calibri"/>
-              </a:rPr>
-              <a:t>T-test (parametric):</a:t>
-            </a:r>
-            <a:endParaRPr lang="en-GB" sz="2000" b="0" strike="noStrike" spc="-1">
-              <a:latin typeface="Arial"/>
-            </a:endParaRPr>
-          </a:p>
-          <a:p>
-            <a:pPr marL="343080" indent="-342000">
-              <a:lnSpc>
-                <a:spcPct val="100000"/>
-              </a:lnSpc>
-              <a:spcBef>
-                <a:spcPts val="400"/>
-              </a:spcBef>
-              <a:buClr>
-                <a:srgbClr val="000000"/>
-              </a:buClr>
-              <a:buFont typeface="Courier New"/>
-              <a:buChar char="o"/>
-            </a:pPr>
-            <a:r>
-              <a:rPr lang="en-GB" sz="2000" b="0" strike="noStrike" spc="-1">
-                <a:solidFill>
-                  <a:srgbClr val="000000"/>
-                </a:solidFill>
-                <a:latin typeface="Calibri"/>
-                <a:ea typeface="Calibri"/>
-              </a:rPr>
-              <a:t> Unpaired 2-group t-test</a:t>
-            </a:r>
-            <a:endParaRPr lang="en-GB" sz="2000" b="0" strike="noStrike" spc="-1">
-              <a:latin typeface="Arial"/>
-            </a:endParaRPr>
-          </a:p>
-          <a:p>
-            <a:pPr>
-              <a:lnSpc>
-                <a:spcPct val="100000"/>
-              </a:lnSpc>
-              <a:spcBef>
-                <a:spcPts val="400"/>
-              </a:spcBef>
-              <a:tabLst>
-                <a:tab pos="0" algn="l"/>
-              </a:tabLst>
-            </a:pPr>
-            <a:r>
-              <a:rPr lang="en-GB" sz="2000" b="0" strike="noStrike" spc="-1">
-                <a:solidFill>
-                  <a:srgbClr val="000000"/>
-                </a:solidFill>
-                <a:latin typeface="Courier New"/>
-                <a:ea typeface="Calibri"/>
-              </a:rPr>
-              <a:t>t.test(y~x) </a:t>
-            </a:r>
-            <a:r>
-              <a:rPr lang="en-GB" sz="2000" b="0" strike="noStrike" spc="-1">
-                <a:solidFill>
-                  <a:srgbClr val="000000"/>
-                </a:solidFill>
-                <a:latin typeface="Calibri"/>
-                <a:ea typeface="Calibri"/>
-              </a:rPr>
-              <a:t># where y is numeric and x is a binary factor</a:t>
-            </a:r>
-            <a:endParaRPr lang="en-GB" sz="2000" b="0" strike="noStrike" spc="-1">
-              <a:latin typeface="Arial"/>
-            </a:endParaRPr>
-          </a:p>
-          <a:p>
-            <a:pPr>
-              <a:lnSpc>
-                <a:spcPct val="100000"/>
-              </a:lnSpc>
-              <a:spcBef>
-                <a:spcPts val="400"/>
-              </a:spcBef>
-              <a:tabLst>
-                <a:tab pos="0" algn="l"/>
-              </a:tabLst>
-            </a:pPr>
-            <a:r>
-              <a:rPr lang="en-GB" sz="2000" b="0" strike="noStrike" spc="-1">
-                <a:solidFill>
-                  <a:srgbClr val="000000"/>
-                </a:solidFill>
-                <a:latin typeface="Courier New"/>
-                <a:ea typeface="Calibri"/>
-              </a:rPr>
-              <a:t>t.test(y1,y2)</a:t>
-            </a:r>
-            <a:r>
-              <a:rPr lang="en-GB" sz="2000" b="0" strike="noStrike" spc="-1">
-                <a:solidFill>
-                  <a:srgbClr val="000000"/>
-                </a:solidFill>
-                <a:latin typeface="Calibri"/>
-                <a:ea typeface="Calibri"/>
-              </a:rPr>
-              <a:t> # where y1 and y2 are numeric</a:t>
-            </a:r>
-            <a:endParaRPr lang="en-GB" sz="2000" b="0" strike="noStrike" spc="-1">
-              <a:latin typeface="Arial"/>
-            </a:endParaRPr>
-          </a:p>
-          <a:p>
-            <a:pPr marL="343080" indent="-342000">
-              <a:lnSpc>
-                <a:spcPct val="100000"/>
-              </a:lnSpc>
-              <a:spcBef>
-                <a:spcPts val="400"/>
-              </a:spcBef>
-              <a:buClr>
-                <a:srgbClr val="000000"/>
-              </a:buClr>
-              <a:buFont typeface="Courier New"/>
-              <a:buChar char="o"/>
-              <a:tabLst>
-                <a:tab pos="0" algn="l"/>
-              </a:tabLst>
-            </a:pPr>
-            <a:r>
-              <a:rPr lang="en-GB" sz="2000" b="0" strike="noStrike" spc="-1">
-                <a:solidFill>
-                  <a:srgbClr val="000000"/>
-                </a:solidFill>
-                <a:latin typeface="Calibri"/>
-                <a:ea typeface="Calibri"/>
-              </a:rPr>
-              <a:t>Paired 2-group t-test</a:t>
-            </a:r>
-            <a:endParaRPr lang="en-GB" sz="2000" b="0" strike="noStrike" spc="-1">
-              <a:latin typeface="Arial"/>
-            </a:endParaRPr>
-          </a:p>
-          <a:p>
-            <a:pPr>
-              <a:lnSpc>
-                <a:spcPct val="100000"/>
-              </a:lnSpc>
-              <a:spcBef>
-                <a:spcPts val="400"/>
-              </a:spcBef>
-              <a:tabLst>
-                <a:tab pos="0" algn="l"/>
-              </a:tabLst>
-            </a:pPr>
-            <a:r>
-              <a:rPr lang="en-GB" sz="2000" b="0" strike="noStrike" spc="-1">
-                <a:solidFill>
-                  <a:srgbClr val="000000"/>
-                </a:solidFill>
-                <a:latin typeface="Courier New"/>
-                <a:ea typeface="Calibri"/>
-              </a:rPr>
-              <a:t>t.test(y1,y2, paired=TRUE)</a:t>
-            </a:r>
-            <a:r>
-              <a:rPr lang="en-GB" sz="2000" b="0" strike="noStrike" spc="-1">
-                <a:solidFill>
-                  <a:srgbClr val="000000"/>
-                </a:solidFill>
-                <a:latin typeface="Calibri"/>
-                <a:ea typeface="Calibri"/>
-              </a:rPr>
-              <a:t> # where y1 &amp; y2 are numeric</a:t>
-            </a:r>
-            <a:endParaRPr lang="en-GB" sz="2000" b="0" strike="noStrike" spc="-1">
-              <a:latin typeface="Arial"/>
-            </a:endParaRPr>
-          </a:p>
-          <a:p>
-            <a:pPr marL="343080" indent="-342000">
-              <a:lnSpc>
-                <a:spcPct val="100000"/>
-              </a:lnSpc>
-              <a:spcBef>
-                <a:spcPts val="400"/>
-              </a:spcBef>
-              <a:buClr>
-                <a:srgbClr val="000000"/>
-              </a:buClr>
-              <a:buFont typeface="Arial"/>
-              <a:buChar char="•"/>
-              <a:tabLst>
-                <a:tab pos="0" algn="l"/>
-              </a:tabLst>
-            </a:pPr>
-            <a:r>
-              <a:rPr lang="en-GB" sz="2000" b="0" strike="noStrike" spc="-1">
-                <a:solidFill>
-                  <a:srgbClr val="000000"/>
-                </a:solidFill>
-                <a:latin typeface="Calibri"/>
-                <a:ea typeface="Calibri"/>
-              </a:rPr>
-              <a:t>Non-parametric tests:</a:t>
-            </a:r>
-            <a:endParaRPr lang="en-GB" sz="2000" b="0" strike="noStrike" spc="-1">
-              <a:latin typeface="Arial"/>
-            </a:endParaRPr>
-          </a:p>
-          <a:p>
-            <a:pPr marL="343080" indent="-342000">
-              <a:lnSpc>
-                <a:spcPct val="100000"/>
-              </a:lnSpc>
-              <a:spcBef>
-                <a:spcPts val="400"/>
-              </a:spcBef>
-              <a:buClr>
-                <a:srgbClr val="000000"/>
-              </a:buClr>
-              <a:buFont typeface="Courier New"/>
-              <a:buChar char="o"/>
-              <a:tabLst>
-                <a:tab pos="0" algn="l"/>
-              </a:tabLst>
-            </a:pPr>
-            <a:r>
-              <a:rPr lang="en-GB" sz="2000" b="0" strike="noStrike" spc="-1">
-                <a:solidFill>
-                  <a:srgbClr val="000000"/>
-                </a:solidFill>
-                <a:latin typeface="Calibri"/>
-                <a:ea typeface="Calibri"/>
-              </a:rPr>
-              <a:t>Unpaired 2-group Mann-Whitney U Test </a:t>
-            </a:r>
-            <a:endParaRPr lang="en-GB" sz="2000" b="0" strike="noStrike" spc="-1">
-              <a:latin typeface="Arial"/>
-            </a:endParaRPr>
-          </a:p>
-          <a:p>
-            <a:pPr>
-              <a:lnSpc>
-                <a:spcPct val="100000"/>
-              </a:lnSpc>
-              <a:spcBef>
-                <a:spcPts val="400"/>
-              </a:spcBef>
-              <a:tabLst>
-                <a:tab pos="0" algn="l"/>
-              </a:tabLst>
-            </a:pPr>
-            <a:r>
-              <a:rPr lang="en-GB" sz="2000" b="0" strike="noStrike" spc="-1">
-                <a:solidFill>
-                  <a:srgbClr val="000000"/>
-                </a:solidFill>
-                <a:latin typeface="Courier New"/>
-                <a:ea typeface="Calibri"/>
-              </a:rPr>
-              <a:t>wilcox.test(y~A) </a:t>
-            </a:r>
-            <a:r>
-              <a:rPr lang="en-GB" sz="2000" b="0" strike="noStrike" spc="-1">
-                <a:solidFill>
-                  <a:srgbClr val="000000"/>
-                </a:solidFill>
-                <a:latin typeface="Calibri"/>
-                <a:ea typeface="Calibri"/>
-              </a:rPr>
-              <a:t># where y is numeric and A is A binary factor</a:t>
-            </a:r>
-            <a:endParaRPr lang="en-GB" sz="2000" b="0" strike="noStrike" spc="-1">
-              <a:latin typeface="Arial"/>
-            </a:endParaRPr>
-          </a:p>
-          <a:p>
-            <a:pPr>
-              <a:lnSpc>
-                <a:spcPct val="100000"/>
-              </a:lnSpc>
-              <a:spcBef>
-                <a:spcPts val="400"/>
-              </a:spcBef>
-              <a:tabLst>
-                <a:tab pos="0" algn="l"/>
-              </a:tabLst>
-            </a:pPr>
-            <a:r>
-              <a:rPr lang="en-GB" sz="2000" b="0" strike="noStrike" spc="-1">
-                <a:solidFill>
-                  <a:srgbClr val="000000"/>
-                </a:solidFill>
-                <a:latin typeface="Courier New"/>
-                <a:ea typeface="Calibri"/>
-              </a:rPr>
-              <a:t>wilcox.test(y,x)</a:t>
-            </a:r>
-            <a:r>
-              <a:rPr lang="en-GB" sz="2000" b="0" strike="noStrike" spc="-1">
-                <a:solidFill>
-                  <a:srgbClr val="000000"/>
-                </a:solidFill>
-                <a:latin typeface="Calibri"/>
-                <a:ea typeface="Calibri"/>
-              </a:rPr>
-              <a:t> # where y and x are numeric</a:t>
-            </a:r>
-            <a:endParaRPr lang="en-GB" sz="2000" b="0" strike="noStrike" spc="-1">
-              <a:latin typeface="Arial"/>
-            </a:endParaRPr>
-          </a:p>
-          <a:p>
-            <a:pPr marL="343080" indent="-342000">
-              <a:lnSpc>
-                <a:spcPct val="100000"/>
-              </a:lnSpc>
-              <a:spcBef>
-                <a:spcPts val="400"/>
-              </a:spcBef>
-              <a:buClr>
-                <a:srgbClr val="000000"/>
-              </a:buClr>
-              <a:buFont typeface="Courier New"/>
-              <a:buChar char="o"/>
-              <a:tabLst>
-                <a:tab pos="0" algn="l"/>
-              </a:tabLst>
-            </a:pPr>
-            <a:r>
-              <a:rPr lang="en-GB" sz="2000" b="0" strike="noStrike" spc="-1">
-                <a:solidFill>
-                  <a:srgbClr val="000000"/>
-                </a:solidFill>
-                <a:latin typeface="Calibri"/>
-                <a:ea typeface="Calibri"/>
-              </a:rPr>
-              <a:t>Paired 2-group Wilcoxon Signed Rank Test</a:t>
-            </a:r>
-            <a:endParaRPr lang="en-GB" sz="2000" b="0" strike="noStrike" spc="-1">
-              <a:latin typeface="Arial"/>
-            </a:endParaRPr>
-          </a:p>
-          <a:p>
-            <a:pPr>
-              <a:lnSpc>
-                <a:spcPct val="100000"/>
-              </a:lnSpc>
-              <a:spcBef>
-                <a:spcPts val="400"/>
-              </a:spcBef>
-              <a:tabLst>
-                <a:tab pos="0" algn="l"/>
-              </a:tabLst>
-            </a:pPr>
-            <a:r>
-              <a:rPr lang="en-GB" sz="2000" b="0" strike="noStrike" spc="-1">
-                <a:solidFill>
-                  <a:srgbClr val="000000"/>
-                </a:solidFill>
-                <a:latin typeface="Courier New"/>
-                <a:ea typeface="Calibri"/>
-              </a:rPr>
-              <a:t>wilcox.test(y1,y2, paired=TRUE) </a:t>
-            </a:r>
-            <a:r>
-              <a:rPr lang="en-GB" sz="2000" b="0" strike="noStrike" spc="-1">
-                <a:solidFill>
-                  <a:srgbClr val="000000"/>
-                </a:solidFill>
-                <a:latin typeface="Calibri"/>
-                <a:ea typeface="Calibri"/>
-              </a:rPr>
-              <a:t># where y1 and y2 are numeric</a:t>
-            </a:r>
-            <a:endParaRPr lang="en-GB" sz="2000" b="0" strike="noStrike" spc="-1">
-              <a:latin typeface="Arial"/>
-            </a:endParaRPr>
-          </a:p>
-          <a:p>
-            <a:pPr marL="343080" indent="-342000">
-              <a:lnSpc>
-                <a:spcPct val="100000"/>
-              </a:lnSpc>
-              <a:spcBef>
-                <a:spcPts val="400"/>
-              </a:spcBef>
-              <a:buClr>
-                <a:srgbClr val="000000"/>
-              </a:buClr>
-              <a:buFont typeface="Arial"/>
-              <a:buChar char="•"/>
-              <a:tabLst>
-                <a:tab pos="0" algn="l"/>
-              </a:tabLst>
-            </a:pPr>
-            <a:r>
-              <a:rPr lang="en-GB" sz="2000" b="0" strike="noStrike" spc="-1">
-                <a:solidFill>
-                  <a:srgbClr val="000000"/>
-                </a:solidFill>
-                <a:latin typeface="Calibri"/>
-                <a:ea typeface="Calibri"/>
-              </a:rPr>
-              <a:t>More than 2 groups - analysis of variance (ANOVA, parametric)</a:t>
-            </a:r>
-            <a:endParaRPr lang="en-GB" sz="2000" b="0" strike="noStrike" spc="-1">
-              <a:latin typeface="Arial"/>
-            </a:endParaRPr>
-          </a:p>
-          <a:p>
-            <a:pPr>
-              <a:lnSpc>
-                <a:spcPct val="100000"/>
-              </a:lnSpc>
-              <a:spcBef>
-                <a:spcPts val="400"/>
-              </a:spcBef>
-              <a:tabLst>
-                <a:tab pos="0" algn="l"/>
-              </a:tabLst>
-            </a:pPr>
-            <a:r>
-              <a:rPr lang="en-GB" sz="2000" b="0" strike="noStrike" spc="-1">
-                <a:solidFill>
-                  <a:srgbClr val="000000"/>
-                </a:solidFill>
-                <a:latin typeface="Courier New"/>
-                <a:ea typeface="Calibri"/>
-              </a:rPr>
-              <a:t>aov(), anova()</a:t>
-            </a:r>
-            <a:endParaRPr lang="en-GB" sz="2000" b="0" strike="noStrike" spc="-1">
-              <a:latin typeface="Arial"/>
-            </a:endParaRPr>
-          </a:p>
-        </p:txBody>
-      </p:sp>
-    </p:spTree>
-  </p:cSld>
-  <p:clrMapOvr>
-    <a:masterClrMapping/>
-  </p:clrMapOvr>
-</p:sld>
-</file>
-
 <file path=ppt/slides/slide13.xml><?xml version="1.0" encoding="utf-8"?>
 <p:sld xmlns:a="http://schemas.openxmlformats.org/drawingml/2006/main" xmlns:r="http://schemas.openxmlformats.org/officeDocument/2006/relationships" xmlns:p="http://schemas.openxmlformats.org/presentationml/2006/main">
   <p:cSld>
@@ -13620,14 +13534,14 @@
       </p:grpSpPr>
       <p:sp>
         <p:nvSpPr>
-          <p:cNvPr id="274" name="CustomShape 1"/>
+          <p:cNvPr id="272" name="CustomShape 1"/>
           <p:cNvSpPr/>
           <p:nvPr/>
         </p:nvSpPr>
         <p:spPr>
           <a:xfrm>
-            <a:off x="269280" y="728640"/>
-            <a:ext cx="8479080" cy="1141920"/>
+            <a:off x="457200" y="684000"/>
+            <a:ext cx="8227800" cy="1143720"/>
           </a:xfrm>
           <a:prstGeom prst="rect">
             <a:avLst/>
@@ -13650,7 +13564,7 @@
           <a:fontRef idx="minor"/>
         </p:style>
         <p:txBody>
-          <a:bodyPr lIns="90000" tIns="45000" rIns="90000" bIns="45000" anchor="ctr">
+          <a:bodyPr lIns="0" tIns="0" rIns="0" bIns="0" anchor="ctr">
             <a:noAutofit/>
           </a:bodyPr>
           <a:lstStyle/>
@@ -13666,9 +13580,9 @@
                   <a:srgbClr val="000000"/>
                 </a:solidFill>
                 <a:latin typeface="Calibri"/>
-                <a:ea typeface="Calibri"/>
-              </a:rPr>
-              <a:t>Useful functions for summarisation</a:t>
+                <a:ea typeface="DejaVu Sans"/>
+              </a:rPr>
+              <a:t>Basic statistics</a:t>
             </a:r>
             <a:endParaRPr lang="en-GB" sz="4400" b="0" strike="noStrike" spc="-1">
               <a:latin typeface="Arial"/>
@@ -13678,14 +13592,14 @@
       </p:sp>
       <p:sp>
         <p:nvSpPr>
-          <p:cNvPr id="275" name="CustomShape 2"/>
+          <p:cNvPr id="273" name="CustomShape 2"/>
           <p:cNvSpPr/>
           <p:nvPr/>
         </p:nvSpPr>
         <p:spPr>
           <a:xfrm>
-            <a:off x="457200" y="1600200"/>
-            <a:ext cx="8228520" cy="4524840"/>
+            <a:off x="457200" y="1700280"/>
+            <a:ext cx="8227800" cy="4863960"/>
           </a:xfrm>
           <a:prstGeom prst="rect">
             <a:avLst/>
@@ -13709,29 +13623,16 @@
         </p:style>
         <p:txBody>
           <a:bodyPr lIns="90000" tIns="45000" rIns="90000" bIns="45000">
-            <a:normAutofit/>
-          </a:bodyPr>
-          <a:lstStyle/>
-          <a:p>
-            <a:pPr>
-              <a:lnSpc>
-                <a:spcPct val="100000"/>
-              </a:lnSpc>
-              <a:spcBef>
-                <a:spcPts val="479"/>
-              </a:spcBef>
-            </a:pPr>
-            <a:endParaRPr lang="en-GB" sz="1800" b="0" strike="noStrike" spc="-1" dirty="0">
-              <a:latin typeface="Arial"/>
-            </a:endParaRPr>
-          </a:p>
+            <a:normAutofit fontScale="91000" lnSpcReduction="10000"/>
+          </a:bodyPr>
+          <a:lstStyle/>
           <a:p>
             <a:pPr marL="343080" indent="-342000">
               <a:lnSpc>
                 <a:spcPct val="100000"/>
               </a:lnSpc>
               <a:spcBef>
-                <a:spcPts val="479"/>
+                <a:spcPts val="400"/>
               </a:spcBef>
               <a:buClr>
                 <a:srgbClr val="000000"/>
@@ -13740,36 +13641,26 @@
               <a:buChar char="•"/>
             </a:pPr>
             <a:r>
-              <a:rPr lang="en-GB" sz="2400" b="0" strike="noStrike" spc="-1" dirty="0" err="1">
+              <a:rPr lang="en-GB" sz="2000" b="0" strike="noStrike" spc="-1">
                 <a:solidFill>
                   <a:srgbClr val="000000"/>
                 </a:solidFill>
                 <a:latin typeface="Calibri"/>
                 <a:ea typeface="Calibri"/>
               </a:rPr>
-              <a:t>Center</a:t>
-            </a:r>
-            <a:r>
-              <a:rPr lang="en-GB" sz="2400" b="0" strike="noStrike" spc="-1" dirty="0">
-                <a:solidFill>
-                  <a:srgbClr val="000000"/>
-                </a:solidFill>
-                <a:latin typeface="Calibri"/>
-                <a:ea typeface="Calibri"/>
-              </a:rPr>
-              <a:t>: </a:t>
-            </a:r>
-            <a:r>
-              <a:rPr lang="en-GB" sz="2400" b="0" strike="noStrike" spc="-1" dirty="0">
+              <a:t>Correlations – </a:t>
+            </a:r>
+            <a:r>
+              <a:rPr lang="en-GB" sz="2000" b="0" strike="noStrike" spc="-1">
                 <a:solidFill>
                   <a:srgbClr val="000000"/>
                 </a:solidFill>
                 <a:latin typeface="Courier New"/>
                 <a:ea typeface="Calibri"/>
               </a:rPr>
-              <a:t>mean(), median()</a:t>
-            </a:r>
-            <a:endParaRPr lang="en-GB" sz="2400" b="0" strike="noStrike" spc="-1" dirty="0">
+              <a:t>cor(), cor.test()</a:t>
+            </a:r>
+            <a:endParaRPr lang="en-GB" sz="2000" b="0" strike="noStrike" spc="-1">
               <a:latin typeface="Arial"/>
             </a:endParaRPr>
           </a:p>
@@ -13779,7 +13670,7 @@
                 <a:spcPct val="100000"/>
               </a:lnSpc>
               <a:spcBef>
-                <a:spcPts val="479"/>
+                <a:spcPts val="400"/>
               </a:spcBef>
               <a:buClr>
                 <a:srgbClr val="000000"/>
@@ -13788,36 +13679,16 @@
               <a:buChar char="•"/>
             </a:pPr>
             <a:r>
-              <a:rPr lang="en-GB" sz="2400" b="0" strike="noStrike" spc="-1" dirty="0">
+              <a:rPr lang="en-GB" sz="2000" b="0" strike="noStrike" spc="-1">
                 <a:solidFill>
                   <a:srgbClr val="000000"/>
                 </a:solidFill>
                 <a:latin typeface="Calibri"/>
                 <a:ea typeface="Calibri"/>
               </a:rPr>
-              <a:t>Spread: </a:t>
-            </a:r>
-            <a:r>
-              <a:rPr lang="en-GB" sz="2400" b="0" strike="noStrike" spc="-1" dirty="0" err="1">
-                <a:solidFill>
-                  <a:srgbClr val="000000"/>
-                </a:solidFill>
-                <a:latin typeface="Courier New"/>
-                <a:ea typeface="Calibri"/>
-              </a:rPr>
-              <a:t>sd</a:t>
-            </a:r>
-            <a:r>
-              <a:rPr lang="en-GB" sz="2400" b="0" strike="noStrike" spc="-1" dirty="0">
-                <a:solidFill>
-                  <a:srgbClr val="000000"/>
-                </a:solidFill>
-                <a:latin typeface="Courier New"/>
-                <a:ea typeface="Calibri"/>
-              </a:rPr>
-              <a:t>(), IQR()</a:t>
-            </a:r>
-            <a:endParaRPr lang="en-GB" sz="2400" b="0" strike="noStrike" spc="-1" dirty="0">
+              <a:t>T-test (parametric):</a:t>
+            </a:r>
+            <a:endParaRPr lang="en-GB" sz="2000" b="0" strike="noStrike" spc="-1">
               <a:latin typeface="Arial"/>
             </a:endParaRPr>
           </a:p>
@@ -13827,35 +13698,195 @@
                 <a:spcPct val="100000"/>
               </a:lnSpc>
               <a:spcBef>
-                <a:spcPts val="479"/>
+                <a:spcPts val="400"/>
+              </a:spcBef>
+              <a:buClr>
+                <a:srgbClr val="000000"/>
+              </a:buClr>
+              <a:buFont typeface="Courier New"/>
+              <a:buChar char="o"/>
+            </a:pPr>
+            <a:r>
+              <a:rPr lang="en-GB" sz="2000" b="0" strike="noStrike" spc="-1">
+                <a:solidFill>
+                  <a:srgbClr val="000000"/>
+                </a:solidFill>
+                <a:latin typeface="Calibri"/>
+                <a:ea typeface="Calibri"/>
+              </a:rPr>
+              <a:t> Unpaired 2-group t-test</a:t>
+            </a:r>
+            <a:endParaRPr lang="en-GB" sz="2000" b="0" strike="noStrike" spc="-1">
+              <a:latin typeface="Arial"/>
+            </a:endParaRPr>
+          </a:p>
+          <a:p>
+            <a:pPr>
+              <a:lnSpc>
+                <a:spcPct val="100000"/>
+              </a:lnSpc>
+              <a:spcBef>
+                <a:spcPts val="400"/>
+              </a:spcBef>
+              <a:tabLst>
+                <a:tab pos="0" algn="l"/>
+              </a:tabLst>
+            </a:pPr>
+            <a:r>
+              <a:rPr lang="en-GB" sz="2000" b="0" strike="noStrike" spc="-1">
+                <a:solidFill>
+                  <a:srgbClr val="000000"/>
+                </a:solidFill>
+                <a:latin typeface="Courier New"/>
+                <a:ea typeface="Calibri"/>
+              </a:rPr>
+              <a:t>t.test(y~x) </a:t>
+            </a:r>
+            <a:r>
+              <a:rPr lang="en-GB" sz="2000" b="0" strike="noStrike" spc="-1">
+                <a:solidFill>
+                  <a:srgbClr val="000000"/>
+                </a:solidFill>
+                <a:latin typeface="Calibri"/>
+                <a:ea typeface="Calibri"/>
+              </a:rPr>
+              <a:t># where y is numeric and x is a binary factor</a:t>
+            </a:r>
+            <a:endParaRPr lang="en-GB" sz="2000" b="0" strike="noStrike" spc="-1">
+              <a:latin typeface="Arial"/>
+            </a:endParaRPr>
+          </a:p>
+          <a:p>
+            <a:pPr>
+              <a:lnSpc>
+                <a:spcPct val="100000"/>
+              </a:lnSpc>
+              <a:spcBef>
+                <a:spcPts val="400"/>
+              </a:spcBef>
+              <a:tabLst>
+                <a:tab pos="0" algn="l"/>
+              </a:tabLst>
+            </a:pPr>
+            <a:r>
+              <a:rPr lang="en-GB" sz="2000" b="0" strike="noStrike" spc="-1">
+                <a:solidFill>
+                  <a:srgbClr val="000000"/>
+                </a:solidFill>
+                <a:latin typeface="Courier New"/>
+                <a:ea typeface="Calibri"/>
+              </a:rPr>
+              <a:t>t.test(y1,y2)</a:t>
+            </a:r>
+            <a:r>
+              <a:rPr lang="en-GB" sz="2000" b="0" strike="noStrike" spc="-1">
+                <a:solidFill>
+                  <a:srgbClr val="000000"/>
+                </a:solidFill>
+                <a:latin typeface="Calibri"/>
+                <a:ea typeface="Calibri"/>
+              </a:rPr>
+              <a:t> # where y1 and y2 are numeric</a:t>
+            </a:r>
+            <a:endParaRPr lang="en-GB" sz="2000" b="0" strike="noStrike" spc="-1">
+              <a:latin typeface="Arial"/>
+            </a:endParaRPr>
+          </a:p>
+          <a:p>
+            <a:pPr marL="343080" indent="-342000">
+              <a:lnSpc>
+                <a:spcPct val="100000"/>
+              </a:lnSpc>
+              <a:spcBef>
+                <a:spcPts val="400"/>
+              </a:spcBef>
+              <a:buClr>
+                <a:srgbClr val="000000"/>
+              </a:buClr>
+              <a:buFont typeface="Courier New"/>
+              <a:buChar char="o"/>
+              <a:tabLst>
+                <a:tab pos="0" algn="l"/>
+              </a:tabLst>
+            </a:pPr>
+            <a:r>
+              <a:rPr lang="en-GB" sz="2000" b="0" strike="noStrike" spc="-1">
+                <a:solidFill>
+                  <a:srgbClr val="000000"/>
+                </a:solidFill>
+                <a:latin typeface="Calibri"/>
+                <a:ea typeface="Calibri"/>
+              </a:rPr>
+              <a:t>Paired 2-group t-test</a:t>
+            </a:r>
+            <a:endParaRPr lang="en-GB" sz="2000" b="0" strike="noStrike" spc="-1">
+              <a:latin typeface="Arial"/>
+            </a:endParaRPr>
+          </a:p>
+          <a:p>
+            <a:pPr>
+              <a:lnSpc>
+                <a:spcPct val="100000"/>
+              </a:lnSpc>
+              <a:spcBef>
+                <a:spcPts val="400"/>
+              </a:spcBef>
+              <a:tabLst>
+                <a:tab pos="0" algn="l"/>
+              </a:tabLst>
+            </a:pPr>
+            <a:r>
+              <a:rPr lang="en-GB" sz="2000" b="0" strike="noStrike" spc="-1">
+                <a:solidFill>
+                  <a:srgbClr val="000000"/>
+                </a:solidFill>
+                <a:latin typeface="Courier New"/>
+                <a:ea typeface="Calibri"/>
+              </a:rPr>
+              <a:t>t.test(y1,y2, paired=TRUE)</a:t>
+            </a:r>
+            <a:r>
+              <a:rPr lang="en-GB" sz="2000" b="0" strike="noStrike" spc="-1">
+                <a:solidFill>
+                  <a:srgbClr val="000000"/>
+                </a:solidFill>
+                <a:latin typeface="Calibri"/>
+                <a:ea typeface="Calibri"/>
+              </a:rPr>
+              <a:t> # where y1 &amp; y2 are numeric</a:t>
+            </a:r>
+            <a:endParaRPr lang="en-GB" sz="2000" b="0" strike="noStrike" spc="-1">
+              <a:latin typeface="Arial"/>
+            </a:endParaRPr>
+          </a:p>
+          <a:p>
+            <a:pPr marL="343080" indent="-342000">
+              <a:lnSpc>
+                <a:spcPct val="100000"/>
+              </a:lnSpc>
+              <a:spcBef>
+                <a:spcPts val="400"/>
               </a:spcBef>
               <a:buClr>
                 <a:srgbClr val="000000"/>
               </a:buClr>
               <a:buFont typeface="Arial"/>
               <a:buChar char="•"/>
-            </a:pPr>
-            <a:r>
-              <a:rPr lang="en-GB" sz="2400" b="0" strike="noStrike" spc="-1" dirty="0">
+              <a:tabLst>
+                <a:tab pos="0" algn="l"/>
+              </a:tabLst>
+            </a:pPr>
+            <a:r>
+              <a:rPr lang="en-GB" sz="2000" b="0" strike="noStrike" spc="-1">
                 <a:solidFill>
                   <a:srgbClr val="000000"/>
                 </a:solidFill>
                 <a:latin typeface="Calibri"/>
                 <a:ea typeface="Calibri"/>
               </a:rPr>
-              <a:t>Range: </a:t>
-            </a:r>
-            <a:r>
-              <a:rPr lang="en-GB" sz="2400" b="0" strike="noStrike" spc="-1" dirty="0">
-                <a:solidFill>
-                  <a:srgbClr val="000000"/>
-                </a:solidFill>
-                <a:latin typeface="Courier New"/>
-                <a:ea typeface="Calibri"/>
-              </a:rPr>
-              <a:t>min(), max(), quantile()</a:t>
-            </a:r>
-            <a:endParaRPr lang="en-GB" sz="2400" b="0" strike="noStrike" spc="-1" dirty="0">
+              <a:t>Non-parametric tests:</a:t>
+            </a:r>
+            <a:endParaRPr lang="en-GB" sz="2000" b="0" strike="noStrike" spc="-1">
               <a:latin typeface="Arial"/>
             </a:endParaRPr>
           </a:p>
@@ -13865,15 +13896,224 @@
                 <a:spcPct val="100000"/>
               </a:lnSpc>
               <a:spcBef>
-                <a:spcPts val="479"/>
+                <a:spcPts val="400"/>
+              </a:spcBef>
+              <a:buClr>
+                <a:srgbClr val="000000"/>
+              </a:buClr>
+              <a:buFont typeface="Courier New"/>
+              <a:buChar char="o"/>
+              <a:tabLst>
+                <a:tab pos="0" algn="l"/>
+              </a:tabLst>
+            </a:pPr>
+            <a:r>
+              <a:rPr lang="en-GB" sz="2000" b="0" strike="noStrike" spc="-1">
+                <a:solidFill>
+                  <a:srgbClr val="000000"/>
+                </a:solidFill>
+                <a:latin typeface="Calibri"/>
+                <a:ea typeface="Calibri"/>
+              </a:rPr>
+              <a:t>Unpaired 2-group Mann-Whitney U Test </a:t>
+            </a:r>
+            <a:endParaRPr lang="en-GB" sz="2000" b="0" strike="noStrike" spc="-1">
+              <a:latin typeface="Arial"/>
+            </a:endParaRPr>
+          </a:p>
+          <a:p>
+            <a:pPr>
+              <a:lnSpc>
+                <a:spcPct val="100000"/>
+              </a:lnSpc>
+              <a:spcBef>
+                <a:spcPts val="400"/>
+              </a:spcBef>
+              <a:tabLst>
+                <a:tab pos="0" algn="l"/>
+              </a:tabLst>
+            </a:pPr>
+            <a:r>
+              <a:rPr lang="en-GB" sz="2000" b="0" strike="noStrike" spc="-1">
+                <a:solidFill>
+                  <a:srgbClr val="000000"/>
+                </a:solidFill>
+                <a:latin typeface="Courier New"/>
+                <a:ea typeface="Calibri"/>
+              </a:rPr>
+              <a:t>wilcox.test(y~A) </a:t>
+            </a:r>
+            <a:r>
+              <a:rPr lang="en-GB" sz="2000" b="0" strike="noStrike" spc="-1">
+                <a:solidFill>
+                  <a:srgbClr val="000000"/>
+                </a:solidFill>
+                <a:latin typeface="Calibri"/>
+                <a:ea typeface="Calibri"/>
+              </a:rPr>
+              <a:t># where y is numeric and A is A binary factor</a:t>
+            </a:r>
+            <a:endParaRPr lang="en-GB" sz="2000" b="0" strike="noStrike" spc="-1">
+              <a:latin typeface="Arial"/>
+            </a:endParaRPr>
+          </a:p>
+          <a:p>
+            <a:pPr>
+              <a:lnSpc>
+                <a:spcPct val="100000"/>
+              </a:lnSpc>
+              <a:spcBef>
+                <a:spcPts val="400"/>
+              </a:spcBef>
+              <a:tabLst>
+                <a:tab pos="0" algn="l"/>
+              </a:tabLst>
+            </a:pPr>
+            <a:r>
+              <a:rPr lang="en-GB" sz="2000" b="0" strike="noStrike" spc="-1">
+                <a:solidFill>
+                  <a:srgbClr val="000000"/>
+                </a:solidFill>
+                <a:latin typeface="Courier New"/>
+                <a:ea typeface="Calibri"/>
+              </a:rPr>
+              <a:t>wilcox.test(y,x)</a:t>
+            </a:r>
+            <a:r>
+              <a:rPr lang="en-GB" sz="2000" b="0" strike="noStrike" spc="-1">
+                <a:solidFill>
+                  <a:srgbClr val="000000"/>
+                </a:solidFill>
+                <a:latin typeface="Calibri"/>
+                <a:ea typeface="Calibri"/>
+              </a:rPr>
+              <a:t> # where y and x are numeric</a:t>
+            </a:r>
+            <a:endParaRPr lang="en-GB" sz="2000" b="0" strike="noStrike" spc="-1">
+              <a:latin typeface="Arial"/>
+            </a:endParaRPr>
+          </a:p>
+          <a:p>
+            <a:pPr marL="343080" indent="-342000">
+              <a:lnSpc>
+                <a:spcPct val="100000"/>
+              </a:lnSpc>
+              <a:spcBef>
+                <a:spcPts val="400"/>
+              </a:spcBef>
+              <a:buClr>
+                <a:srgbClr val="000000"/>
+              </a:buClr>
+              <a:buFont typeface="Courier New"/>
+              <a:buChar char="o"/>
+              <a:tabLst>
+                <a:tab pos="0" algn="l"/>
+              </a:tabLst>
+            </a:pPr>
+            <a:r>
+              <a:rPr lang="en-GB" sz="2000" b="0" strike="noStrike" spc="-1">
+                <a:solidFill>
+                  <a:srgbClr val="000000"/>
+                </a:solidFill>
+                <a:latin typeface="Calibri"/>
+                <a:ea typeface="Calibri"/>
+              </a:rPr>
+              <a:t>Paired 2-group Wilcoxon Signed Rank Test</a:t>
+            </a:r>
+            <a:endParaRPr lang="en-GB" sz="2000" b="0" strike="noStrike" spc="-1">
+              <a:latin typeface="Arial"/>
+            </a:endParaRPr>
+          </a:p>
+          <a:p>
+            <a:pPr>
+              <a:lnSpc>
+                <a:spcPct val="100000"/>
+              </a:lnSpc>
+              <a:spcBef>
+                <a:spcPts val="400"/>
+              </a:spcBef>
+              <a:tabLst>
+                <a:tab pos="0" algn="l"/>
+              </a:tabLst>
+            </a:pPr>
+            <a:r>
+              <a:rPr lang="en-GB" sz="2000" b="0" strike="noStrike" spc="-1">
+                <a:solidFill>
+                  <a:srgbClr val="000000"/>
+                </a:solidFill>
+                <a:latin typeface="Courier New"/>
+                <a:ea typeface="Calibri"/>
+              </a:rPr>
+              <a:t>wilcox.test(y1,y2, paired=TRUE) </a:t>
+            </a:r>
+            <a:r>
+              <a:rPr lang="en-GB" sz="2000" b="0" strike="noStrike" spc="-1">
+                <a:solidFill>
+                  <a:srgbClr val="000000"/>
+                </a:solidFill>
+                <a:latin typeface="Calibri"/>
+                <a:ea typeface="Calibri"/>
+              </a:rPr>
+              <a:t># where y1 and y2 are numeric</a:t>
+            </a:r>
+            <a:endParaRPr lang="en-GB" sz="2000" b="0" strike="noStrike" spc="-1">
+              <a:latin typeface="Arial"/>
+            </a:endParaRPr>
+          </a:p>
+          <a:p>
+            <a:pPr marL="343080" indent="-342000">
+              <a:lnSpc>
+                <a:spcPct val="100000"/>
+              </a:lnSpc>
+              <a:spcBef>
+                <a:spcPts val="400"/>
               </a:spcBef>
               <a:buClr>
                 <a:srgbClr val="000000"/>
               </a:buClr>
               <a:buFont typeface="Arial"/>
               <a:buChar char="•"/>
-            </a:pPr>
-            <a:endParaRPr lang="en-GB" sz="2400" b="0" strike="noStrike" spc="-1" dirty="0">
+              <a:tabLst>
+                <a:tab pos="0" algn="l"/>
+              </a:tabLst>
+            </a:pPr>
+            <a:r>
+              <a:rPr lang="en-GB" sz="2000" b="0" strike="noStrike" spc="-1">
+                <a:solidFill>
+                  <a:srgbClr val="000000"/>
+                </a:solidFill>
+                <a:latin typeface="Calibri"/>
+                <a:ea typeface="Calibri"/>
+              </a:rPr>
+              <a:t>More than 2 groups - analysis of variance (ANOVA, parametric)</a:t>
+            </a:r>
+            <a:endParaRPr lang="en-GB" sz="2000" b="0" strike="noStrike" spc="-1">
+              <a:latin typeface="Arial"/>
+            </a:endParaRPr>
+          </a:p>
+          <a:p>
+            <a:pPr>
+              <a:lnSpc>
+                <a:spcPct val="100000"/>
+              </a:lnSpc>
+              <a:spcBef>
+                <a:spcPts val="400"/>
+              </a:spcBef>
+              <a:tabLst>
+                <a:tab pos="0" algn="l"/>
+              </a:tabLst>
+            </a:pPr>
+            <a:r>
+              <a:rPr lang="en-GB" sz="2000" b="0" strike="noStrike" spc="-1">
+                <a:solidFill>
+                  <a:srgbClr val="000000"/>
+                </a:solidFill>
+                <a:latin typeface="Courier New"/>
+                <a:ea typeface="Calibri"/>
+              </a:rPr>
+              <a:t>aov(), anova()</a:t>
+            </a:r>
+            <a:endParaRPr lang="en-GB" sz="2000" b="0" strike="noStrike" spc="-1">
               <a:latin typeface="Arial"/>
             </a:endParaRPr>
           </a:p>
@@ -13906,14 +14146,14 @@
       </p:grpSpPr>
       <p:sp>
         <p:nvSpPr>
-          <p:cNvPr id="276" name="CustomShape 1"/>
+          <p:cNvPr id="274" name="CustomShape 1"/>
           <p:cNvSpPr/>
           <p:nvPr/>
         </p:nvSpPr>
         <p:spPr>
           <a:xfrm>
-            <a:off x="457200" y="684000"/>
-            <a:ext cx="8227440" cy="1143360"/>
+            <a:off x="269280" y="728640"/>
+            <a:ext cx="8479080" cy="1141920"/>
           </a:xfrm>
           <a:prstGeom prst="rect">
             <a:avLst/>
@@ -13936,7 +14176,7 @@
           <a:fontRef idx="minor"/>
         </p:style>
         <p:txBody>
-          <a:bodyPr lIns="0" tIns="0" rIns="0" bIns="0" anchor="ctr">
+          <a:bodyPr lIns="90000" tIns="45000" rIns="90000" bIns="45000" anchor="ctr">
             <a:noAutofit/>
           </a:bodyPr>
           <a:lstStyle/>
@@ -13952,9 +14192,9 @@
                   <a:srgbClr val="000000"/>
                 </a:solidFill>
                 <a:latin typeface="Calibri"/>
-                <a:ea typeface="DejaVu Sans"/>
-              </a:rPr>
-              <a:t>Visualising data</a:t>
+                <a:ea typeface="Calibri"/>
+              </a:rPr>
+              <a:t>Useful functions for summarisation</a:t>
             </a:r>
             <a:endParaRPr lang="en-GB" sz="4400" b="0" strike="noStrike" spc="-1">
               <a:latin typeface="Arial"/>
@@ -13964,14 +14204,14 @@
       </p:sp>
       <p:sp>
         <p:nvSpPr>
-          <p:cNvPr id="277" name="CustomShape 2"/>
+          <p:cNvPr id="275" name="CustomShape 2"/>
           <p:cNvSpPr/>
           <p:nvPr/>
         </p:nvSpPr>
         <p:spPr>
           <a:xfrm>
-            <a:off x="457200" y="2034720"/>
-            <a:ext cx="5365080" cy="4138200"/>
+            <a:off x="457200" y="1600200"/>
+            <a:ext cx="8228520" cy="4524840"/>
           </a:xfrm>
           <a:prstGeom prst="rect">
             <a:avLst/>
@@ -13994,6 +14234,292 @@
           <a:fontRef idx="minor"/>
         </p:style>
         <p:txBody>
+          <a:bodyPr lIns="90000" tIns="45000" rIns="90000" bIns="45000">
+            <a:normAutofit/>
+          </a:bodyPr>
+          <a:lstStyle/>
+          <a:p>
+            <a:pPr>
+              <a:lnSpc>
+                <a:spcPct val="100000"/>
+              </a:lnSpc>
+              <a:spcBef>
+                <a:spcPts val="479"/>
+              </a:spcBef>
+            </a:pPr>
+            <a:endParaRPr lang="en-GB" sz="1800" b="0" strike="noStrike" spc="-1" dirty="0">
+              <a:latin typeface="Arial"/>
+            </a:endParaRPr>
+          </a:p>
+          <a:p>
+            <a:pPr marL="343080" indent="-342000">
+              <a:lnSpc>
+                <a:spcPct val="100000"/>
+              </a:lnSpc>
+              <a:spcBef>
+                <a:spcPts val="479"/>
+              </a:spcBef>
+              <a:buClr>
+                <a:srgbClr val="000000"/>
+              </a:buClr>
+              <a:buFont typeface="Arial"/>
+              <a:buChar char="•"/>
+            </a:pPr>
+            <a:r>
+              <a:rPr lang="en-GB" sz="2400" b="0" strike="noStrike" spc="-1" dirty="0" err="1">
+                <a:solidFill>
+                  <a:srgbClr val="000000"/>
+                </a:solidFill>
+                <a:latin typeface="Calibri"/>
+                <a:ea typeface="Calibri"/>
+              </a:rPr>
+              <a:t>Center</a:t>
+            </a:r>
+            <a:r>
+              <a:rPr lang="en-GB" sz="2400" b="0" strike="noStrike" spc="-1" dirty="0">
+                <a:solidFill>
+                  <a:srgbClr val="000000"/>
+                </a:solidFill>
+                <a:latin typeface="Calibri"/>
+                <a:ea typeface="Calibri"/>
+              </a:rPr>
+              <a:t>: </a:t>
+            </a:r>
+            <a:r>
+              <a:rPr lang="en-GB" sz="2400" b="0" strike="noStrike" spc="-1" dirty="0">
+                <a:solidFill>
+                  <a:srgbClr val="000000"/>
+                </a:solidFill>
+                <a:latin typeface="Courier New"/>
+                <a:ea typeface="Calibri"/>
+              </a:rPr>
+              <a:t>mean(), median()</a:t>
+            </a:r>
+            <a:endParaRPr lang="en-GB" sz="2400" b="0" strike="noStrike" spc="-1" dirty="0">
+              <a:latin typeface="Arial"/>
+            </a:endParaRPr>
+          </a:p>
+          <a:p>
+            <a:pPr marL="343080" indent="-342000">
+              <a:lnSpc>
+                <a:spcPct val="100000"/>
+              </a:lnSpc>
+              <a:spcBef>
+                <a:spcPts val="479"/>
+              </a:spcBef>
+              <a:buClr>
+                <a:srgbClr val="000000"/>
+              </a:buClr>
+              <a:buFont typeface="Arial"/>
+              <a:buChar char="•"/>
+            </a:pPr>
+            <a:r>
+              <a:rPr lang="en-GB" sz="2400" b="0" strike="noStrike" spc="-1" dirty="0">
+                <a:solidFill>
+                  <a:srgbClr val="000000"/>
+                </a:solidFill>
+                <a:latin typeface="Calibri"/>
+                <a:ea typeface="Calibri"/>
+              </a:rPr>
+              <a:t>Spread: </a:t>
+            </a:r>
+            <a:r>
+              <a:rPr lang="en-GB" sz="2400" b="0" strike="noStrike" spc="-1" dirty="0" err="1">
+                <a:solidFill>
+                  <a:srgbClr val="000000"/>
+                </a:solidFill>
+                <a:latin typeface="Courier New"/>
+                <a:ea typeface="Calibri"/>
+              </a:rPr>
+              <a:t>sd</a:t>
+            </a:r>
+            <a:r>
+              <a:rPr lang="en-GB" sz="2400" b="0" strike="noStrike" spc="-1" dirty="0">
+                <a:solidFill>
+                  <a:srgbClr val="000000"/>
+                </a:solidFill>
+                <a:latin typeface="Courier New"/>
+                <a:ea typeface="Calibri"/>
+              </a:rPr>
+              <a:t>(), IQR()</a:t>
+            </a:r>
+            <a:endParaRPr lang="en-GB" sz="2400" b="0" strike="noStrike" spc="-1" dirty="0">
+              <a:latin typeface="Arial"/>
+            </a:endParaRPr>
+          </a:p>
+          <a:p>
+            <a:pPr marL="343080" indent="-342000">
+              <a:lnSpc>
+                <a:spcPct val="100000"/>
+              </a:lnSpc>
+              <a:spcBef>
+                <a:spcPts val="479"/>
+              </a:spcBef>
+              <a:buClr>
+                <a:srgbClr val="000000"/>
+              </a:buClr>
+              <a:buFont typeface="Arial"/>
+              <a:buChar char="•"/>
+            </a:pPr>
+            <a:r>
+              <a:rPr lang="en-GB" sz="2400" b="0" strike="noStrike" spc="-1" dirty="0">
+                <a:solidFill>
+                  <a:srgbClr val="000000"/>
+                </a:solidFill>
+                <a:latin typeface="Calibri"/>
+                <a:ea typeface="Calibri"/>
+              </a:rPr>
+              <a:t>Range: </a:t>
+            </a:r>
+            <a:r>
+              <a:rPr lang="en-GB" sz="2400" b="0" strike="noStrike" spc="-1" dirty="0">
+                <a:solidFill>
+                  <a:srgbClr val="000000"/>
+                </a:solidFill>
+                <a:latin typeface="Courier New"/>
+                <a:ea typeface="Calibri"/>
+              </a:rPr>
+              <a:t>min(), max(), quantile()</a:t>
+            </a:r>
+            <a:endParaRPr lang="en-GB" sz="2400" b="0" strike="noStrike" spc="-1" dirty="0">
+              <a:latin typeface="Arial"/>
+            </a:endParaRPr>
+          </a:p>
+          <a:p>
+            <a:pPr marL="343080" indent="-342000">
+              <a:lnSpc>
+                <a:spcPct val="100000"/>
+              </a:lnSpc>
+              <a:spcBef>
+                <a:spcPts val="479"/>
+              </a:spcBef>
+              <a:buClr>
+                <a:srgbClr val="000000"/>
+              </a:buClr>
+              <a:buFont typeface="Arial"/>
+              <a:buChar char="•"/>
+            </a:pPr>
+            <a:endParaRPr lang="en-GB" sz="2400" b="0" strike="noStrike" spc="-1" dirty="0">
+              <a:latin typeface="Arial"/>
+            </a:endParaRPr>
+          </a:p>
+        </p:txBody>
+      </p:sp>
+    </p:spTree>
+  </p:cSld>
+  <p:clrMapOvr>
+    <a:masterClrMapping/>
+  </p:clrMapOvr>
+</p:sld>
+</file>
+
+<file path=ppt/slides/slide15.xml><?xml version="1.0" encoding="utf-8"?>
+<p:sld xmlns:a="http://schemas.openxmlformats.org/drawingml/2006/main" xmlns:r="http://schemas.openxmlformats.org/officeDocument/2006/relationships" xmlns:p="http://schemas.openxmlformats.org/presentationml/2006/main">
+  <p:cSld>
+    <p:spTree>
+      <p:nvGrpSpPr>
+        <p:cNvPr id="1" name=""/>
+        <p:cNvGrpSpPr/>
+        <p:nvPr/>
+      </p:nvGrpSpPr>
+      <p:grpSpPr>
+        <a:xfrm>
+          <a:off x="0" y="0"/>
+          <a:ext cx="0" cy="0"/>
+          <a:chOff x="0" y="0"/>
+          <a:chExt cx="0" cy="0"/>
+        </a:xfrm>
+      </p:grpSpPr>
+      <p:sp>
+        <p:nvSpPr>
+          <p:cNvPr id="276" name="CustomShape 1"/>
+          <p:cNvSpPr/>
+          <p:nvPr/>
+        </p:nvSpPr>
+        <p:spPr>
+          <a:xfrm>
+            <a:off x="457200" y="684000"/>
+            <a:ext cx="8227440" cy="1143360"/>
+          </a:xfrm>
+          <a:prstGeom prst="rect">
+            <a:avLst/>
+          </a:prstGeom>
+          <a:noFill/>
+          <a:ln>
+            <a:noFill/>
+          </a:ln>
+        </p:spPr>
+        <p:style>
+          <a:lnRef idx="0">
+            <a:scrgbClr r="0" g="0" b="0"/>
+          </a:lnRef>
+          <a:fillRef idx="0">
+            <a:scrgbClr r="0" g="0" b="0"/>
+          </a:fillRef>
+          <a:effectRef idx="0">
+            <a:scrgbClr r="0" g="0" b="0"/>
+          </a:effectRef>
+          <a:fontRef idx="minor"/>
+        </p:style>
+        <p:txBody>
+          <a:bodyPr lIns="0" tIns="0" rIns="0" bIns="0" anchor="ctr">
+            <a:noAutofit/>
+          </a:bodyPr>
+          <a:lstStyle/>
+          <a:p>
+            <a:pPr algn="ctr">
+              <a:lnSpc>
+                <a:spcPct val="100000"/>
+              </a:lnSpc>
+            </a:pPr>
+            <a:r>
+              <a:rPr lang="en-GB" sz="4400" b="1" strike="noStrike" spc="-1">
+                <a:solidFill>
+                  <a:srgbClr val="000000"/>
+                </a:solidFill>
+                <a:latin typeface="Calibri"/>
+                <a:ea typeface="DejaVu Sans"/>
+              </a:rPr>
+              <a:t>Visualising data</a:t>
+            </a:r>
+            <a:endParaRPr lang="en-GB" sz="4400" b="0" strike="noStrike" spc="-1">
+              <a:latin typeface="Arial"/>
+            </a:endParaRPr>
+          </a:p>
+        </p:txBody>
+      </p:sp>
+      <p:sp>
+        <p:nvSpPr>
+          <p:cNvPr id="277" name="CustomShape 2"/>
+          <p:cNvSpPr/>
+          <p:nvPr/>
+        </p:nvSpPr>
+        <p:spPr>
+          <a:xfrm>
+            <a:off x="457200" y="2034720"/>
+            <a:ext cx="5365080" cy="4138200"/>
+          </a:xfrm>
+          <a:prstGeom prst="rect">
+            <a:avLst/>
+          </a:prstGeom>
+          <a:noFill/>
+          <a:ln>
+            <a:noFill/>
+          </a:ln>
+        </p:spPr>
+        <p:style>
+          <a:lnRef idx="0">
+            <a:scrgbClr r="0" g="0" b="0"/>
+          </a:lnRef>
+          <a:fillRef idx="0">
+            <a:scrgbClr r="0" g="0" b="0"/>
+          </a:fillRef>
+          <a:effectRef idx="0">
+            <a:scrgbClr r="0" g="0" b="0"/>
+          </a:effectRef>
+          <a:fontRef idx="minor"/>
+        </p:style>
+        <p:txBody>
           <a:bodyPr lIns="0" tIns="0" rIns="0" bIns="0">
             <a:normAutofit/>
           </a:bodyPr>
@@ -14361,7 +14887,7 @@
 </p:sld>
 </file>
 
-<file path=ppt/slides/slide15.xml><?xml version="1.0" encoding="utf-8"?>
+<file path=ppt/slides/slide16.xml><?xml version="1.0" encoding="utf-8"?>
 <p:sld xmlns:a="http://schemas.openxmlformats.org/drawingml/2006/main" xmlns:r="http://schemas.openxmlformats.org/officeDocument/2006/relationships" xmlns:p="http://schemas.openxmlformats.org/presentationml/2006/main">
   <p:cSld>
     <p:bg>
@@ -14421,6 +14947,13 @@
           </a:effectRef>
           <a:fontRef idx="minor"/>
         </p:style>
+        <p:txBody>
+          <a:bodyPr/>
+          <a:lstStyle/>
+          <a:p>
+            <a:endParaRPr lang="en-US"/>
+          </a:p>
+        </p:txBody>
       </p:sp>
       <p:sp>
         <p:nvSpPr>
@@ -14863,6 +15396,13 @@
           </a:effectRef>
           <a:fontRef idx="minor"/>
         </p:style>
+        <p:txBody>
+          <a:bodyPr/>
+          <a:lstStyle/>
+          <a:p>
+            <a:endParaRPr lang="en-US"/>
+          </a:p>
+        </p:txBody>
       </p:sp>
       <p:pic>
         <p:nvPicPr>
@@ -14887,217 +15427,6 @@
           </a:ln>
         </p:spPr>
       </p:pic>
-    </p:spTree>
-  </p:cSld>
-  <p:clrMapOvr>
-    <a:masterClrMapping/>
-  </p:clrMapOvr>
-</p:sld>
-</file>
-
-<file path=ppt/slides/slide16.xml><?xml version="1.0" encoding="utf-8"?>
-<p:sld xmlns:a="http://schemas.openxmlformats.org/drawingml/2006/main" xmlns:r="http://schemas.openxmlformats.org/officeDocument/2006/relationships" xmlns:p="http://schemas.openxmlformats.org/presentationml/2006/main">
-  <p:cSld>
-    <p:spTree>
-      <p:nvGrpSpPr>
-        <p:cNvPr id="1" name=""/>
-        <p:cNvGrpSpPr/>
-        <p:nvPr/>
-      </p:nvGrpSpPr>
-      <p:grpSpPr>
-        <a:xfrm>
-          <a:off x="0" y="0"/>
-          <a:ext cx="0" cy="0"/>
-          <a:chOff x="0" y="0"/>
-          <a:chExt cx="0" cy="0"/>
-        </a:xfrm>
-      </p:grpSpPr>
-      <p:sp>
-        <p:nvSpPr>
-          <p:cNvPr id="284" name="CustomShape 1"/>
-          <p:cNvSpPr/>
-          <p:nvPr/>
-        </p:nvSpPr>
-        <p:spPr>
-          <a:xfrm>
-            <a:off x="457200" y="684000"/>
-            <a:ext cx="8227440" cy="1143360"/>
-          </a:xfrm>
-          <a:prstGeom prst="rect">
-            <a:avLst/>
-          </a:prstGeom>
-          <a:noFill/>
-          <a:ln>
-            <a:noFill/>
-          </a:ln>
-        </p:spPr>
-        <p:style>
-          <a:lnRef idx="0">
-            <a:scrgbClr r="0" g="0" b="0"/>
-          </a:lnRef>
-          <a:fillRef idx="0">
-            <a:scrgbClr r="0" g="0" b="0"/>
-          </a:fillRef>
-          <a:effectRef idx="0">
-            <a:scrgbClr r="0" g="0" b="0"/>
-          </a:effectRef>
-          <a:fontRef idx="minor"/>
-        </p:style>
-        <p:txBody>
-          <a:bodyPr lIns="0" tIns="0" rIns="0" bIns="0" anchor="ctr">
-            <a:noAutofit/>
-          </a:bodyPr>
-          <a:lstStyle/>
-          <a:p>
-            <a:pPr algn="ctr">
-              <a:lnSpc>
-                <a:spcPct val="100000"/>
-              </a:lnSpc>
-            </a:pPr>
-            <a:r>
-              <a:rPr lang="en-GB" sz="4400" b="1" strike="noStrike" spc="-1">
-                <a:solidFill>
-                  <a:srgbClr val="000000"/>
-                </a:solidFill>
-                <a:latin typeface="Calibri"/>
-                <a:ea typeface="DejaVu Sans"/>
-              </a:rPr>
-              <a:t>Packages/libraries</a:t>
-            </a:r>
-            <a:endParaRPr lang="en-GB" sz="4400" b="0" strike="noStrike" spc="-1">
-              <a:latin typeface="Arial"/>
-            </a:endParaRPr>
-          </a:p>
-        </p:txBody>
-      </p:sp>
-      <p:sp>
-        <p:nvSpPr>
-          <p:cNvPr id="285" name="CustomShape 2"/>
-          <p:cNvSpPr/>
-          <p:nvPr/>
-        </p:nvSpPr>
-        <p:spPr>
-          <a:xfrm>
-            <a:off x="1091520" y="1956600"/>
-            <a:ext cx="6924600" cy="1919160"/>
-          </a:xfrm>
-          <a:prstGeom prst="rect">
-            <a:avLst/>
-          </a:prstGeom>
-          <a:noFill/>
-          <a:ln>
-            <a:noFill/>
-          </a:ln>
-        </p:spPr>
-        <p:style>
-          <a:lnRef idx="0">
-            <a:scrgbClr r="0" g="0" b="0"/>
-          </a:lnRef>
-          <a:fillRef idx="0">
-            <a:scrgbClr r="0" g="0" b="0"/>
-          </a:fillRef>
-          <a:effectRef idx="0">
-            <a:scrgbClr r="0" g="0" b="0"/>
-          </a:effectRef>
-          <a:fontRef idx="minor"/>
-        </p:style>
-        <p:txBody>
-          <a:bodyPr lIns="90000" tIns="45000" rIns="90000" bIns="45000">
-            <a:spAutoFit/>
-          </a:bodyPr>
-          <a:lstStyle/>
-          <a:p>
-            <a:pPr>
-              <a:lnSpc>
-                <a:spcPct val="100000"/>
-              </a:lnSpc>
-            </a:pPr>
-            <a:r>
-              <a:rPr lang="en-US" sz="2000" b="0" strike="noStrike" spc="-1">
-                <a:solidFill>
-                  <a:srgbClr val="000000"/>
-                </a:solidFill>
-                <a:latin typeface="Calibri"/>
-                <a:ea typeface="DejaVu Sans"/>
-              </a:rPr>
-              <a:t>A </a:t>
-            </a:r>
-            <a:r>
-              <a:rPr lang="en-US" sz="2000" b="1" strike="noStrike" spc="-1">
-                <a:solidFill>
-                  <a:srgbClr val="000000"/>
-                </a:solidFill>
-                <a:latin typeface="Calibri"/>
-                <a:ea typeface="DejaVu Sans"/>
-              </a:rPr>
-              <a:t>package </a:t>
-            </a:r>
-            <a:r>
-              <a:rPr lang="en-US" sz="2000" b="0" strike="noStrike" spc="-1">
-                <a:solidFill>
-                  <a:srgbClr val="000000"/>
-                </a:solidFill>
-                <a:latin typeface="Calibri"/>
-                <a:ea typeface="DejaVu Sans"/>
-              </a:rPr>
-              <a:t>is a collection of R functions, data and compiled code. The location where the packages are stored is called the</a:t>
-            </a:r>
-            <a:r>
-              <a:rPr lang="en-US" sz="2000" b="1" strike="noStrike" spc="-1">
-                <a:solidFill>
-                  <a:srgbClr val="000000"/>
-                </a:solidFill>
-                <a:latin typeface="Calibri"/>
-                <a:ea typeface="DejaVu Sans"/>
-              </a:rPr>
-              <a:t> library</a:t>
-            </a:r>
-            <a:r>
-              <a:rPr lang="en-US" sz="2000" b="0" strike="noStrike" spc="-1">
-                <a:solidFill>
-                  <a:srgbClr val="000000"/>
-                </a:solidFill>
-                <a:latin typeface="Calibri"/>
-                <a:ea typeface="DejaVu Sans"/>
-              </a:rPr>
-              <a:t>.</a:t>
-            </a:r>
-            <a:endParaRPr lang="en-GB" sz="2000" b="0" strike="noStrike" spc="-1">
-              <a:latin typeface="Arial"/>
-            </a:endParaRPr>
-          </a:p>
-          <a:p>
-            <a:pPr>
-              <a:lnSpc>
-                <a:spcPct val="100000"/>
-              </a:lnSpc>
-            </a:pPr>
-            <a:endParaRPr lang="en-GB" sz="2000" b="0" strike="noStrike" spc="-1">
-              <a:latin typeface="Arial"/>
-            </a:endParaRPr>
-          </a:p>
-          <a:p>
-            <a:pPr>
-              <a:lnSpc>
-                <a:spcPct val="100000"/>
-              </a:lnSpc>
-            </a:pPr>
-            <a:r>
-              <a:rPr lang="en-US" sz="2000" b="0" strike="noStrike" spc="-1">
-                <a:solidFill>
-                  <a:srgbClr val="000000"/>
-                </a:solidFill>
-                <a:latin typeface="Calibri"/>
-                <a:ea typeface="DejaVu Sans"/>
-              </a:rPr>
-              <a:t>Package extends basic R functionality and standardizes the distribution of code. For example, a package can contain a set of functions relating to a specific topic or tasks.</a:t>
-            </a:r>
-            <a:endParaRPr lang="en-GB" sz="2000" b="0" strike="noStrike" spc="-1">
-              <a:latin typeface="Arial"/>
-            </a:endParaRPr>
-          </a:p>
-        </p:txBody>
-      </p:sp>
     </p:spTree>
   </p:cSld>
   <p:clrMapOvr>
@@ -15125,13 +15454,13 @@
       </p:grpSpPr>
       <p:sp>
         <p:nvSpPr>
-          <p:cNvPr id="286" name="CustomShape 1"/>
+          <p:cNvPr id="284" name="CustomShape 1"/>
           <p:cNvSpPr/>
           <p:nvPr/>
         </p:nvSpPr>
         <p:spPr>
           <a:xfrm>
-            <a:off x="438120" y="513360"/>
+            <a:off x="457200" y="684000"/>
             <a:ext cx="8227440" cy="1143360"/>
           </a:xfrm>
           <a:prstGeom prst="rect">
@@ -15166,31 +15495,31 @@
               </a:lnSpc>
             </a:pPr>
             <a:r>
-              <a:rPr lang="en-GB" sz="4000" b="1" strike="noStrike" spc="-1">
+              <a:rPr lang="en-GB" sz="4400" b="1" strike="noStrike" spc="-1">
                 <a:solidFill>
                   <a:srgbClr val="000000"/>
                 </a:solidFill>
                 <a:latin typeface="Calibri"/>
                 <a:ea typeface="DejaVu Sans"/>
               </a:rPr>
-              <a:t>Where to get the libraries/packages?</a:t>
-            </a:r>
-            <a:endParaRPr lang="en-GB" sz="4000" b="0" strike="noStrike" spc="-1">
-              <a:latin typeface="Arial"/>
-            </a:endParaRPr>
-          </a:p>
-        </p:txBody>
-      </p:sp>
-      <p:sp>
-        <p:nvSpPr>
-          <p:cNvPr id="287" name="CustomShape 2"/>
+              <a:t>Packages/libraries</a:t>
+            </a:r>
+            <a:endParaRPr lang="en-GB" sz="4400" b="0" strike="noStrike" spc="-1">
+              <a:latin typeface="Arial"/>
+            </a:endParaRPr>
+          </a:p>
+        </p:txBody>
+      </p:sp>
+      <p:sp>
+        <p:nvSpPr>
+          <p:cNvPr id="285" name="CustomShape 2"/>
           <p:cNvSpPr/>
           <p:nvPr/>
         </p:nvSpPr>
         <p:spPr>
           <a:xfrm>
-            <a:off x="979560" y="1715760"/>
-            <a:ext cx="7016760" cy="4478760"/>
+            <a:off x="1091520" y="1956600"/>
+            <a:ext cx="6924600" cy="1919160"/>
           </a:xfrm>
           <a:prstGeom prst="rect">
             <a:avLst/>
@@ -15218,69 +15547,62 @@
           </a:bodyPr>
           <a:lstStyle/>
           <a:p>
-            <a:pPr marL="343080" indent="-341640">
-              <a:lnSpc>
-                <a:spcPct val="100000"/>
-              </a:lnSpc>
-              <a:buClr>
-                <a:srgbClr val="000000"/>
-              </a:buClr>
-              <a:buFont typeface="Arial"/>
-              <a:buChar char="•"/>
-            </a:pPr>
-            <a:r>
-              <a:rPr lang="en-US" sz="1800" b="0" strike="noStrike" spc="-1">
-                <a:solidFill>
-                  <a:srgbClr val="000000"/>
-                </a:solidFill>
-                <a:latin typeface="Calibri"/>
-                <a:ea typeface="DejaVu Sans"/>
-              </a:rPr>
-              <a:t>CRAN (</a:t>
-            </a:r>
-            <a:r>
-              <a:rPr lang="en-US" sz="1800" b="0" u="sng" strike="noStrike" spc="-1">
-                <a:solidFill>
-                  <a:srgbClr val="0000FF"/>
-                </a:solidFill>
-                <a:uFillTx/>
-                <a:latin typeface="Calibri"/>
-                <a:ea typeface="DejaVu Sans"/>
-                <a:hlinkClick r:id="rId2"/>
-              </a:rPr>
-              <a:t>https://cran.r-project.org</a:t>
-            </a:r>
-            <a:r>
-              <a:rPr lang="en-US" sz="1800" b="0" strike="noStrike" spc="-1">
-                <a:solidFill>
-                  <a:srgbClr val="000000"/>
-                </a:solidFill>
-                <a:latin typeface="Calibri"/>
-                <a:ea typeface="DejaVu Sans"/>
-              </a:rPr>
-              <a:t>)</a:t>
-            </a:r>
-            <a:endParaRPr lang="en-GB" sz="1800" b="0" strike="noStrike" spc="-1">
-              <a:latin typeface="Arial"/>
-            </a:endParaRPr>
-          </a:p>
-          <a:p>
             <a:pPr>
               <a:lnSpc>
                 <a:spcPct val="100000"/>
               </a:lnSpc>
             </a:pPr>
             <a:r>
-              <a:rPr lang="en-US" sz="1800" b="0" strike="noStrike" spc="-1">
+              <a:rPr lang="en-US" sz="2000" b="0" strike="noStrike" spc="-1">
                 <a:solidFill>
                   <a:srgbClr val="000000"/>
                 </a:solidFill>
                 <a:latin typeface="Calibri"/>
                 <a:ea typeface="DejaVu Sans"/>
               </a:rPr>
-              <a:t>Install:</a:t>
-            </a:r>
-            <a:endParaRPr lang="en-GB" sz="1800" b="0" strike="noStrike" spc="-1">
+              <a:t>A </a:t>
+            </a:r>
+            <a:r>
+              <a:rPr lang="en-US" sz="2000" b="1" strike="noStrike" spc="-1">
+                <a:solidFill>
+                  <a:srgbClr val="000000"/>
+                </a:solidFill>
+                <a:latin typeface="Calibri"/>
+                <a:ea typeface="DejaVu Sans"/>
+              </a:rPr>
+              <a:t>package </a:t>
+            </a:r>
+            <a:r>
+              <a:rPr lang="en-US" sz="2000" b="0" strike="noStrike" spc="-1">
+                <a:solidFill>
+                  <a:srgbClr val="000000"/>
+                </a:solidFill>
+                <a:latin typeface="Calibri"/>
+                <a:ea typeface="DejaVu Sans"/>
+              </a:rPr>
+              <a:t>is a collection of R functions, data and compiled code. The location where the packages are stored is called the</a:t>
+            </a:r>
+            <a:r>
+              <a:rPr lang="en-US" sz="2000" b="1" strike="noStrike" spc="-1">
+                <a:solidFill>
+                  <a:srgbClr val="000000"/>
+                </a:solidFill>
+                <a:latin typeface="Calibri"/>
+                <a:ea typeface="DejaVu Sans"/>
+              </a:rPr>
+              <a:t> library</a:t>
+            </a:r>
+            <a:r>
+              <a:rPr lang="en-US" sz="2000" b="0" strike="noStrike" spc="-1">
+                <a:solidFill>
+                  <a:srgbClr val="000000"/>
+                </a:solidFill>
+                <a:latin typeface="Calibri"/>
+                <a:ea typeface="DejaVu Sans"/>
+              </a:rPr>
+              <a:t>.</a:t>
+            </a:r>
+            <a:endParaRPr lang="en-GB" sz="2000" b="0" strike="noStrike" spc="-1">
               <a:latin typeface="Arial"/>
             </a:endParaRPr>
           </a:p>
@@ -15290,17 +15612,7 @@
                 <a:spcPct val="100000"/>
               </a:lnSpc>
             </a:pPr>
-            <a:r>
-              <a:rPr lang="en-US" sz="1800" b="0" strike="noStrike" spc="-1">
-                <a:solidFill>
-                  <a:srgbClr val="000000"/>
-                </a:solidFill>
-                <a:latin typeface="Courier New"/>
-                <a:ea typeface="DejaVu Sans"/>
-              </a:rPr>
-              <a:t>install.packages("dplyr")</a:t>
-            </a:r>
-            <a:endParaRPr lang="en-GB" sz="1800" b="0" strike="noStrike" spc="-1">
+            <a:endParaRPr lang="en-GB" sz="2000" b="0" strike="noStrike" spc="-1">
               <a:latin typeface="Arial"/>
             </a:endParaRPr>
           </a:p>
@@ -15311,270 +15623,16 @@
               </a:lnSpc>
             </a:pPr>
             <a:r>
-              <a:rPr lang="en-US" sz="1800" b="0" strike="noStrike" spc="-1">
+              <a:rPr lang="en-US" sz="2000" b="0" strike="noStrike" spc="-1">
                 <a:solidFill>
                   <a:srgbClr val="000000"/>
                 </a:solidFill>
                 <a:latin typeface="Calibri"/>
                 <a:ea typeface="DejaVu Sans"/>
               </a:rPr>
-              <a:t>Activate:</a:t>
-            </a:r>
-            <a:endParaRPr lang="en-GB" sz="1800" b="0" strike="noStrike" spc="-1">
-              <a:latin typeface="Arial"/>
-            </a:endParaRPr>
-          </a:p>
-          <a:p>
-            <a:pPr>
-              <a:lnSpc>
-                <a:spcPct val="100000"/>
-              </a:lnSpc>
-            </a:pPr>
-            <a:r>
-              <a:rPr lang="en-US" sz="1800" b="0" strike="noStrike" spc="-1">
-                <a:solidFill>
-                  <a:srgbClr val="000000"/>
-                </a:solidFill>
-                <a:latin typeface="Courier New"/>
-                <a:ea typeface="DejaVu Sans"/>
-              </a:rPr>
-              <a:t>Library("dplyr")</a:t>
-            </a:r>
-            <a:endParaRPr lang="en-GB" sz="1800" b="0" strike="noStrike" spc="-1">
-              <a:latin typeface="Arial"/>
-            </a:endParaRPr>
-          </a:p>
-          <a:p>
-            <a:pPr>
-              <a:lnSpc>
-                <a:spcPct val="100000"/>
-              </a:lnSpc>
-            </a:pPr>
-            <a:endParaRPr lang="en-GB" sz="1800" b="0" strike="noStrike" spc="-1">
-              <a:latin typeface="Arial"/>
-            </a:endParaRPr>
-          </a:p>
-          <a:p>
-            <a:pPr marL="343080" indent="-341640">
-              <a:lnSpc>
-                <a:spcPct val="100000"/>
-              </a:lnSpc>
-              <a:buClr>
-                <a:srgbClr val="000000"/>
-              </a:buClr>
-              <a:buFont typeface="Arial"/>
-              <a:buChar char="•"/>
-            </a:pPr>
-            <a:r>
-              <a:rPr lang="en-US" sz="1800" b="0" strike="noStrike" spc="-1">
-                <a:solidFill>
-                  <a:srgbClr val="000000"/>
-                </a:solidFill>
-                <a:latin typeface="Calibri"/>
-                <a:ea typeface="DejaVu Sans"/>
-              </a:rPr>
-              <a:t>Bioconductor (</a:t>
-            </a:r>
-            <a:r>
-              <a:rPr lang="en-US" sz="1800" b="0" u="sng" strike="noStrike" spc="-1">
-                <a:solidFill>
-                  <a:srgbClr val="0000FF"/>
-                </a:solidFill>
-                <a:uFillTx/>
-                <a:latin typeface="Calibri"/>
-                <a:ea typeface="DejaVu Sans"/>
-                <a:hlinkClick r:id="rId3"/>
-              </a:rPr>
-              <a:t>https://bioconductor.org</a:t>
-            </a:r>
-            <a:r>
-              <a:rPr lang="en-US" sz="1800" b="0" strike="noStrike" spc="-1">
-                <a:solidFill>
-                  <a:srgbClr val="000000"/>
-                </a:solidFill>
-                <a:latin typeface="Calibri"/>
-                <a:ea typeface="DejaVu Sans"/>
-              </a:rPr>
-              <a:t>)</a:t>
-            </a:r>
-            <a:endParaRPr lang="en-GB" sz="1800" b="0" strike="noStrike" spc="-1">
-              <a:latin typeface="Arial"/>
-            </a:endParaRPr>
-          </a:p>
-          <a:p>
-            <a:pPr>
-              <a:lnSpc>
-                <a:spcPct val="100000"/>
-              </a:lnSpc>
-            </a:pPr>
-            <a:r>
-              <a:rPr lang="en-US" sz="1800" b="0" strike="noStrike" spc="-1">
-                <a:solidFill>
-                  <a:srgbClr val="000000"/>
-                </a:solidFill>
-                <a:latin typeface="Courier New"/>
-                <a:ea typeface="DejaVu Sans"/>
-              </a:rPr>
-              <a:t>if (!requireNamespace("BiocManager", quietly = TRUE))</a:t>
-            </a:r>
-            <a:endParaRPr lang="en-GB" sz="1800" b="0" strike="noStrike" spc="-1">
-              <a:latin typeface="Arial"/>
-            </a:endParaRPr>
-          </a:p>
-          <a:p>
-            <a:pPr>
-              <a:lnSpc>
-                <a:spcPct val="100000"/>
-              </a:lnSpc>
-            </a:pPr>
-            <a:r>
-              <a:rPr lang="en-US" sz="1800" b="0" strike="noStrike" spc="-1">
-                <a:solidFill>
-                  <a:srgbClr val="000000"/>
-                </a:solidFill>
-                <a:latin typeface="Courier New"/>
-                <a:ea typeface="DejaVu Sans"/>
-              </a:rPr>
-              <a:t>    install.packages("BiocManager”)</a:t>
-            </a:r>
-            <a:endParaRPr lang="en-GB" sz="1800" b="0" strike="noStrike" spc="-1">
-              <a:latin typeface="Arial"/>
-            </a:endParaRPr>
-          </a:p>
-          <a:p>
-            <a:pPr>
-              <a:lnSpc>
-                <a:spcPct val="100000"/>
-              </a:lnSpc>
-            </a:pPr>
-            <a:r>
-              <a:rPr lang="en-US" sz="1800" b="0" strike="noStrike" spc="-1">
-                <a:solidFill>
-                  <a:srgbClr val="000000"/>
-                </a:solidFill>
-                <a:latin typeface="Courier New"/>
-                <a:ea typeface="DejaVu Sans"/>
-              </a:rPr>
-              <a:t>BiocManager::install("limma")</a:t>
-            </a:r>
-            <a:endParaRPr lang="en-GB" sz="1800" b="0" strike="noStrike" spc="-1">
-              <a:latin typeface="Arial"/>
-            </a:endParaRPr>
-          </a:p>
-          <a:p>
-            <a:pPr>
-              <a:lnSpc>
-                <a:spcPct val="100000"/>
-              </a:lnSpc>
-            </a:pPr>
-            <a:endParaRPr lang="en-GB" sz="1800" b="0" strike="noStrike" spc="-1">
-              <a:latin typeface="Arial"/>
-            </a:endParaRPr>
-          </a:p>
-          <a:p>
-            <a:pPr marL="343080" indent="-341640">
-              <a:lnSpc>
-                <a:spcPct val="100000"/>
-              </a:lnSpc>
-              <a:buClr>
-                <a:srgbClr val="000000"/>
-              </a:buClr>
-              <a:buFont typeface="Arial"/>
-              <a:buChar char="•"/>
-            </a:pPr>
-            <a:r>
-              <a:rPr lang="en-US" sz="1800" b="0" strike="noStrike" spc="-1">
-                <a:solidFill>
-                  <a:srgbClr val="000000"/>
-                </a:solidFill>
-                <a:latin typeface="Calibri"/>
-                <a:ea typeface="DejaVu Sans"/>
-              </a:rPr>
-              <a:t>Github (</a:t>
-            </a:r>
-            <a:r>
-              <a:rPr lang="en-US" sz="1800" b="0" u="sng" strike="noStrike" spc="-1">
-                <a:solidFill>
-                  <a:srgbClr val="0000FF"/>
-                </a:solidFill>
-                <a:uFillTx/>
-                <a:latin typeface="Calibri"/>
-                <a:ea typeface="DejaVu Sans"/>
-                <a:hlinkClick r:id="rId4"/>
-              </a:rPr>
-              <a:t>https://github.com</a:t>
-            </a:r>
-            <a:r>
-              <a:rPr lang="en-US" sz="1800" b="0" strike="noStrike" spc="-1">
-                <a:solidFill>
-                  <a:srgbClr val="000000"/>
-                </a:solidFill>
-                <a:latin typeface="Calibri"/>
-                <a:ea typeface="DejaVu Sans"/>
-              </a:rPr>
-              <a:t>)</a:t>
-            </a:r>
-            <a:endParaRPr lang="en-GB" sz="1800" b="0" strike="noStrike" spc="-1">
-              <a:latin typeface="Arial"/>
-            </a:endParaRPr>
-          </a:p>
-          <a:p>
-            <a:pPr>
-              <a:lnSpc>
-                <a:spcPct val="100000"/>
-              </a:lnSpc>
-            </a:pPr>
-            <a:r>
-              <a:rPr lang="en-US" sz="1800" b="0" strike="noStrike" spc="-1">
-                <a:solidFill>
-                  <a:srgbClr val="000000"/>
-                </a:solidFill>
-                <a:latin typeface="Courier New"/>
-                <a:ea typeface="DejaVu Sans"/>
-              </a:rPr>
-              <a:t>install.packages("devtools")</a:t>
-            </a:r>
-            <a:endParaRPr lang="en-GB" sz="1800" b="0" strike="noStrike" spc="-1">
-              <a:latin typeface="Arial"/>
-            </a:endParaRPr>
-          </a:p>
-          <a:p>
-            <a:pPr>
-              <a:lnSpc>
-                <a:spcPct val="100000"/>
-              </a:lnSpc>
-            </a:pPr>
-            <a:r>
-              <a:rPr lang="en-US" sz="1800" b="0" strike="noStrike" spc="-1">
-                <a:solidFill>
-                  <a:srgbClr val="000000"/>
-                </a:solidFill>
-                <a:latin typeface="Courier New"/>
-                <a:ea typeface="DejaVu Sans"/>
-              </a:rPr>
-              <a:t>library(devtools)</a:t>
-            </a:r>
-            <a:endParaRPr lang="en-GB" sz="1800" b="0" strike="noStrike" spc="-1">
-              <a:latin typeface="Arial"/>
-            </a:endParaRPr>
-          </a:p>
-          <a:p>
-            <a:pPr>
-              <a:lnSpc>
-                <a:spcPct val="100000"/>
-              </a:lnSpc>
-            </a:pPr>
-            <a:r>
-              <a:rPr lang="en-US" sz="1800" b="0" strike="noStrike" spc="-1">
-                <a:solidFill>
-                  <a:srgbClr val="000000"/>
-                </a:solidFill>
-                <a:latin typeface="Courier New"/>
-                <a:ea typeface="DejaVu Sans"/>
-              </a:rPr>
-              <a:t>install_github("hadley/dplyr”)</a:t>
-            </a:r>
-            <a:endParaRPr lang="en-GB" sz="1800" b="0" strike="noStrike" spc="-1">
+              <a:t>Package extends basic R functionality and standardizes the distribution of code. For example, a package can contain a set of functions relating to a specific topic or tasks.</a:t>
+            </a:r>
+            <a:endParaRPr lang="en-GB" sz="2000" b="0" strike="noStrike" spc="-1">
               <a:latin typeface="Arial"/>
             </a:endParaRPr>
           </a:p>
@@ -15607,13 +15665,13 @@
       </p:grpSpPr>
       <p:sp>
         <p:nvSpPr>
-          <p:cNvPr id="288" name="CustomShape 1"/>
+          <p:cNvPr id="286" name="CustomShape 1"/>
           <p:cNvSpPr/>
           <p:nvPr/>
         </p:nvSpPr>
         <p:spPr>
           <a:xfrm>
-            <a:off x="457200" y="684000"/>
+            <a:off x="438120" y="513360"/>
             <a:ext cx="8227440" cy="1143360"/>
           </a:xfrm>
           <a:prstGeom prst="rect">
@@ -15648,31 +15706,31 @@
               </a:lnSpc>
             </a:pPr>
             <a:r>
-              <a:rPr lang="en-GB" sz="4400" b="1" strike="noStrike" spc="-1">
+              <a:rPr lang="en-GB" sz="4000" b="1" strike="noStrike" spc="-1">
                 <a:solidFill>
                   <a:srgbClr val="000000"/>
                 </a:solidFill>
                 <a:latin typeface="Calibri"/>
                 <a:ea typeface="DejaVu Sans"/>
               </a:rPr>
-              <a:t>Functions</a:t>
-            </a:r>
-            <a:endParaRPr lang="en-GB" sz="4400" b="0" strike="noStrike" spc="-1">
-              <a:latin typeface="Arial"/>
-            </a:endParaRPr>
-          </a:p>
-        </p:txBody>
-      </p:sp>
-      <p:sp>
-        <p:nvSpPr>
-          <p:cNvPr id="289" name="CustomShape 2"/>
+              <a:t>Where to get the libraries/packages?</a:t>
+            </a:r>
+            <a:endParaRPr lang="en-GB" sz="4000" b="0" strike="noStrike" spc="-1">
+              <a:latin typeface="Arial"/>
+            </a:endParaRPr>
+          </a:p>
+        </p:txBody>
+      </p:sp>
+      <p:sp>
+        <p:nvSpPr>
+          <p:cNvPr id="287" name="CustomShape 2"/>
           <p:cNvSpPr/>
           <p:nvPr/>
         </p:nvSpPr>
         <p:spPr>
           <a:xfrm>
-            <a:off x="457200" y="2359440"/>
-            <a:ext cx="8227440" cy="3126960"/>
+            <a:off x="979560" y="1715760"/>
+            <a:ext cx="7016760" cy="4478760"/>
           </a:xfrm>
           <a:prstGeom prst="rect">
             <a:avLst/>
@@ -15695,19 +15753,73 @@
           <a:fontRef idx="minor"/>
         </p:style>
         <p:txBody>
-          <a:bodyPr lIns="0" tIns="0" rIns="0" bIns="0">
-            <a:normAutofit/>
-          </a:bodyPr>
-          <a:lstStyle/>
+          <a:bodyPr lIns="90000" tIns="45000" rIns="90000" bIns="45000">
+            <a:spAutoFit/>
+          </a:bodyPr>
+          <a:lstStyle/>
+          <a:p>
+            <a:pPr marL="343080" indent="-341640">
+              <a:lnSpc>
+                <a:spcPct val="100000"/>
+              </a:lnSpc>
+              <a:buClr>
+                <a:srgbClr val="000000"/>
+              </a:buClr>
+              <a:buFont typeface="Arial"/>
+              <a:buChar char="•"/>
+            </a:pPr>
+            <a:r>
+              <a:rPr lang="en-US" sz="1800" b="0" strike="noStrike" spc="-1">
+                <a:solidFill>
+                  <a:srgbClr val="000000"/>
+                </a:solidFill>
+                <a:latin typeface="Calibri"/>
+                <a:ea typeface="DejaVu Sans"/>
+              </a:rPr>
+              <a:t>CRAN (</a:t>
+            </a:r>
+            <a:r>
+              <a:rPr lang="en-US" sz="1800" b="0" u="sng" strike="noStrike" spc="-1">
+                <a:solidFill>
+                  <a:srgbClr val="0000FF"/>
+                </a:solidFill>
+                <a:uFillTx/>
+                <a:latin typeface="Calibri"/>
+                <a:ea typeface="DejaVu Sans"/>
+                <a:hlinkClick r:id="rId2"/>
+              </a:rPr>
+              <a:t>https://cran.r-project.org</a:t>
+            </a:r>
+            <a:r>
+              <a:rPr lang="en-US" sz="1800" b="0" strike="noStrike" spc="-1">
+                <a:solidFill>
+                  <a:srgbClr val="000000"/>
+                </a:solidFill>
+                <a:latin typeface="Calibri"/>
+                <a:ea typeface="DejaVu Sans"/>
+              </a:rPr>
+              <a:t>)</a:t>
+            </a:r>
+            <a:endParaRPr lang="en-GB" sz="1800" b="0" strike="noStrike" spc="-1">
+              <a:latin typeface="Arial"/>
+            </a:endParaRPr>
+          </a:p>
           <a:p>
             <a:pPr>
               <a:lnSpc>
                 <a:spcPct val="100000"/>
               </a:lnSpc>
-              <a:spcBef>
-                <a:spcPts val="434"/>
-              </a:spcBef>
-            </a:pPr>
+            </a:pPr>
+            <a:r>
+              <a:rPr lang="en-US" sz="1800" b="0" strike="noStrike" spc="-1">
+                <a:solidFill>
+                  <a:srgbClr val="000000"/>
+                </a:solidFill>
+                <a:latin typeface="Calibri"/>
+                <a:ea typeface="DejaVu Sans"/>
+              </a:rPr>
+              <a:t>Install:</a:t>
+            </a:r>
             <a:endParaRPr lang="en-GB" sz="1800" b="0" strike="noStrike" spc="-1">
               <a:latin typeface="Arial"/>
             </a:endParaRPr>
@@ -15717,52 +15829,21 @@
               <a:lnSpc>
                 <a:spcPct val="100000"/>
               </a:lnSpc>
-              <a:spcBef>
-                <a:spcPts val="405"/>
-              </a:spcBef>
-            </a:pPr>
+            </a:pPr>
+            <a:r>
+              <a:rPr lang="en-US" sz="1800" b="0" strike="noStrike" spc="-1">
+                <a:solidFill>
+                  <a:srgbClr val="000000"/>
+                </a:solidFill>
+                <a:latin typeface="Courier New"/>
+                <a:ea typeface="DejaVu Sans"/>
+              </a:rPr>
+              <a:t>install.packages("dplyr")</a:t>
+            </a:r>
             <a:endParaRPr lang="en-GB" sz="1800" b="0" strike="noStrike" spc="-1">
               <a:latin typeface="Arial"/>
             </a:endParaRPr>
           </a:p>
-        </p:txBody>
-      </p:sp>
-      <p:sp>
-        <p:nvSpPr>
-          <p:cNvPr id="290" name="CustomShape 3"/>
-          <p:cNvSpPr/>
-          <p:nvPr/>
-        </p:nvSpPr>
-        <p:spPr>
-          <a:xfrm>
-            <a:off x="952560" y="2413440"/>
-            <a:ext cx="6964560" cy="2009880"/>
-          </a:xfrm>
-          <a:prstGeom prst="rect">
-            <a:avLst/>
-          </a:prstGeom>
-          <a:noFill/>
-          <a:ln>
-            <a:noFill/>
-          </a:ln>
-        </p:spPr>
-        <p:style>
-          <a:lnRef idx="0">
-            <a:scrgbClr r="0" g="0" b="0"/>
-          </a:lnRef>
-          <a:fillRef idx="0">
-            <a:scrgbClr r="0" g="0" b="0"/>
-          </a:fillRef>
-          <a:effectRef idx="0">
-            <a:scrgbClr r="0" g="0" b="0"/>
-          </a:effectRef>
-          <a:fontRef idx="minor"/>
-        </p:style>
-        <p:txBody>
-          <a:bodyPr lIns="90000" tIns="45000" rIns="90000" bIns="45000">
-            <a:spAutoFit/>
-          </a:bodyPr>
-          <a:lstStyle/>
           <a:p>
             <a:pPr>
               <a:lnSpc>
@@ -15777,7 +15858,7 @@
                 <a:latin typeface="Calibri"/>
                 <a:ea typeface="DejaVu Sans"/>
               </a:rPr>
-              <a:t>Functions are created using the function() directive and are stored as R objects just like anything else. In particular, they are R objects of class “function”.</a:t>
+              <a:t>Activate:</a:t>
             </a:r>
             <a:endParaRPr lang="en-GB" sz="1800" b="0" strike="noStrike" spc="-1">
               <a:latin typeface="Arial"/>
@@ -15789,6 +15870,16 @@
                 <a:spcPct val="100000"/>
               </a:lnSpc>
             </a:pPr>
+            <a:r>
+              <a:rPr lang="en-US" sz="1800" b="0" strike="noStrike" spc="-1">
+                <a:solidFill>
+                  <a:srgbClr val="000000"/>
+                </a:solidFill>
+                <a:latin typeface="Courier New"/>
+                <a:ea typeface="DejaVu Sans"/>
+              </a:rPr>
+              <a:t>Library("dplyr")</a:t>
+            </a:r>
             <a:endParaRPr lang="en-GB" sz="1800" b="0" strike="noStrike" spc="-1">
               <a:latin typeface="Arial"/>
             </a:endParaRPr>
@@ -15799,15 +15890,52 @@
                 <a:spcPct val="100000"/>
               </a:lnSpc>
             </a:pPr>
+            <a:endParaRPr lang="en-GB" sz="1800" b="0" strike="noStrike" spc="-1">
+              <a:latin typeface="Arial"/>
+            </a:endParaRPr>
+          </a:p>
+          <a:p>
+            <a:pPr marL="343080" indent="-341640">
+              <a:lnSpc>
+                <a:spcPct val="100000"/>
+              </a:lnSpc>
+              <a:buClr>
+                <a:srgbClr val="000000"/>
+              </a:buClr>
+              <a:buFont typeface="Arial"/>
+              <a:buChar char="•"/>
+            </a:pPr>
             <a:r>
               <a:rPr lang="en-US" sz="1800" b="0" strike="noStrike" spc="-1">
                 <a:solidFill>
                   <a:srgbClr val="000000"/>
                 </a:solidFill>
-                <a:latin typeface="Courier New"/>
+                <a:latin typeface="Calibri"/>
                 <a:ea typeface="DejaVu Sans"/>
               </a:rPr>
-              <a:t>f &lt;- function(&lt;arguments&gt;) {</a:t>
+              <a:t>Bioconductor (</a:t>
+            </a:r>
+            <a:r>
+              <a:rPr lang="en-US" sz="1800" b="0" u="sng" strike="noStrike" spc="-1">
+                <a:solidFill>
+                  <a:srgbClr val="0000FF"/>
+                </a:solidFill>
+                <a:uFillTx/>
+                <a:latin typeface="Calibri"/>
+                <a:ea typeface="DejaVu Sans"/>
+                <a:hlinkClick r:id="rId3"/>
+              </a:rPr>
+              <a:t>https://bioconductor.org</a:t>
+            </a:r>
+            <a:r>
+              <a:rPr lang="en-US" sz="1800" b="0" strike="noStrike" spc="-1">
+                <a:solidFill>
+                  <a:srgbClr val="000000"/>
+                </a:solidFill>
+                <a:latin typeface="Calibri"/>
+                <a:ea typeface="DejaVu Sans"/>
+              </a:rPr>
+              <a:t>)</a:t>
             </a:r>
             <a:endParaRPr lang="en-GB" sz="1800" b="0" strike="noStrike" spc="-1">
               <a:latin typeface="Arial"/>
@@ -15827,7 +15955,7 @@
                 <a:latin typeface="Courier New"/>
                 <a:ea typeface="DejaVu Sans"/>
               </a:rPr>
-              <a:t>        ## Do something interesting</a:t>
+              <a:t>if (!requireNamespace("BiocManager", quietly = TRUE))</a:t>
             </a:r>
             <a:endParaRPr lang="en-GB" sz="1800" b="0" strike="noStrike" spc="-1">
               <a:latin typeface="Arial"/>
@@ -15847,50 +15975,12 @@
                 <a:latin typeface="Courier New"/>
                 <a:ea typeface="DejaVu Sans"/>
               </a:rPr>
-              <a:t>}</a:t>
+              <a:t>    install.packages("BiocManager”)</a:t>
             </a:r>
             <a:endParaRPr lang="en-GB" sz="1800" b="0" strike="noStrike" spc="-1">
               <a:latin typeface="Arial"/>
             </a:endParaRPr>
           </a:p>
-        </p:txBody>
-      </p:sp>
-      <p:sp>
-        <p:nvSpPr>
-          <p:cNvPr id="291" name="CustomShape 4"/>
-          <p:cNvSpPr/>
-          <p:nvPr/>
-        </p:nvSpPr>
-        <p:spPr>
-          <a:xfrm>
-            <a:off x="754200" y="5575680"/>
-            <a:ext cx="7934040" cy="363960"/>
-          </a:xfrm>
-          <a:prstGeom prst="rect">
-            <a:avLst/>
-          </a:prstGeom>
-          <a:noFill/>
-          <a:ln>
-            <a:noFill/>
-          </a:ln>
-        </p:spPr>
-        <p:style>
-          <a:lnRef idx="0">
-            <a:scrgbClr r="0" g="0" b="0"/>
-          </a:lnRef>
-          <a:fillRef idx="0">
-            <a:scrgbClr r="0" g="0" b="0"/>
-          </a:fillRef>
-          <a:effectRef idx="0">
-            <a:scrgbClr r="0" g="0" b="0"/>
-          </a:effectRef>
-          <a:fontRef idx="minor"/>
-        </p:style>
-        <p:txBody>
-          <a:bodyPr wrap="none" lIns="90000" tIns="45000" rIns="90000" bIns="45000">
-            <a:spAutoFit/>
-          </a:bodyPr>
-          <a:lstStyle/>
           <a:p>
             <a:pPr>
               <a:lnSpc>
@@ -15900,12 +15990,129 @@
             <a:r>
               <a:rPr lang="en-US" sz="1800" b="0" strike="noStrike" spc="-1">
                 <a:solidFill>
-                  <a:srgbClr val="FF0000"/>
+                  <a:srgbClr val="000000"/>
+                </a:solidFill>
+                <a:latin typeface="Courier New"/>
+                <a:ea typeface="DejaVu Sans"/>
+              </a:rPr>
+              <a:t>BiocManager::install("limma")</a:t>
+            </a:r>
+            <a:endParaRPr lang="en-GB" sz="1800" b="0" strike="noStrike" spc="-1">
+              <a:latin typeface="Arial"/>
+            </a:endParaRPr>
+          </a:p>
+          <a:p>
+            <a:pPr>
+              <a:lnSpc>
+                <a:spcPct val="100000"/>
+              </a:lnSpc>
+            </a:pPr>
+            <a:endParaRPr lang="en-GB" sz="1800" b="0" strike="noStrike" spc="-1">
+              <a:latin typeface="Arial"/>
+            </a:endParaRPr>
+          </a:p>
+          <a:p>
+            <a:pPr marL="343080" indent="-341640">
+              <a:lnSpc>
+                <a:spcPct val="100000"/>
+              </a:lnSpc>
+              <a:buClr>
+                <a:srgbClr val="000000"/>
+              </a:buClr>
+              <a:buFont typeface="Arial"/>
+              <a:buChar char="•"/>
+            </a:pPr>
+            <a:r>
+              <a:rPr lang="en-US" sz="1800" b="0" strike="noStrike" spc="-1">
+                <a:solidFill>
+                  <a:srgbClr val="000000"/>
                 </a:solidFill>
                 <a:latin typeface="Calibri"/>
                 <a:ea typeface="DejaVu Sans"/>
               </a:rPr>
-              <a:t>Note: majority of the functions you would try to create already exist in the libraries!</a:t>
+              <a:t>Github (</a:t>
+            </a:r>
+            <a:r>
+              <a:rPr lang="en-US" sz="1800" b="0" u="sng" strike="noStrike" spc="-1">
+                <a:solidFill>
+                  <a:srgbClr val="0000FF"/>
+                </a:solidFill>
+                <a:uFillTx/>
+                <a:latin typeface="Calibri"/>
+                <a:ea typeface="DejaVu Sans"/>
+                <a:hlinkClick r:id="rId4"/>
+              </a:rPr>
+              <a:t>https://github.com</a:t>
+            </a:r>
+            <a:r>
+              <a:rPr lang="en-US" sz="1800" b="0" strike="noStrike" spc="-1">
+                <a:solidFill>
+                  <a:srgbClr val="000000"/>
+                </a:solidFill>
+                <a:latin typeface="Calibri"/>
+                <a:ea typeface="DejaVu Sans"/>
+              </a:rPr>
+              <a:t>)</a:t>
+            </a:r>
+            <a:endParaRPr lang="en-GB" sz="1800" b="0" strike="noStrike" spc="-1">
+              <a:latin typeface="Arial"/>
+            </a:endParaRPr>
+          </a:p>
+          <a:p>
+            <a:pPr>
+              <a:lnSpc>
+                <a:spcPct val="100000"/>
+              </a:lnSpc>
+            </a:pPr>
+            <a:r>
+              <a:rPr lang="en-US" sz="1800" b="0" strike="noStrike" spc="-1">
+                <a:solidFill>
+                  <a:srgbClr val="000000"/>
+                </a:solidFill>
+                <a:latin typeface="Courier New"/>
+                <a:ea typeface="DejaVu Sans"/>
+              </a:rPr>
+              <a:t>install.packages("devtools")</a:t>
+            </a:r>
+            <a:endParaRPr lang="en-GB" sz="1800" b="0" strike="noStrike" spc="-1">
+              <a:latin typeface="Arial"/>
+            </a:endParaRPr>
+          </a:p>
+          <a:p>
+            <a:pPr>
+              <a:lnSpc>
+                <a:spcPct val="100000"/>
+              </a:lnSpc>
+            </a:pPr>
+            <a:r>
+              <a:rPr lang="en-US" sz="1800" b="0" strike="noStrike" spc="-1">
+                <a:solidFill>
+                  <a:srgbClr val="000000"/>
+                </a:solidFill>
+                <a:latin typeface="Courier New"/>
+                <a:ea typeface="DejaVu Sans"/>
+              </a:rPr>
+              <a:t>library(devtools)</a:t>
+            </a:r>
+            <a:endParaRPr lang="en-GB" sz="1800" b="0" strike="noStrike" spc="-1">
+              <a:latin typeface="Arial"/>
+            </a:endParaRPr>
+          </a:p>
+          <a:p>
+            <a:pPr>
+              <a:lnSpc>
+                <a:spcPct val="100000"/>
+              </a:lnSpc>
+            </a:pPr>
+            <a:r>
+              <a:rPr lang="en-US" sz="1800" b="0" strike="noStrike" spc="-1">
+                <a:solidFill>
+                  <a:srgbClr val="000000"/>
+                </a:solidFill>
+                <a:latin typeface="Courier New"/>
+                <a:ea typeface="DejaVu Sans"/>
+              </a:rPr>
+              <a:t>install_github("hadley/dplyr”)</a:t>
             </a:r>
             <a:endParaRPr lang="en-GB" sz="1800" b="0" strike="noStrike" spc="-1">
               <a:latin typeface="Arial"/>
@@ -15940,7 +16147,7 @@
       </p:grpSpPr>
       <p:sp>
         <p:nvSpPr>
-          <p:cNvPr id="292" name="CustomShape 1"/>
+          <p:cNvPr id="288" name="CustomShape 1"/>
           <p:cNvSpPr/>
           <p:nvPr/>
         </p:nvSpPr>
@@ -15988,7 +16195,7 @@
                 <a:latin typeface="Calibri"/>
                 <a:ea typeface="DejaVu Sans"/>
               </a:rPr>
-              <a:t>Loop functions</a:t>
+              <a:t>Functions</a:t>
             </a:r>
             <a:endParaRPr lang="en-GB" sz="4400" b="0" strike="noStrike" spc="-1">
               <a:latin typeface="Arial"/>
@@ -15998,14 +16205,14 @@
       </p:sp>
       <p:sp>
         <p:nvSpPr>
-          <p:cNvPr id="293" name="CustomShape 2"/>
+          <p:cNvPr id="289" name="CustomShape 2"/>
           <p:cNvSpPr/>
           <p:nvPr/>
         </p:nvSpPr>
         <p:spPr>
           <a:xfrm>
-            <a:off x="457200" y="1759320"/>
-            <a:ext cx="8227440" cy="1762200"/>
+            <a:off x="457200" y="2359440"/>
+            <a:ext cx="8227440" cy="3126960"/>
           </a:xfrm>
           <a:prstGeom prst="rect">
             <a:avLst/>
@@ -16029,269 +16236,47 @@
         </p:style>
         <p:txBody>
           <a:bodyPr lIns="0" tIns="0" rIns="0" bIns="0">
-            <a:normAutofit fontScale="92000"/>
-          </a:bodyPr>
-          <a:lstStyle/>
-          <a:p>
-            <a:pPr marL="343080" indent="-341640">
-              <a:lnSpc>
-                <a:spcPct val="100000"/>
-              </a:lnSpc>
-              <a:spcBef>
-                <a:spcPts val="437"/>
-              </a:spcBef>
-              <a:buClr>
-                <a:srgbClr val="000000"/>
-              </a:buClr>
-              <a:buFont typeface="Arial"/>
-              <a:buChar char="•"/>
-            </a:pPr>
-            <a:r>
-              <a:rPr lang="en-GB" sz="2180" b="0" strike="noStrike" spc="-1">
-                <a:solidFill>
-                  <a:srgbClr val="000000"/>
-                </a:solidFill>
-                <a:latin typeface="Courier New"/>
-                <a:ea typeface="DejaVu Sans"/>
-              </a:rPr>
-              <a:t>lapply() </a:t>
-            </a:r>
-            <a:r>
-              <a:rPr lang="en-GB" sz="2180" b="0" strike="noStrike" spc="-1">
-                <a:solidFill>
-                  <a:srgbClr val="000000"/>
-                </a:solidFill>
-                <a:latin typeface="Calibri"/>
-                <a:ea typeface="DejaVu Sans"/>
-              </a:rPr>
-              <a:t>– perform an action on each element of a vector: returns list</a:t>
-            </a:r>
-            <a:endParaRPr lang="en-GB" sz="2180" b="0" strike="noStrike" spc="-1">
-              <a:latin typeface="Arial"/>
-            </a:endParaRPr>
-          </a:p>
-          <a:p>
-            <a:pPr marL="343080" indent="-341640">
-              <a:lnSpc>
-                <a:spcPct val="100000"/>
-              </a:lnSpc>
-              <a:spcBef>
-                <a:spcPts val="439"/>
-              </a:spcBef>
-              <a:buClr>
-                <a:srgbClr val="000000"/>
-              </a:buClr>
-              <a:buFont typeface="Arial"/>
-              <a:buChar char="•"/>
-            </a:pPr>
-            <a:r>
-              <a:rPr lang="en-GB" sz="2200" b="0" strike="noStrike" spc="-1">
-                <a:solidFill>
-                  <a:srgbClr val="000000"/>
-                </a:solidFill>
-                <a:latin typeface="Courier New"/>
-                <a:ea typeface="DejaVu Sans"/>
-              </a:rPr>
-              <a:t>sapply() </a:t>
-            </a:r>
-            <a:r>
-              <a:rPr lang="en-GB" sz="2180" b="0" strike="noStrike" spc="-1">
-                <a:solidFill>
-                  <a:srgbClr val="000000"/>
-                </a:solidFill>
-                <a:latin typeface="Calibri"/>
-                <a:ea typeface="DejaVu Sans"/>
-              </a:rPr>
-              <a:t>– as above, returns a simplified object (variable)</a:t>
-            </a:r>
-            <a:endParaRPr lang="en-GB" sz="2180" b="0" strike="noStrike" spc="-1">
-              <a:latin typeface="Arial"/>
-            </a:endParaRPr>
-          </a:p>
-          <a:p>
-            <a:pPr marL="343080" indent="-341640">
-              <a:lnSpc>
-                <a:spcPct val="100000"/>
-              </a:lnSpc>
-              <a:spcBef>
-                <a:spcPts val="439"/>
-              </a:spcBef>
-              <a:buClr>
-                <a:srgbClr val="000000"/>
-              </a:buClr>
-              <a:buFont typeface="Arial"/>
-              <a:buChar char="•"/>
-            </a:pPr>
-            <a:r>
-              <a:rPr lang="en-GB" sz="2200" b="0" strike="noStrike" spc="-1">
-                <a:solidFill>
-                  <a:srgbClr val="000000"/>
-                </a:solidFill>
-                <a:latin typeface="Courier New"/>
-                <a:ea typeface="DejaVu Sans"/>
-              </a:rPr>
-              <a:t>apply() </a:t>
-            </a:r>
-            <a:r>
-              <a:rPr lang="en-GB" sz="2180" b="0" strike="noStrike" spc="-1">
-                <a:solidFill>
-                  <a:srgbClr val="000000"/>
-                </a:solidFill>
-                <a:latin typeface="Calibri"/>
-                <a:ea typeface="DejaVu Sans"/>
-              </a:rPr>
-              <a:t>– loop over rows or columns of a matrix or df</a:t>
-            </a:r>
-            <a:endParaRPr lang="en-GB" sz="2180" b="0" strike="noStrike" spc="-1">
-              <a:latin typeface="Arial"/>
-            </a:endParaRPr>
-          </a:p>
-          <a:p>
-            <a:pPr marL="343080" indent="-341640">
-              <a:lnSpc>
-                <a:spcPct val="100000"/>
-              </a:lnSpc>
-              <a:spcBef>
-                <a:spcPts val="439"/>
-              </a:spcBef>
-              <a:buClr>
-                <a:srgbClr val="000000"/>
-              </a:buClr>
-              <a:buFont typeface="Arial"/>
-              <a:buChar char="•"/>
-            </a:pPr>
-            <a:r>
-              <a:rPr lang="en-GB" sz="2200" b="0" strike="noStrike" spc="-1">
-                <a:solidFill>
-                  <a:srgbClr val="000000"/>
-                </a:solidFill>
-                <a:latin typeface="Courier New"/>
-                <a:ea typeface="DejaVu Sans"/>
-              </a:rPr>
-              <a:t>tapply() </a:t>
-            </a:r>
-            <a:r>
-              <a:rPr lang="en-GB" sz="2180" b="0" strike="noStrike" spc="-1">
-                <a:solidFill>
-                  <a:srgbClr val="000000"/>
-                </a:solidFill>
-                <a:latin typeface="Calibri"/>
-                <a:ea typeface="DejaVu Sans"/>
-              </a:rPr>
-              <a:t>– loop over a vector, split based on a factor</a:t>
-            </a:r>
-            <a:endParaRPr lang="en-GB" sz="2180" b="0" strike="noStrike" spc="-1">
-              <a:latin typeface="Arial"/>
-            </a:endParaRPr>
-          </a:p>
-          <a:p>
-            <a:pPr marL="343080" indent="-341640">
-              <a:lnSpc>
-                <a:spcPct val="100000"/>
-              </a:lnSpc>
-              <a:spcBef>
-                <a:spcPts val="439"/>
-              </a:spcBef>
-              <a:buClr>
-                <a:srgbClr val="000000"/>
-              </a:buClr>
-              <a:buFont typeface="Arial"/>
-              <a:buChar char="•"/>
-            </a:pPr>
-            <a:r>
-              <a:rPr lang="en-GB" sz="2200" b="0" strike="noStrike" spc="-1">
-                <a:solidFill>
-                  <a:srgbClr val="000000"/>
-                </a:solidFill>
-                <a:latin typeface="Courier New"/>
-                <a:ea typeface="DejaVu Sans"/>
-              </a:rPr>
-              <a:t>mapply() </a:t>
-            </a:r>
-            <a:r>
-              <a:rPr lang="en-GB" sz="2180" b="0" strike="noStrike" spc="-1">
-                <a:solidFill>
-                  <a:srgbClr val="000000"/>
-                </a:solidFill>
-                <a:latin typeface="Calibri"/>
-                <a:ea typeface="DejaVu Sans"/>
-              </a:rPr>
-              <a:t>– loop over more than one vector</a:t>
-            </a:r>
-            <a:endParaRPr lang="en-GB" sz="2180" b="0" strike="noStrike" spc="-1">
-              <a:latin typeface="Arial"/>
-            </a:endParaRPr>
-          </a:p>
+            <a:normAutofit/>
+          </a:bodyPr>
+          <a:lstStyle/>
           <a:p>
             <a:pPr>
               <a:lnSpc>
                 <a:spcPct val="100000"/>
               </a:lnSpc>
               <a:spcBef>
-                <a:spcPts val="437"/>
+                <a:spcPts val="434"/>
               </a:spcBef>
             </a:pPr>
-            <a:endParaRPr lang="en-GB" sz="2180" b="0" strike="noStrike" spc="-1">
-              <a:latin typeface="Arial"/>
-            </a:endParaRPr>
-          </a:p>
-          <a:p>
-            <a:pPr marL="457200">
+            <a:endParaRPr lang="en-GB" sz="1800" b="0" strike="noStrike" spc="-1">
+              <a:latin typeface="Arial"/>
+            </a:endParaRPr>
+          </a:p>
+          <a:p>
+            <a:pPr>
               <a:lnSpc>
                 <a:spcPct val="100000"/>
               </a:lnSpc>
               <a:spcBef>
-                <a:spcPts val="437"/>
+                <a:spcPts val="405"/>
               </a:spcBef>
-              <a:tabLst>
-                <a:tab pos="0" algn="l"/>
-              </a:tabLst>
-            </a:pPr>
-            <a:endParaRPr lang="en-GB" sz="2180" b="0" strike="noStrike" spc="-1">
-              <a:latin typeface="Arial"/>
-            </a:endParaRPr>
-          </a:p>
-          <a:p>
-            <a:pPr marL="457200">
-              <a:lnSpc>
-                <a:spcPct val="100000"/>
-              </a:lnSpc>
-              <a:tabLst>
-                <a:tab pos="0" algn="l"/>
-              </a:tabLst>
-            </a:pPr>
-            <a:endParaRPr lang="en-GB" sz="2180" b="0" strike="noStrike" spc="-1">
-              <a:latin typeface="Arial"/>
-            </a:endParaRPr>
-          </a:p>
-          <a:p>
-            <a:pPr marL="150840">
-              <a:lnSpc>
-                <a:spcPct val="100000"/>
-              </a:lnSpc>
-              <a:spcBef>
-                <a:spcPts val="437"/>
-              </a:spcBef>
-              <a:tabLst>
-                <a:tab pos="0" algn="l"/>
-              </a:tabLst>
-            </a:pPr>
-            <a:endParaRPr lang="en-GB" sz="2180" b="0" strike="noStrike" spc="-1">
-              <a:latin typeface="Arial"/>
-            </a:endParaRPr>
-          </a:p>
-        </p:txBody>
-      </p:sp>
-      <p:sp>
-        <p:nvSpPr>
-          <p:cNvPr id="294" name="CustomShape 3"/>
+            </a:pPr>
+            <a:endParaRPr lang="en-GB" sz="1800" b="0" strike="noStrike" spc="-1">
+              <a:latin typeface="Arial"/>
+            </a:endParaRPr>
+          </a:p>
+        </p:txBody>
+      </p:sp>
+      <p:sp>
+        <p:nvSpPr>
+          <p:cNvPr id="290" name="CustomShape 3"/>
           <p:cNvSpPr/>
           <p:nvPr/>
         </p:nvSpPr>
         <p:spPr>
           <a:xfrm>
-            <a:off x="243360" y="3721320"/>
-            <a:ext cx="8441280" cy="2523240"/>
+            <a:off x="952560" y="2413440"/>
+            <a:ext cx="6964560" cy="2009880"/>
           </a:xfrm>
           <a:prstGeom prst="rect">
             <a:avLst/>
@@ -16325,16 +16310,16 @@
               </a:lnSpc>
             </a:pPr>
             <a:r>
-              <a:rPr lang="en-GB" sz="1600" b="0" strike="noStrike" spc="-1">
+              <a:rPr lang="en-US" sz="1800" b="0" strike="noStrike" spc="-1">
                 <a:solidFill>
                   <a:srgbClr val="000000"/>
                 </a:solidFill>
-                <a:latin typeface="Courier New"/>
+                <a:latin typeface="Calibri"/>
                 <a:ea typeface="DejaVu Sans"/>
               </a:rPr>
-              <a:t>&gt; my_list = list(a = c(1, 2, 3), b = c(4, 5, 6), c = c(7, 8, 9))</a:t>
-            </a:r>
-            <a:endParaRPr lang="en-GB" sz="1600" b="0" strike="noStrike" spc="-1">
+              <a:t>Functions are created using the function() directive and are stored as R objects just like anything else. In particular, they are R objects of class “function”.</a:t>
+            </a:r>
+            <a:endParaRPr lang="en-GB" sz="1800" b="0" strike="noStrike" spc="-1">
               <a:latin typeface="Arial"/>
             </a:endParaRPr>
           </a:p>
@@ -16344,17 +16329,7 @@
                 <a:spcPct val="100000"/>
               </a:lnSpc>
             </a:pPr>
-            <a:r>
-              <a:rPr lang="en-GB" sz="1600" b="0" strike="noStrike" spc="-1">
-                <a:solidFill>
-                  <a:srgbClr val="000000"/>
-                </a:solidFill>
-                <a:latin typeface="Courier New"/>
-                <a:ea typeface="DejaVu Sans"/>
-              </a:rPr>
-              <a:t>&gt; lapply(my_list, mean)</a:t>
-            </a:r>
-            <a:endParaRPr lang="en-GB" sz="1600" b="0" strike="noStrike" spc="-1">
+            <a:endParaRPr lang="en-GB" sz="1800" b="0" strike="noStrike" spc="-1">
               <a:latin typeface="Arial"/>
             </a:endParaRPr>
           </a:p>
@@ -16365,16 +16340,16 @@
               </a:lnSpc>
             </a:pPr>
             <a:r>
-              <a:rPr lang="pt-BR" sz="1600" b="0" strike="noStrike" spc="-1">
+              <a:rPr lang="en-US" sz="1800" b="0" strike="noStrike" spc="-1">
                 <a:solidFill>
                   <a:srgbClr val="000000"/>
                 </a:solidFill>
                 <a:latin typeface="Courier New"/>
                 <a:ea typeface="DejaVu Sans"/>
               </a:rPr>
-              <a:t>$a</a:t>
-            </a:r>
-            <a:endParaRPr lang="en-GB" sz="1600" b="0" strike="noStrike" spc="-1">
+              <a:t>f &lt;- function(&lt;arguments&gt;) {</a:t>
+            </a:r>
+            <a:endParaRPr lang="en-GB" sz="1800" b="0" strike="noStrike" spc="-1">
               <a:latin typeface="Arial"/>
             </a:endParaRPr>
           </a:p>
@@ -16385,16 +16360,16 @@
               </a:lnSpc>
             </a:pPr>
             <a:r>
-              <a:rPr lang="pt-BR" sz="1600" b="0" strike="noStrike" spc="-1">
+              <a:rPr lang="en-US" sz="1800" b="0" strike="noStrike" spc="-1">
                 <a:solidFill>
                   <a:srgbClr val="000000"/>
                 </a:solidFill>
                 <a:latin typeface="Courier New"/>
                 <a:ea typeface="DejaVu Sans"/>
               </a:rPr>
-              <a:t>[1] 2</a:t>
-            </a:r>
-            <a:endParaRPr lang="en-GB" sz="1600" b="0" strike="noStrike" spc="-1">
+              <a:t>        ## Do something interesting</a:t>
+            </a:r>
+            <a:endParaRPr lang="en-GB" sz="1800" b="0" strike="noStrike" spc="-1">
               <a:latin typeface="Arial"/>
             </a:endParaRPr>
           </a:p>
@@ -16404,10 +16379,58 @@
                 <a:spcPct val="100000"/>
               </a:lnSpc>
             </a:pPr>
-            <a:endParaRPr lang="en-GB" sz="1600" b="0" strike="noStrike" spc="-1">
-              <a:latin typeface="Arial"/>
-            </a:endParaRPr>
-          </a:p>
+            <a:r>
+              <a:rPr lang="en-US" sz="1800" b="0" strike="noStrike" spc="-1">
+                <a:solidFill>
+                  <a:srgbClr val="000000"/>
+                </a:solidFill>
+                <a:latin typeface="Courier New"/>
+                <a:ea typeface="DejaVu Sans"/>
+              </a:rPr>
+              <a:t>}</a:t>
+            </a:r>
+            <a:endParaRPr lang="en-GB" sz="1800" b="0" strike="noStrike" spc="-1">
+              <a:latin typeface="Arial"/>
+            </a:endParaRPr>
+          </a:p>
+        </p:txBody>
+      </p:sp>
+      <p:sp>
+        <p:nvSpPr>
+          <p:cNvPr id="291" name="CustomShape 4"/>
+          <p:cNvSpPr/>
+          <p:nvPr/>
+        </p:nvSpPr>
+        <p:spPr>
+          <a:xfrm>
+            <a:off x="754200" y="5575680"/>
+            <a:ext cx="7934040" cy="363960"/>
+          </a:xfrm>
+          <a:prstGeom prst="rect">
+            <a:avLst/>
+          </a:prstGeom>
+          <a:noFill/>
+          <a:ln>
+            <a:noFill/>
+          </a:ln>
+        </p:spPr>
+        <p:style>
+          <a:lnRef idx="0">
+            <a:scrgbClr r="0" g="0" b="0"/>
+          </a:lnRef>
+          <a:fillRef idx="0">
+            <a:scrgbClr r="0" g="0" b="0"/>
+          </a:fillRef>
+          <a:effectRef idx="0">
+            <a:scrgbClr r="0" g="0" b="0"/>
+          </a:effectRef>
+          <a:fontRef idx="minor"/>
+        </p:style>
+        <p:txBody>
+          <a:bodyPr wrap="none" lIns="90000" tIns="45000" rIns="90000" bIns="45000">
+            <a:spAutoFit/>
+          </a:bodyPr>
+          <a:lstStyle/>
           <a:p>
             <a:pPr>
               <a:lnSpc>
@@ -16415,86 +16438,16 @@
               </a:lnSpc>
             </a:pPr>
             <a:r>
-              <a:rPr lang="pt-BR" sz="1600" b="0" strike="noStrike" spc="-1">
-                <a:solidFill>
-                  <a:srgbClr val="000000"/>
-                </a:solidFill>
-                <a:latin typeface="Courier New"/>
+              <a:rPr lang="en-US" sz="1800" b="0" strike="noStrike" spc="-1">
+                <a:solidFill>
+                  <a:srgbClr val="FF0000"/>
+                </a:solidFill>
+                <a:latin typeface="Calibri"/>
                 <a:ea typeface="DejaVu Sans"/>
               </a:rPr>
-              <a:t>$b</a:t>
-            </a:r>
-            <a:endParaRPr lang="en-GB" sz="1600" b="0" strike="noStrike" spc="-1">
-              <a:latin typeface="Arial"/>
-            </a:endParaRPr>
-          </a:p>
-          <a:p>
-            <a:pPr>
-              <a:lnSpc>
-                <a:spcPct val="100000"/>
-              </a:lnSpc>
-            </a:pPr>
-            <a:r>
-              <a:rPr lang="pt-BR" sz="1600" b="0" strike="noStrike" spc="-1">
-                <a:solidFill>
-                  <a:srgbClr val="000000"/>
-                </a:solidFill>
-                <a:latin typeface="Courier New"/>
-                <a:ea typeface="DejaVu Sans"/>
-              </a:rPr>
-              <a:t>[1] 5</a:t>
-            </a:r>
-            <a:endParaRPr lang="en-GB" sz="1600" b="0" strike="noStrike" spc="-1">
-              <a:latin typeface="Arial"/>
-            </a:endParaRPr>
-          </a:p>
-          <a:p>
-            <a:pPr>
-              <a:lnSpc>
-                <a:spcPct val="100000"/>
-              </a:lnSpc>
-            </a:pPr>
-            <a:endParaRPr lang="en-GB" sz="1600" b="0" strike="noStrike" spc="-1">
-              <a:latin typeface="Arial"/>
-            </a:endParaRPr>
-          </a:p>
-          <a:p>
-            <a:pPr>
-              <a:lnSpc>
-                <a:spcPct val="100000"/>
-              </a:lnSpc>
-            </a:pPr>
-            <a:r>
-              <a:rPr lang="pt-BR" sz="1600" b="0" strike="noStrike" spc="-1">
-                <a:solidFill>
-                  <a:srgbClr val="000000"/>
-                </a:solidFill>
-                <a:latin typeface="Courier New"/>
-                <a:ea typeface="DejaVu Sans"/>
-              </a:rPr>
-              <a:t>$c</a:t>
-            </a:r>
-            <a:endParaRPr lang="en-GB" sz="1600" b="0" strike="noStrike" spc="-1">
-              <a:latin typeface="Arial"/>
-            </a:endParaRPr>
-          </a:p>
-          <a:p>
-            <a:pPr>
-              <a:lnSpc>
-                <a:spcPct val="100000"/>
-              </a:lnSpc>
-            </a:pPr>
-            <a:r>
-              <a:rPr lang="pt-BR" sz="1600" b="0" strike="noStrike" spc="-1">
-                <a:solidFill>
-                  <a:srgbClr val="000000"/>
-                </a:solidFill>
-                <a:latin typeface="Courier New"/>
-                <a:ea typeface="DejaVu Sans"/>
-              </a:rPr>
-              <a:t>[1] 8</a:t>
-            </a:r>
-            <a:endParaRPr lang="en-GB" sz="1600" b="0" strike="noStrike" spc="-1">
+              <a:t>Note: majority of the functions you would try to create already exist in the libraries!</a:t>
+            </a:r>
+            <a:endParaRPr lang="en-GB" sz="1800" b="0" strike="noStrike" spc="-1">
               <a:latin typeface="Arial"/>
             </a:endParaRPr>
           </a:p>
@@ -16527,14 +16480,14 @@
       </p:grpSpPr>
       <p:sp>
         <p:nvSpPr>
-          <p:cNvPr id="230" name="CustomShape 1"/>
+          <p:cNvPr id="228" name="CustomShape 1"/>
           <p:cNvSpPr/>
           <p:nvPr/>
         </p:nvSpPr>
         <p:spPr>
           <a:xfrm>
-            <a:off x="480240" y="1371600"/>
-            <a:ext cx="3612600" cy="3451320"/>
+            <a:off x="685800" y="2130480"/>
+            <a:ext cx="7770960" cy="1468440"/>
           </a:xfrm>
           <a:prstGeom prst="rect">
             <a:avLst/>
@@ -16557,48 +16510,64 @@
           <a:fontRef idx="minor"/>
         </p:style>
         <p:txBody>
-          <a:bodyPr lIns="82800" tIns="41400" rIns="82800" bIns="41400" anchor="ctr">
-            <a:normAutofit/>
-          </a:bodyPr>
-          <a:lstStyle/>
-          <a:p>
-            <a:pPr algn="r">
+          <a:bodyPr lIns="90000" tIns="45000" rIns="90000" bIns="45000" anchor="ctr">
+            <a:normAutofit fontScale="80500" lnSpcReduction="20000"/>
+          </a:bodyPr>
+          <a:lstStyle/>
+          <a:p>
+            <a:pPr algn="ctr">
               <a:lnSpc>
                 <a:spcPct val="100000"/>
               </a:lnSpc>
-              <a:spcAft>
-                <a:spcPts val="544"/>
-              </a:spcAft>
-              <a:tabLst>
-                <a:tab pos="0" algn="l"/>
-              </a:tabLst>
-            </a:pPr>
-            <a:r>
-              <a:rPr lang="en-US" sz="3900" b="0" strike="noStrike" cap="all" spc="-1">
+            </a:pPr>
+            <a:r>
+              <a:rPr lang="en-US" sz="4400" b="0" strike="noStrike" spc="-1">
                 <a:solidFill>
                   <a:srgbClr val="000000"/>
                 </a:solidFill>
                 <a:latin typeface="Calibri"/>
-                <a:ea typeface="DejaVu Sans"/>
-              </a:rPr>
-              <a:t>Intro to R for biologists</a:t>
-            </a:r>
-            <a:endParaRPr lang="en-GB" sz="3900" b="0" strike="noStrike" spc="-1">
-              <a:latin typeface="Arial"/>
-            </a:endParaRPr>
-          </a:p>
-        </p:txBody>
-      </p:sp>
-      <p:sp>
-        <p:nvSpPr>
-          <p:cNvPr id="231" name="CustomShape 2"/>
+                <a:ea typeface="Calibri"/>
+              </a:rPr>
+              <a:t>Intro to R for Biologists</a:t>
+            </a:r>
+            <a:br/>
+            <a:r>
+              <a:rPr lang="en-US" sz="4400" b="0" strike="noStrike" spc="-1">
+                <a:solidFill>
+                  <a:srgbClr val="000000"/>
+                </a:solidFill>
+                <a:latin typeface="Calibri"/>
+                <a:ea typeface="Calibri"/>
+              </a:rPr>
+              <a:t>Session 2</a:t>
+            </a:r>
+            <a:br/>
+            <a:r>
+              <a:rPr lang="en-US" sz="4400" b="1" strike="noStrike" spc="-1">
+                <a:solidFill>
+                  <a:srgbClr val="000000"/>
+                </a:solidFill>
+                <a:latin typeface="Calibri"/>
+                <a:ea typeface="Calibri"/>
+              </a:rPr>
+              <a:t>Data exploration</a:t>
+            </a:r>
+            <a:endParaRPr lang="en-GB" sz="4400" b="0" strike="noStrike" spc="-1">
+              <a:latin typeface="Arial"/>
+            </a:endParaRPr>
+          </a:p>
+        </p:txBody>
+      </p:sp>
+      <p:sp>
+        <p:nvSpPr>
+          <p:cNvPr id="229" name="CustomShape 2"/>
           <p:cNvSpPr/>
           <p:nvPr/>
         </p:nvSpPr>
         <p:spPr>
           <a:xfrm>
-            <a:off x="4969080" y="1371600"/>
-            <a:ext cx="3657600" cy="3451320"/>
+            <a:off x="1378080" y="4766400"/>
+            <a:ext cx="6399360" cy="1751040"/>
           </a:xfrm>
           <a:prstGeom prst="rect">
             <a:avLst/>
@@ -16621,209 +16590,69 @@
           <a:fontRef idx="minor"/>
         </p:style>
         <p:txBody>
-          <a:bodyPr lIns="82800" tIns="41400" rIns="82800" bIns="41400" anchor="ctr">
+          <a:bodyPr lIns="90000" tIns="45000" rIns="90000" bIns="45000">
             <a:normAutofit/>
           </a:bodyPr>
           <a:lstStyle/>
           <a:p>
-            <a:pPr marL="216000" indent="-215280">
+            <a:pPr algn="ctr">
               <a:lnSpc>
                 <a:spcPct val="100000"/>
               </a:lnSpc>
               <a:spcBef>
-                <a:spcPts val="320"/>
+                <a:spcPts val="641"/>
               </a:spcBef>
-              <a:spcAft>
-                <a:spcPts val="544"/>
-              </a:spcAft>
-              <a:buClr>
-                <a:srgbClr val="000000"/>
-              </a:buClr>
-              <a:buSzPct val="80000"/>
-              <a:buFont typeface="Wingdings 3" charset="2"/>
-              <a:buChar char=""/>
-            </a:pPr>
-            <a:r>
-              <a:rPr lang="en-US" sz="1600" b="1" strike="noStrike" spc="-1" dirty="0">
-                <a:solidFill>
-                  <a:srgbClr val="000000"/>
+              <a:tabLst>
+                <a:tab pos="0" algn="l"/>
+              </a:tabLst>
+            </a:pPr>
+            <a:r>
+              <a:rPr lang="en-US" sz="3200" b="0" strike="noStrike" spc="-1" dirty="0">
+                <a:solidFill>
+                  <a:srgbClr val="8B8B8B"/>
                 </a:solidFill>
                 <a:latin typeface="Calibri"/>
                 <a:ea typeface="DejaVu Sans"/>
               </a:rPr>
-              <a:t>Data exploration</a:t>
-            </a:r>
-            <a:endParaRPr lang="en-GB" sz="1600" b="0" strike="noStrike" spc="-1" dirty="0">
-              <a:latin typeface="Arial"/>
-            </a:endParaRPr>
-          </a:p>
-          <a:p>
-            <a:pPr marL="457200" lvl="1" indent="-215280">
+              <a:t>Irina &amp; Rao</a:t>
+            </a:r>
+            <a:endParaRPr lang="en-GB" sz="3200" b="0" strike="noStrike" spc="-1" dirty="0">
+              <a:latin typeface="Arial"/>
+            </a:endParaRPr>
+          </a:p>
+          <a:p>
+            <a:pPr algn="ctr">
               <a:lnSpc>
                 <a:spcPct val="100000"/>
               </a:lnSpc>
               <a:spcBef>
-                <a:spcPts val="320"/>
+                <a:spcPts val="641"/>
               </a:spcBef>
-              <a:spcAft>
-                <a:spcPts val="544"/>
-              </a:spcAft>
-              <a:buClr>
-                <a:srgbClr val="000000"/>
-              </a:buClr>
-              <a:buSzPct val="80000"/>
-              <a:buFont typeface="Wingdings 3" charset="2"/>
-              <a:buChar char=""/>
-            </a:pPr>
-            <a:r>
-              <a:rPr lang="en-GB" sz="1600" spc="-1" dirty="0">
-                <a:solidFill>
-                  <a:srgbClr val="000000"/>
-                </a:solidFill>
-                <a:latin typeface="Calibri"/>
-              </a:rPr>
-              <a:t>Conditional execution (if-else)</a:t>
-            </a:r>
-          </a:p>
-          <a:p>
-            <a:pPr marL="457200" lvl="1" indent="-215280">
-              <a:lnSpc>
-                <a:spcPct val="100000"/>
-              </a:lnSpc>
-              <a:spcBef>
-                <a:spcPts val="320"/>
-              </a:spcBef>
-              <a:spcAft>
-                <a:spcPts val="544"/>
-              </a:spcAft>
-              <a:buClr>
-                <a:srgbClr val="000000"/>
-              </a:buClr>
-              <a:buSzPct val="80000"/>
-              <a:buFont typeface="Wingdings 3" charset="2"/>
-              <a:buChar char=""/>
-            </a:pPr>
-            <a:r>
-              <a:rPr lang="en-GB" sz="1600" spc="-1" dirty="0">
-                <a:solidFill>
-                  <a:srgbClr val="000000"/>
-                </a:solidFill>
-                <a:latin typeface="Calibri"/>
-              </a:rPr>
-              <a:t>Performing repetitive tasks (loops)</a:t>
-            </a:r>
-            <a:endParaRPr lang="en-GB" sz="1600" b="0" strike="noStrike" spc="-1" dirty="0">
-              <a:latin typeface="Arial"/>
-            </a:endParaRPr>
-          </a:p>
-          <a:p>
-            <a:pPr marL="457200" lvl="1" indent="-215280">
-              <a:lnSpc>
-                <a:spcPct val="100000"/>
-              </a:lnSpc>
-              <a:spcBef>
-                <a:spcPts val="320"/>
-              </a:spcBef>
-              <a:spcAft>
-                <a:spcPts val="544"/>
-              </a:spcAft>
-              <a:buClr>
-                <a:srgbClr val="000000"/>
-              </a:buClr>
-              <a:buSzPct val="80000"/>
-              <a:buFont typeface="Wingdings 3" charset="2"/>
-              <a:buChar char=""/>
-            </a:pPr>
-            <a:r>
-              <a:rPr lang="en-US" sz="1600" b="0" strike="noStrike" spc="-1" dirty="0">
-                <a:solidFill>
-                  <a:srgbClr val="000000"/>
+              <a:tabLst>
+                <a:tab pos="0" algn="l"/>
+              </a:tabLst>
+            </a:pPr>
+            <a:r>
+              <a:rPr lang="en-US" sz="3200" b="0" strike="noStrike" spc="-1" dirty="0" err="1">
+                <a:solidFill>
+                  <a:srgbClr val="8B8B8B"/>
                 </a:solidFill>
                 <a:latin typeface="Calibri"/>
                 <a:ea typeface="DejaVu Sans"/>
               </a:rPr>
-              <a:t>Basic plots to visualize data</a:t>
-            </a:r>
-            <a:endParaRPr lang="en-GB" sz="1600" b="0" strike="noStrike" spc="-1" dirty="0">
-              <a:latin typeface="Arial"/>
-            </a:endParaRPr>
-          </a:p>
-          <a:p>
-            <a:pPr marL="457200" lvl="1" indent="-215280">
-              <a:lnSpc>
-                <a:spcPct val="100000"/>
-              </a:lnSpc>
-              <a:spcBef>
-                <a:spcPts val="320"/>
-              </a:spcBef>
-              <a:spcAft>
-                <a:spcPts val="544"/>
-              </a:spcAft>
-              <a:buClr>
-                <a:srgbClr val="000000"/>
-              </a:buClr>
-              <a:buSzPct val="80000"/>
-              <a:buFont typeface="Wingdings 3" charset="2"/>
-              <a:buChar char=""/>
-            </a:pPr>
-            <a:r>
-              <a:rPr lang="en-US" sz="1600" b="0" strike="noStrike" spc="-1" dirty="0">
-                <a:solidFill>
-                  <a:srgbClr val="000000"/>
+              <a:t>Michaelmas</a:t>
+            </a:r>
+            <a:r>
+              <a:rPr lang="en-US" sz="3200" b="0" strike="noStrike" spc="-1" dirty="0">
+                <a:solidFill>
+                  <a:srgbClr val="8B8B8B"/>
                 </a:solidFill>
                 <a:latin typeface="Calibri"/>
                 <a:ea typeface="DejaVu Sans"/>
               </a:rPr>
-              <a:t>Basic statistics</a:t>
-            </a:r>
-            <a:endParaRPr lang="en-GB" sz="1600" b="0" strike="noStrike" spc="-1" dirty="0">
-              <a:latin typeface="Arial"/>
-            </a:endParaRPr>
-          </a:p>
-          <a:p>
-            <a:pPr marL="457200" lvl="1" indent="-215280">
-              <a:lnSpc>
-                <a:spcPct val="100000"/>
-              </a:lnSpc>
-              <a:spcBef>
-                <a:spcPts val="320"/>
-              </a:spcBef>
-              <a:spcAft>
-                <a:spcPts val="544"/>
-              </a:spcAft>
-              <a:buClr>
-                <a:srgbClr val="000000"/>
-              </a:buClr>
-              <a:buSzPct val="80000"/>
-              <a:buFont typeface="Wingdings 3" charset="2"/>
-              <a:buChar char=""/>
-            </a:pPr>
-            <a:r>
-              <a:rPr lang="en-US" sz="1600" b="0" strike="noStrike" spc="-1" dirty="0">
-                <a:solidFill>
-                  <a:srgbClr val="000000"/>
-                </a:solidFill>
-                <a:latin typeface="Calibri"/>
-              </a:rPr>
-              <a:t>Installing and loading packages</a:t>
-            </a:r>
-            <a:endParaRPr lang="en-GB" sz="1600" b="0" strike="noStrike" spc="-1" dirty="0">
-              <a:latin typeface="Arial"/>
-            </a:endParaRPr>
-          </a:p>
-          <a:p>
-            <a:pPr>
-              <a:lnSpc>
-                <a:spcPct val="100000"/>
-              </a:lnSpc>
-              <a:spcBef>
-                <a:spcPts val="320"/>
-              </a:spcBef>
-              <a:spcAft>
-                <a:spcPts val="544"/>
-              </a:spcAft>
-            </a:pPr>
-            <a:endParaRPr lang="en-GB" sz="1600" b="0" strike="noStrike" spc="-1" dirty="0">
+              <a:t> 2023</a:t>
+            </a:r>
+            <a:endParaRPr lang="en-GB" sz="3200" b="0" strike="noStrike" spc="-1" dirty="0">
               <a:latin typeface="Arial"/>
             </a:endParaRPr>
           </a:p>
@@ -16856,6 +16685,593 @@
       </p:grpSpPr>
       <p:sp>
         <p:nvSpPr>
+          <p:cNvPr id="292" name="CustomShape 1"/>
+          <p:cNvSpPr/>
+          <p:nvPr/>
+        </p:nvSpPr>
+        <p:spPr>
+          <a:xfrm>
+            <a:off x="457200" y="684000"/>
+            <a:ext cx="8227440" cy="1143360"/>
+          </a:xfrm>
+          <a:prstGeom prst="rect">
+            <a:avLst/>
+          </a:prstGeom>
+          <a:noFill/>
+          <a:ln>
+            <a:noFill/>
+          </a:ln>
+        </p:spPr>
+        <p:style>
+          <a:lnRef idx="0">
+            <a:scrgbClr r="0" g="0" b="0"/>
+          </a:lnRef>
+          <a:fillRef idx="0">
+            <a:scrgbClr r="0" g="0" b="0"/>
+          </a:fillRef>
+          <a:effectRef idx="0">
+            <a:scrgbClr r="0" g="0" b="0"/>
+          </a:effectRef>
+          <a:fontRef idx="minor"/>
+        </p:style>
+        <p:txBody>
+          <a:bodyPr lIns="0" tIns="0" rIns="0" bIns="0" anchor="ctr">
+            <a:noAutofit/>
+          </a:bodyPr>
+          <a:lstStyle/>
+          <a:p>
+            <a:pPr algn="ctr">
+              <a:lnSpc>
+                <a:spcPct val="100000"/>
+              </a:lnSpc>
+            </a:pPr>
+            <a:r>
+              <a:rPr lang="en-GB" sz="4400" b="1" strike="noStrike" spc="-1">
+                <a:solidFill>
+                  <a:srgbClr val="000000"/>
+                </a:solidFill>
+                <a:latin typeface="Calibri"/>
+                <a:ea typeface="DejaVu Sans"/>
+              </a:rPr>
+              <a:t>Loop functions</a:t>
+            </a:r>
+            <a:endParaRPr lang="en-GB" sz="4400" b="0" strike="noStrike" spc="-1">
+              <a:latin typeface="Arial"/>
+            </a:endParaRPr>
+          </a:p>
+        </p:txBody>
+      </p:sp>
+      <p:sp>
+        <p:nvSpPr>
+          <p:cNvPr id="293" name="CustomShape 2"/>
+          <p:cNvSpPr/>
+          <p:nvPr/>
+        </p:nvSpPr>
+        <p:spPr>
+          <a:xfrm>
+            <a:off x="457200" y="1759320"/>
+            <a:ext cx="8227440" cy="1762200"/>
+          </a:xfrm>
+          <a:prstGeom prst="rect">
+            <a:avLst/>
+          </a:prstGeom>
+          <a:noFill/>
+          <a:ln>
+            <a:noFill/>
+          </a:ln>
+        </p:spPr>
+        <p:style>
+          <a:lnRef idx="0">
+            <a:scrgbClr r="0" g="0" b="0"/>
+          </a:lnRef>
+          <a:fillRef idx="0">
+            <a:scrgbClr r="0" g="0" b="0"/>
+          </a:fillRef>
+          <a:effectRef idx="0">
+            <a:scrgbClr r="0" g="0" b="0"/>
+          </a:effectRef>
+          <a:fontRef idx="minor"/>
+        </p:style>
+        <p:txBody>
+          <a:bodyPr lIns="0" tIns="0" rIns="0" bIns="0">
+            <a:normAutofit fontScale="92000"/>
+          </a:bodyPr>
+          <a:lstStyle/>
+          <a:p>
+            <a:pPr marL="343080" indent="-341640">
+              <a:lnSpc>
+                <a:spcPct val="100000"/>
+              </a:lnSpc>
+              <a:spcBef>
+                <a:spcPts val="437"/>
+              </a:spcBef>
+              <a:buClr>
+                <a:srgbClr val="000000"/>
+              </a:buClr>
+              <a:buFont typeface="Arial"/>
+              <a:buChar char="•"/>
+            </a:pPr>
+            <a:r>
+              <a:rPr lang="en-GB" sz="2180" b="0" strike="noStrike" spc="-1">
+                <a:solidFill>
+                  <a:srgbClr val="000000"/>
+                </a:solidFill>
+                <a:latin typeface="Courier New"/>
+                <a:ea typeface="DejaVu Sans"/>
+              </a:rPr>
+              <a:t>lapply() </a:t>
+            </a:r>
+            <a:r>
+              <a:rPr lang="en-GB" sz="2180" b="0" strike="noStrike" spc="-1">
+                <a:solidFill>
+                  <a:srgbClr val="000000"/>
+                </a:solidFill>
+                <a:latin typeface="Calibri"/>
+                <a:ea typeface="DejaVu Sans"/>
+              </a:rPr>
+              <a:t>– perform an action on each element of a vector: returns list</a:t>
+            </a:r>
+            <a:endParaRPr lang="en-GB" sz="2180" b="0" strike="noStrike" spc="-1">
+              <a:latin typeface="Arial"/>
+            </a:endParaRPr>
+          </a:p>
+          <a:p>
+            <a:pPr marL="343080" indent="-341640">
+              <a:lnSpc>
+                <a:spcPct val="100000"/>
+              </a:lnSpc>
+              <a:spcBef>
+                <a:spcPts val="439"/>
+              </a:spcBef>
+              <a:buClr>
+                <a:srgbClr val="000000"/>
+              </a:buClr>
+              <a:buFont typeface="Arial"/>
+              <a:buChar char="•"/>
+            </a:pPr>
+            <a:r>
+              <a:rPr lang="en-GB" sz="2200" b="0" strike="noStrike" spc="-1">
+                <a:solidFill>
+                  <a:srgbClr val="000000"/>
+                </a:solidFill>
+                <a:latin typeface="Courier New"/>
+                <a:ea typeface="DejaVu Sans"/>
+              </a:rPr>
+              <a:t>sapply() </a:t>
+            </a:r>
+            <a:r>
+              <a:rPr lang="en-GB" sz="2180" b="0" strike="noStrike" spc="-1">
+                <a:solidFill>
+                  <a:srgbClr val="000000"/>
+                </a:solidFill>
+                <a:latin typeface="Calibri"/>
+                <a:ea typeface="DejaVu Sans"/>
+              </a:rPr>
+              <a:t>– as above, returns a simplified object (variable)</a:t>
+            </a:r>
+            <a:endParaRPr lang="en-GB" sz="2180" b="0" strike="noStrike" spc="-1">
+              <a:latin typeface="Arial"/>
+            </a:endParaRPr>
+          </a:p>
+          <a:p>
+            <a:pPr marL="343080" indent="-341640">
+              <a:lnSpc>
+                <a:spcPct val="100000"/>
+              </a:lnSpc>
+              <a:spcBef>
+                <a:spcPts val="439"/>
+              </a:spcBef>
+              <a:buClr>
+                <a:srgbClr val="000000"/>
+              </a:buClr>
+              <a:buFont typeface="Arial"/>
+              <a:buChar char="•"/>
+            </a:pPr>
+            <a:r>
+              <a:rPr lang="en-GB" sz="2200" b="0" strike="noStrike" spc="-1">
+                <a:solidFill>
+                  <a:srgbClr val="000000"/>
+                </a:solidFill>
+                <a:latin typeface="Courier New"/>
+                <a:ea typeface="DejaVu Sans"/>
+              </a:rPr>
+              <a:t>apply() </a:t>
+            </a:r>
+            <a:r>
+              <a:rPr lang="en-GB" sz="2180" b="0" strike="noStrike" spc="-1">
+                <a:solidFill>
+                  <a:srgbClr val="000000"/>
+                </a:solidFill>
+                <a:latin typeface="Calibri"/>
+                <a:ea typeface="DejaVu Sans"/>
+              </a:rPr>
+              <a:t>– loop over rows or columns of a matrix or df</a:t>
+            </a:r>
+            <a:endParaRPr lang="en-GB" sz="2180" b="0" strike="noStrike" spc="-1">
+              <a:latin typeface="Arial"/>
+            </a:endParaRPr>
+          </a:p>
+          <a:p>
+            <a:pPr marL="343080" indent="-341640">
+              <a:lnSpc>
+                <a:spcPct val="100000"/>
+              </a:lnSpc>
+              <a:spcBef>
+                <a:spcPts val="439"/>
+              </a:spcBef>
+              <a:buClr>
+                <a:srgbClr val="000000"/>
+              </a:buClr>
+              <a:buFont typeface="Arial"/>
+              <a:buChar char="•"/>
+            </a:pPr>
+            <a:r>
+              <a:rPr lang="en-GB" sz="2200" b="0" strike="noStrike" spc="-1">
+                <a:solidFill>
+                  <a:srgbClr val="000000"/>
+                </a:solidFill>
+                <a:latin typeface="Courier New"/>
+                <a:ea typeface="DejaVu Sans"/>
+              </a:rPr>
+              <a:t>tapply() </a:t>
+            </a:r>
+            <a:r>
+              <a:rPr lang="en-GB" sz="2180" b="0" strike="noStrike" spc="-1">
+                <a:solidFill>
+                  <a:srgbClr val="000000"/>
+                </a:solidFill>
+                <a:latin typeface="Calibri"/>
+                <a:ea typeface="DejaVu Sans"/>
+              </a:rPr>
+              <a:t>– loop over a vector, split based on a factor</a:t>
+            </a:r>
+            <a:endParaRPr lang="en-GB" sz="2180" b="0" strike="noStrike" spc="-1">
+              <a:latin typeface="Arial"/>
+            </a:endParaRPr>
+          </a:p>
+          <a:p>
+            <a:pPr marL="343080" indent="-341640">
+              <a:lnSpc>
+                <a:spcPct val="100000"/>
+              </a:lnSpc>
+              <a:spcBef>
+                <a:spcPts val="439"/>
+              </a:spcBef>
+              <a:buClr>
+                <a:srgbClr val="000000"/>
+              </a:buClr>
+              <a:buFont typeface="Arial"/>
+              <a:buChar char="•"/>
+            </a:pPr>
+            <a:r>
+              <a:rPr lang="en-GB" sz="2200" b="0" strike="noStrike" spc="-1">
+                <a:solidFill>
+                  <a:srgbClr val="000000"/>
+                </a:solidFill>
+                <a:latin typeface="Courier New"/>
+                <a:ea typeface="DejaVu Sans"/>
+              </a:rPr>
+              <a:t>mapply() </a:t>
+            </a:r>
+            <a:r>
+              <a:rPr lang="en-GB" sz="2180" b="0" strike="noStrike" spc="-1">
+                <a:solidFill>
+                  <a:srgbClr val="000000"/>
+                </a:solidFill>
+                <a:latin typeface="Calibri"/>
+                <a:ea typeface="DejaVu Sans"/>
+              </a:rPr>
+              <a:t>– loop over more than one vector</a:t>
+            </a:r>
+            <a:endParaRPr lang="en-GB" sz="2180" b="0" strike="noStrike" spc="-1">
+              <a:latin typeface="Arial"/>
+            </a:endParaRPr>
+          </a:p>
+          <a:p>
+            <a:pPr>
+              <a:lnSpc>
+                <a:spcPct val="100000"/>
+              </a:lnSpc>
+              <a:spcBef>
+                <a:spcPts val="437"/>
+              </a:spcBef>
+            </a:pPr>
+            <a:endParaRPr lang="en-GB" sz="2180" b="0" strike="noStrike" spc="-1">
+              <a:latin typeface="Arial"/>
+            </a:endParaRPr>
+          </a:p>
+          <a:p>
+            <a:pPr marL="457200">
+              <a:lnSpc>
+                <a:spcPct val="100000"/>
+              </a:lnSpc>
+              <a:spcBef>
+                <a:spcPts val="437"/>
+              </a:spcBef>
+              <a:tabLst>
+                <a:tab pos="0" algn="l"/>
+              </a:tabLst>
+            </a:pPr>
+            <a:endParaRPr lang="en-GB" sz="2180" b="0" strike="noStrike" spc="-1">
+              <a:latin typeface="Arial"/>
+            </a:endParaRPr>
+          </a:p>
+          <a:p>
+            <a:pPr marL="457200">
+              <a:lnSpc>
+                <a:spcPct val="100000"/>
+              </a:lnSpc>
+              <a:tabLst>
+                <a:tab pos="0" algn="l"/>
+              </a:tabLst>
+            </a:pPr>
+            <a:endParaRPr lang="en-GB" sz="2180" b="0" strike="noStrike" spc="-1">
+              <a:latin typeface="Arial"/>
+            </a:endParaRPr>
+          </a:p>
+          <a:p>
+            <a:pPr marL="150840">
+              <a:lnSpc>
+                <a:spcPct val="100000"/>
+              </a:lnSpc>
+              <a:spcBef>
+                <a:spcPts val="437"/>
+              </a:spcBef>
+              <a:tabLst>
+                <a:tab pos="0" algn="l"/>
+              </a:tabLst>
+            </a:pPr>
+            <a:endParaRPr lang="en-GB" sz="2180" b="0" strike="noStrike" spc="-1">
+              <a:latin typeface="Arial"/>
+            </a:endParaRPr>
+          </a:p>
+        </p:txBody>
+      </p:sp>
+      <p:sp>
+        <p:nvSpPr>
+          <p:cNvPr id="294" name="CustomShape 3"/>
+          <p:cNvSpPr/>
+          <p:nvPr/>
+        </p:nvSpPr>
+        <p:spPr>
+          <a:xfrm>
+            <a:off x="243360" y="3721320"/>
+            <a:ext cx="8441280" cy="2523240"/>
+          </a:xfrm>
+          <a:prstGeom prst="rect">
+            <a:avLst/>
+          </a:prstGeom>
+          <a:noFill/>
+          <a:ln>
+            <a:noFill/>
+          </a:ln>
+        </p:spPr>
+        <p:style>
+          <a:lnRef idx="0">
+            <a:scrgbClr r="0" g="0" b="0"/>
+          </a:lnRef>
+          <a:fillRef idx="0">
+            <a:scrgbClr r="0" g="0" b="0"/>
+          </a:fillRef>
+          <a:effectRef idx="0">
+            <a:scrgbClr r="0" g="0" b="0"/>
+          </a:effectRef>
+          <a:fontRef idx="minor"/>
+        </p:style>
+        <p:txBody>
+          <a:bodyPr lIns="90000" tIns="45000" rIns="90000" bIns="45000">
+            <a:spAutoFit/>
+          </a:bodyPr>
+          <a:lstStyle/>
+          <a:p>
+            <a:pPr>
+              <a:lnSpc>
+                <a:spcPct val="100000"/>
+              </a:lnSpc>
+            </a:pPr>
+            <a:r>
+              <a:rPr lang="en-GB" sz="1600" b="0" strike="noStrike" spc="-1">
+                <a:solidFill>
+                  <a:srgbClr val="000000"/>
+                </a:solidFill>
+                <a:latin typeface="Courier New"/>
+                <a:ea typeface="DejaVu Sans"/>
+              </a:rPr>
+              <a:t>&gt; my_list = list(a = c(1, 2, 3), b = c(4, 5, 6), c = c(7, 8, 9))</a:t>
+            </a:r>
+            <a:endParaRPr lang="en-GB" sz="1600" b="0" strike="noStrike" spc="-1">
+              <a:latin typeface="Arial"/>
+            </a:endParaRPr>
+          </a:p>
+          <a:p>
+            <a:pPr>
+              <a:lnSpc>
+                <a:spcPct val="100000"/>
+              </a:lnSpc>
+            </a:pPr>
+            <a:r>
+              <a:rPr lang="en-GB" sz="1600" b="0" strike="noStrike" spc="-1">
+                <a:solidFill>
+                  <a:srgbClr val="000000"/>
+                </a:solidFill>
+                <a:latin typeface="Courier New"/>
+                <a:ea typeface="DejaVu Sans"/>
+              </a:rPr>
+              <a:t>&gt; lapply(my_list, mean)</a:t>
+            </a:r>
+            <a:endParaRPr lang="en-GB" sz="1600" b="0" strike="noStrike" spc="-1">
+              <a:latin typeface="Arial"/>
+            </a:endParaRPr>
+          </a:p>
+          <a:p>
+            <a:pPr>
+              <a:lnSpc>
+                <a:spcPct val="100000"/>
+              </a:lnSpc>
+            </a:pPr>
+            <a:r>
+              <a:rPr lang="pt-BR" sz="1600" b="0" strike="noStrike" spc="-1">
+                <a:solidFill>
+                  <a:srgbClr val="000000"/>
+                </a:solidFill>
+                <a:latin typeface="Courier New"/>
+                <a:ea typeface="DejaVu Sans"/>
+              </a:rPr>
+              <a:t>$a</a:t>
+            </a:r>
+            <a:endParaRPr lang="en-GB" sz="1600" b="0" strike="noStrike" spc="-1">
+              <a:latin typeface="Arial"/>
+            </a:endParaRPr>
+          </a:p>
+          <a:p>
+            <a:pPr>
+              <a:lnSpc>
+                <a:spcPct val="100000"/>
+              </a:lnSpc>
+            </a:pPr>
+            <a:r>
+              <a:rPr lang="pt-BR" sz="1600" b="0" strike="noStrike" spc="-1">
+                <a:solidFill>
+                  <a:srgbClr val="000000"/>
+                </a:solidFill>
+                <a:latin typeface="Courier New"/>
+                <a:ea typeface="DejaVu Sans"/>
+              </a:rPr>
+              <a:t>[1] 2</a:t>
+            </a:r>
+            <a:endParaRPr lang="en-GB" sz="1600" b="0" strike="noStrike" spc="-1">
+              <a:latin typeface="Arial"/>
+            </a:endParaRPr>
+          </a:p>
+          <a:p>
+            <a:pPr>
+              <a:lnSpc>
+                <a:spcPct val="100000"/>
+              </a:lnSpc>
+            </a:pPr>
+            <a:endParaRPr lang="en-GB" sz="1600" b="0" strike="noStrike" spc="-1">
+              <a:latin typeface="Arial"/>
+            </a:endParaRPr>
+          </a:p>
+          <a:p>
+            <a:pPr>
+              <a:lnSpc>
+                <a:spcPct val="100000"/>
+              </a:lnSpc>
+            </a:pPr>
+            <a:r>
+              <a:rPr lang="pt-BR" sz="1600" b="0" strike="noStrike" spc="-1">
+                <a:solidFill>
+                  <a:srgbClr val="000000"/>
+                </a:solidFill>
+                <a:latin typeface="Courier New"/>
+                <a:ea typeface="DejaVu Sans"/>
+              </a:rPr>
+              <a:t>$b</a:t>
+            </a:r>
+            <a:endParaRPr lang="en-GB" sz="1600" b="0" strike="noStrike" spc="-1">
+              <a:latin typeface="Arial"/>
+            </a:endParaRPr>
+          </a:p>
+          <a:p>
+            <a:pPr>
+              <a:lnSpc>
+                <a:spcPct val="100000"/>
+              </a:lnSpc>
+            </a:pPr>
+            <a:r>
+              <a:rPr lang="pt-BR" sz="1600" b="0" strike="noStrike" spc="-1">
+                <a:solidFill>
+                  <a:srgbClr val="000000"/>
+                </a:solidFill>
+                <a:latin typeface="Courier New"/>
+                <a:ea typeface="DejaVu Sans"/>
+              </a:rPr>
+              <a:t>[1] 5</a:t>
+            </a:r>
+            <a:endParaRPr lang="en-GB" sz="1600" b="0" strike="noStrike" spc="-1">
+              <a:latin typeface="Arial"/>
+            </a:endParaRPr>
+          </a:p>
+          <a:p>
+            <a:pPr>
+              <a:lnSpc>
+                <a:spcPct val="100000"/>
+              </a:lnSpc>
+            </a:pPr>
+            <a:endParaRPr lang="en-GB" sz="1600" b="0" strike="noStrike" spc="-1">
+              <a:latin typeface="Arial"/>
+            </a:endParaRPr>
+          </a:p>
+          <a:p>
+            <a:pPr>
+              <a:lnSpc>
+                <a:spcPct val="100000"/>
+              </a:lnSpc>
+            </a:pPr>
+            <a:r>
+              <a:rPr lang="pt-BR" sz="1600" b="0" strike="noStrike" spc="-1">
+                <a:solidFill>
+                  <a:srgbClr val="000000"/>
+                </a:solidFill>
+                <a:latin typeface="Courier New"/>
+                <a:ea typeface="DejaVu Sans"/>
+              </a:rPr>
+              <a:t>$c</a:t>
+            </a:r>
+            <a:endParaRPr lang="en-GB" sz="1600" b="0" strike="noStrike" spc="-1">
+              <a:latin typeface="Arial"/>
+            </a:endParaRPr>
+          </a:p>
+          <a:p>
+            <a:pPr>
+              <a:lnSpc>
+                <a:spcPct val="100000"/>
+              </a:lnSpc>
+            </a:pPr>
+            <a:r>
+              <a:rPr lang="pt-BR" sz="1600" b="0" strike="noStrike" spc="-1">
+                <a:solidFill>
+                  <a:srgbClr val="000000"/>
+                </a:solidFill>
+                <a:latin typeface="Courier New"/>
+                <a:ea typeface="DejaVu Sans"/>
+              </a:rPr>
+              <a:t>[1] 8</a:t>
+            </a:r>
+            <a:endParaRPr lang="en-GB" sz="1600" b="0" strike="noStrike" spc="-1">
+              <a:latin typeface="Arial"/>
+            </a:endParaRPr>
+          </a:p>
+        </p:txBody>
+      </p:sp>
+    </p:spTree>
+  </p:cSld>
+  <p:clrMapOvr>
+    <a:masterClrMapping/>
+  </p:clrMapOvr>
+</p:sld>
+</file>
+
+<file path=ppt/slides/slide21.xml><?xml version="1.0" encoding="utf-8"?>
+<p:sld xmlns:a="http://schemas.openxmlformats.org/drawingml/2006/main" xmlns:r="http://schemas.openxmlformats.org/officeDocument/2006/relationships" xmlns:p="http://schemas.openxmlformats.org/presentationml/2006/main">
+  <p:cSld>
+    <p:spTree>
+      <p:nvGrpSpPr>
+        <p:cNvPr id="1" name=""/>
+        <p:cNvGrpSpPr/>
+        <p:nvPr/>
+      </p:nvGrpSpPr>
+      <p:grpSpPr>
+        <a:xfrm>
+          <a:off x="0" y="0"/>
+          <a:ext cx="0" cy="0"/>
+          <a:chOff x="0" y="0"/>
+          <a:chExt cx="0" cy="0"/>
+        </a:xfrm>
+      </p:grpSpPr>
+      <p:sp>
+        <p:nvSpPr>
           <p:cNvPr id="295" name="CustomShape 1"/>
           <p:cNvSpPr/>
           <p:nvPr/>
@@ -17131,14 +17547,14 @@
       </p:grpSpPr>
       <p:sp>
         <p:nvSpPr>
-          <p:cNvPr id="232" name="CustomShape 1"/>
+          <p:cNvPr id="230" name="CustomShape 1"/>
           <p:cNvSpPr/>
           <p:nvPr/>
         </p:nvSpPr>
         <p:spPr>
           <a:xfrm>
-            <a:off x="457200" y="684000"/>
-            <a:ext cx="8227440" cy="1143360"/>
+            <a:off x="480240" y="1371600"/>
+            <a:ext cx="3612600" cy="3451320"/>
           </a:xfrm>
           <a:prstGeom prst="rect">
             <a:avLst/>
@@ -17161,42 +17577,48 @@
           <a:fontRef idx="minor"/>
         </p:style>
         <p:txBody>
-          <a:bodyPr lIns="0" tIns="0" rIns="0" bIns="0" anchor="ctr">
-            <a:noAutofit/>
-          </a:bodyPr>
-          <a:lstStyle/>
-          <a:p>
-            <a:pPr algn="ctr">
+          <a:bodyPr lIns="82800" tIns="41400" rIns="82800" bIns="41400" anchor="ctr">
+            <a:normAutofit/>
+          </a:bodyPr>
+          <a:lstStyle/>
+          <a:p>
+            <a:pPr algn="r">
               <a:lnSpc>
                 <a:spcPct val="100000"/>
               </a:lnSpc>
-            </a:pPr>
-            <a:r>
-              <a:rPr lang="en-GB" sz="4400" b="1" strike="noStrike" spc="-1">
+              <a:spcAft>
+                <a:spcPts val="544"/>
+              </a:spcAft>
+              <a:tabLst>
+                <a:tab pos="0" algn="l"/>
+              </a:tabLst>
+            </a:pPr>
+            <a:r>
+              <a:rPr lang="en-US" sz="3900" b="0" strike="noStrike" cap="all" spc="-1">
                 <a:solidFill>
                   <a:srgbClr val="000000"/>
                 </a:solidFill>
                 <a:latin typeface="Calibri"/>
                 <a:ea typeface="DejaVu Sans"/>
               </a:rPr>
-              <a:t>Math operations</a:t>
-            </a:r>
-            <a:endParaRPr lang="en-GB" sz="4400" b="0" strike="noStrike" spc="-1">
-              <a:latin typeface="Arial"/>
-            </a:endParaRPr>
-          </a:p>
-        </p:txBody>
-      </p:sp>
-      <p:sp>
-        <p:nvSpPr>
-          <p:cNvPr id="233" name="CustomShape 2"/>
+              <a:t>Intro to R for biologists</a:t>
+            </a:r>
+            <a:endParaRPr lang="en-GB" sz="3900" b="0" strike="noStrike" spc="-1">
+              <a:latin typeface="Arial"/>
+            </a:endParaRPr>
+          </a:p>
+        </p:txBody>
+      </p:sp>
+      <p:sp>
+        <p:nvSpPr>
+          <p:cNvPr id="231" name="CustomShape 2"/>
           <p:cNvSpPr/>
           <p:nvPr/>
         </p:nvSpPr>
         <p:spPr>
           <a:xfrm>
-            <a:off x="457200" y="2359440"/>
-            <a:ext cx="8227440" cy="3126960"/>
+            <a:off x="4969080" y="1371600"/>
+            <a:ext cx="3657600" cy="3451320"/>
           </a:xfrm>
           <a:prstGeom prst="rect">
             <a:avLst/>
@@ -17219,6 +17641,329 @@
           <a:fontRef idx="minor"/>
         </p:style>
         <p:txBody>
+          <a:bodyPr lIns="82800" tIns="41400" rIns="82800" bIns="41400" anchor="ctr">
+            <a:normAutofit/>
+          </a:bodyPr>
+          <a:lstStyle/>
+          <a:p>
+            <a:pPr marL="216000" indent="-215280">
+              <a:lnSpc>
+                <a:spcPct val="100000"/>
+              </a:lnSpc>
+              <a:spcBef>
+                <a:spcPts val="320"/>
+              </a:spcBef>
+              <a:spcAft>
+                <a:spcPts val="544"/>
+              </a:spcAft>
+              <a:buClr>
+                <a:srgbClr val="000000"/>
+              </a:buClr>
+              <a:buSzPct val="80000"/>
+              <a:buFont typeface="Wingdings 3" charset="2"/>
+              <a:buChar char=""/>
+            </a:pPr>
+            <a:r>
+              <a:rPr lang="en-US" sz="1600" b="1" strike="noStrike" spc="-1" dirty="0">
+                <a:solidFill>
+                  <a:srgbClr val="000000"/>
+                </a:solidFill>
+                <a:latin typeface="Calibri"/>
+                <a:ea typeface="DejaVu Sans"/>
+              </a:rPr>
+              <a:t>Data exploration</a:t>
+            </a:r>
+            <a:endParaRPr lang="en-GB" sz="1600" b="0" strike="noStrike" spc="-1" dirty="0">
+              <a:latin typeface="Arial"/>
+            </a:endParaRPr>
+          </a:p>
+          <a:p>
+            <a:pPr marL="457200" lvl="1" indent="-215280">
+              <a:lnSpc>
+                <a:spcPct val="100000"/>
+              </a:lnSpc>
+              <a:spcBef>
+                <a:spcPts val="320"/>
+              </a:spcBef>
+              <a:spcAft>
+                <a:spcPts val="544"/>
+              </a:spcAft>
+              <a:buClr>
+                <a:srgbClr val="000000"/>
+              </a:buClr>
+              <a:buSzPct val="80000"/>
+              <a:buFont typeface="Wingdings 3" charset="2"/>
+              <a:buChar char=""/>
+            </a:pPr>
+            <a:r>
+              <a:rPr lang="en-GB" sz="1600" spc="-1" dirty="0">
+                <a:solidFill>
+                  <a:srgbClr val="000000"/>
+                </a:solidFill>
+                <a:latin typeface="Calibri"/>
+              </a:rPr>
+              <a:t>Conditional execution (if-else)</a:t>
+            </a:r>
+          </a:p>
+          <a:p>
+            <a:pPr marL="457200" lvl="1" indent="-215280">
+              <a:lnSpc>
+                <a:spcPct val="100000"/>
+              </a:lnSpc>
+              <a:spcBef>
+                <a:spcPts val="320"/>
+              </a:spcBef>
+              <a:spcAft>
+                <a:spcPts val="544"/>
+              </a:spcAft>
+              <a:buClr>
+                <a:srgbClr val="000000"/>
+              </a:buClr>
+              <a:buSzPct val="80000"/>
+              <a:buFont typeface="Wingdings 3" charset="2"/>
+              <a:buChar char=""/>
+            </a:pPr>
+            <a:r>
+              <a:rPr lang="en-GB" sz="1600" spc="-1" dirty="0">
+                <a:solidFill>
+                  <a:srgbClr val="000000"/>
+                </a:solidFill>
+                <a:latin typeface="Calibri"/>
+              </a:rPr>
+              <a:t>Performing repetitive tasks (loops)</a:t>
+            </a:r>
+            <a:endParaRPr lang="en-GB" sz="1600" b="0" strike="noStrike" spc="-1" dirty="0">
+              <a:latin typeface="Arial"/>
+            </a:endParaRPr>
+          </a:p>
+          <a:p>
+            <a:pPr marL="457200" lvl="1" indent="-215280">
+              <a:lnSpc>
+                <a:spcPct val="100000"/>
+              </a:lnSpc>
+              <a:spcBef>
+                <a:spcPts val="320"/>
+              </a:spcBef>
+              <a:spcAft>
+                <a:spcPts val="544"/>
+              </a:spcAft>
+              <a:buClr>
+                <a:srgbClr val="000000"/>
+              </a:buClr>
+              <a:buSzPct val="80000"/>
+              <a:buFont typeface="Wingdings 3" charset="2"/>
+              <a:buChar char=""/>
+            </a:pPr>
+            <a:r>
+              <a:rPr lang="en-US" sz="1600" b="0" strike="noStrike" spc="-1" dirty="0">
+                <a:solidFill>
+                  <a:srgbClr val="000000"/>
+                </a:solidFill>
+                <a:latin typeface="Calibri"/>
+                <a:ea typeface="DejaVu Sans"/>
+              </a:rPr>
+              <a:t>Basic plots to visualize data</a:t>
+            </a:r>
+            <a:endParaRPr lang="en-GB" sz="1600" b="0" strike="noStrike" spc="-1" dirty="0">
+              <a:latin typeface="Arial"/>
+            </a:endParaRPr>
+          </a:p>
+          <a:p>
+            <a:pPr marL="457200" lvl="1" indent="-215280">
+              <a:lnSpc>
+                <a:spcPct val="100000"/>
+              </a:lnSpc>
+              <a:spcBef>
+                <a:spcPts val="320"/>
+              </a:spcBef>
+              <a:spcAft>
+                <a:spcPts val="544"/>
+              </a:spcAft>
+              <a:buClr>
+                <a:srgbClr val="000000"/>
+              </a:buClr>
+              <a:buSzPct val="80000"/>
+              <a:buFont typeface="Wingdings 3" charset="2"/>
+              <a:buChar char=""/>
+            </a:pPr>
+            <a:r>
+              <a:rPr lang="en-US" sz="1600" b="0" strike="noStrike" spc="-1" dirty="0">
+                <a:solidFill>
+                  <a:srgbClr val="000000"/>
+                </a:solidFill>
+                <a:latin typeface="Calibri"/>
+                <a:ea typeface="DejaVu Sans"/>
+              </a:rPr>
+              <a:t>Basic statistics</a:t>
+            </a:r>
+            <a:endParaRPr lang="en-GB" sz="1600" b="0" strike="noStrike" spc="-1" dirty="0">
+              <a:latin typeface="Arial"/>
+            </a:endParaRPr>
+          </a:p>
+          <a:p>
+            <a:pPr marL="457200" lvl="1" indent="-215280">
+              <a:lnSpc>
+                <a:spcPct val="100000"/>
+              </a:lnSpc>
+              <a:spcBef>
+                <a:spcPts val="320"/>
+              </a:spcBef>
+              <a:spcAft>
+                <a:spcPts val="544"/>
+              </a:spcAft>
+              <a:buClr>
+                <a:srgbClr val="000000"/>
+              </a:buClr>
+              <a:buSzPct val="80000"/>
+              <a:buFont typeface="Wingdings 3" charset="2"/>
+              <a:buChar char=""/>
+            </a:pPr>
+            <a:r>
+              <a:rPr lang="en-US" sz="1600" b="0" strike="noStrike" spc="-1" dirty="0">
+                <a:solidFill>
+                  <a:srgbClr val="000000"/>
+                </a:solidFill>
+                <a:latin typeface="Calibri"/>
+              </a:rPr>
+              <a:t>Installing and loading packages</a:t>
+            </a:r>
+            <a:endParaRPr lang="en-GB" sz="1600" b="0" strike="noStrike" spc="-1" dirty="0">
+              <a:latin typeface="Arial"/>
+            </a:endParaRPr>
+          </a:p>
+          <a:p>
+            <a:pPr>
+              <a:lnSpc>
+                <a:spcPct val="100000"/>
+              </a:lnSpc>
+              <a:spcBef>
+                <a:spcPts val="320"/>
+              </a:spcBef>
+              <a:spcAft>
+                <a:spcPts val="544"/>
+              </a:spcAft>
+            </a:pPr>
+            <a:endParaRPr lang="en-GB" sz="1600" b="0" strike="noStrike" spc="-1" dirty="0">
+              <a:latin typeface="Arial"/>
+            </a:endParaRPr>
+          </a:p>
+        </p:txBody>
+      </p:sp>
+    </p:spTree>
+  </p:cSld>
+  <p:clrMapOvr>
+    <a:masterClrMapping/>
+  </p:clrMapOvr>
+</p:sld>
+</file>
+
+<file path=ppt/slides/slide4.xml><?xml version="1.0" encoding="utf-8"?>
+<p:sld xmlns:a="http://schemas.openxmlformats.org/drawingml/2006/main" xmlns:r="http://schemas.openxmlformats.org/officeDocument/2006/relationships" xmlns:p="http://schemas.openxmlformats.org/presentationml/2006/main">
+  <p:cSld>
+    <p:spTree>
+      <p:nvGrpSpPr>
+        <p:cNvPr id="1" name=""/>
+        <p:cNvGrpSpPr/>
+        <p:nvPr/>
+      </p:nvGrpSpPr>
+      <p:grpSpPr>
+        <a:xfrm>
+          <a:off x="0" y="0"/>
+          <a:ext cx="0" cy="0"/>
+          <a:chOff x="0" y="0"/>
+          <a:chExt cx="0" cy="0"/>
+        </a:xfrm>
+      </p:grpSpPr>
+      <p:sp>
+        <p:nvSpPr>
+          <p:cNvPr id="232" name="CustomShape 1"/>
+          <p:cNvSpPr/>
+          <p:nvPr/>
+        </p:nvSpPr>
+        <p:spPr>
+          <a:xfrm>
+            <a:off x="457200" y="684000"/>
+            <a:ext cx="8227440" cy="1143360"/>
+          </a:xfrm>
+          <a:prstGeom prst="rect">
+            <a:avLst/>
+          </a:prstGeom>
+          <a:noFill/>
+          <a:ln>
+            <a:noFill/>
+          </a:ln>
+        </p:spPr>
+        <p:style>
+          <a:lnRef idx="0">
+            <a:scrgbClr r="0" g="0" b="0"/>
+          </a:lnRef>
+          <a:fillRef idx="0">
+            <a:scrgbClr r="0" g="0" b="0"/>
+          </a:fillRef>
+          <a:effectRef idx="0">
+            <a:scrgbClr r="0" g="0" b="0"/>
+          </a:effectRef>
+          <a:fontRef idx="minor"/>
+        </p:style>
+        <p:txBody>
+          <a:bodyPr lIns="0" tIns="0" rIns="0" bIns="0" anchor="ctr">
+            <a:noAutofit/>
+          </a:bodyPr>
+          <a:lstStyle/>
+          <a:p>
+            <a:pPr algn="ctr">
+              <a:lnSpc>
+                <a:spcPct val="100000"/>
+              </a:lnSpc>
+            </a:pPr>
+            <a:r>
+              <a:rPr lang="en-GB" sz="4400" b="1" strike="noStrike" spc="-1">
+                <a:solidFill>
+                  <a:srgbClr val="000000"/>
+                </a:solidFill>
+                <a:latin typeface="Calibri"/>
+                <a:ea typeface="DejaVu Sans"/>
+              </a:rPr>
+              <a:t>Math operations</a:t>
+            </a:r>
+            <a:endParaRPr lang="en-GB" sz="4400" b="0" strike="noStrike" spc="-1">
+              <a:latin typeface="Arial"/>
+            </a:endParaRPr>
+          </a:p>
+        </p:txBody>
+      </p:sp>
+      <p:sp>
+        <p:nvSpPr>
+          <p:cNvPr id="233" name="CustomShape 2"/>
+          <p:cNvSpPr/>
+          <p:nvPr/>
+        </p:nvSpPr>
+        <p:spPr>
+          <a:xfrm>
+            <a:off x="457200" y="2359440"/>
+            <a:ext cx="8227440" cy="3126960"/>
+          </a:xfrm>
+          <a:prstGeom prst="rect">
+            <a:avLst/>
+          </a:prstGeom>
+          <a:noFill/>
+          <a:ln>
+            <a:noFill/>
+          </a:ln>
+        </p:spPr>
+        <p:style>
+          <a:lnRef idx="0">
+            <a:scrgbClr r="0" g="0" b="0"/>
+          </a:lnRef>
+          <a:fillRef idx="0">
+            <a:scrgbClr r="0" g="0" b="0"/>
+          </a:fillRef>
+          <a:effectRef idx="0">
+            <a:scrgbClr r="0" g="0" b="0"/>
+          </a:effectRef>
+          <a:fontRef idx="minor"/>
+        </p:style>
+        <p:txBody>
           <a:bodyPr lIns="0" tIns="0" rIns="0" bIns="0">
             <a:normAutofit/>
           </a:bodyPr>
@@ -17513,7 +18258,7 @@
 </p:sld>
 </file>
 
-<file path=ppt/slides/slide4.xml><?xml version="1.0" encoding="utf-8"?>
+<file path=ppt/slides/slide5.xml><?xml version="1.0" encoding="utf-8"?>
 <p:sld xmlns:a="http://schemas.openxmlformats.org/drawingml/2006/main" xmlns:r="http://schemas.openxmlformats.org/officeDocument/2006/relationships" xmlns:p="http://schemas.openxmlformats.org/presentationml/2006/main">
   <p:cSld>
     <p:bg>
@@ -17948,698 +18693,6 @@
               <a:t>statement</a:t>
             </a:r>
             <a:endParaRPr lang="en-GB" sz="4400" b="0" strike="noStrike" spc="-1">
-              <a:latin typeface="Arial"/>
-            </a:endParaRPr>
-          </a:p>
-        </p:txBody>
-      </p:sp>
-    </p:spTree>
-  </p:cSld>
-  <p:clrMapOvr>
-    <a:masterClrMapping/>
-  </p:clrMapOvr>
-</p:sld>
-</file>
-
-<file path=ppt/slides/slide5.xml><?xml version="1.0" encoding="utf-8"?>
-<p:sld xmlns:a="http://schemas.openxmlformats.org/drawingml/2006/main" xmlns:r="http://schemas.openxmlformats.org/officeDocument/2006/relationships" xmlns:p="http://schemas.openxmlformats.org/presentationml/2006/main">
-  <p:cSld>
-    <p:spTree>
-      <p:nvGrpSpPr>
-        <p:cNvPr id="1" name=""/>
-        <p:cNvGrpSpPr/>
-        <p:nvPr/>
-      </p:nvGrpSpPr>
-      <p:grpSpPr>
-        <a:xfrm>
-          <a:off x="0" y="0"/>
-          <a:ext cx="0" cy="0"/>
-          <a:chOff x="0" y="0"/>
-          <a:chExt cx="0" cy="0"/>
-        </a:xfrm>
-      </p:grpSpPr>
-      <p:sp>
-        <p:nvSpPr>
-          <p:cNvPr id="238" name="CustomShape 1"/>
-          <p:cNvSpPr/>
-          <p:nvPr/>
-        </p:nvSpPr>
-        <p:spPr>
-          <a:xfrm>
-            <a:off x="2024280" y="247680"/>
-            <a:ext cx="5079240" cy="1834200"/>
-          </a:xfrm>
-          <a:prstGeom prst="rect">
-            <a:avLst/>
-          </a:prstGeom>
-          <a:noFill/>
-          <a:ln>
-            <a:noFill/>
-          </a:ln>
-        </p:spPr>
-        <p:style>
-          <a:lnRef idx="0">
-            <a:scrgbClr r="0" g="0" b="0"/>
-          </a:lnRef>
-          <a:fillRef idx="0">
-            <a:scrgbClr r="0" g="0" b="0"/>
-          </a:fillRef>
-          <a:effectRef idx="0">
-            <a:scrgbClr r="0" g="0" b="0"/>
-          </a:effectRef>
-          <a:fontRef idx="minor"/>
-        </p:style>
-        <p:txBody>
-          <a:bodyPr lIns="90000" tIns="45000" rIns="90000" bIns="45000" anchor="b">
-            <a:noAutofit/>
-          </a:bodyPr>
-          <a:lstStyle/>
-          <a:p>
-            <a:pPr algn="ctr">
-              <a:lnSpc>
-                <a:spcPct val="90000"/>
-              </a:lnSpc>
-            </a:pPr>
-            <a:r>
-              <a:rPr lang="en-US" sz="4400" b="1" strike="noStrike" spc="-1">
-                <a:solidFill>
-                  <a:srgbClr val="000000"/>
-                </a:solidFill>
-                <a:latin typeface="Calibri"/>
-                <a:ea typeface="DejaVu Sans"/>
-              </a:rPr>
-              <a:t>Conditionals</a:t>
-            </a:r>
-            <a:br/>
-            <a:r>
-              <a:rPr lang="en-US" sz="4400" b="1" strike="noStrike" spc="-1">
-                <a:solidFill>
-                  <a:srgbClr val="FF6600"/>
-                </a:solidFill>
-                <a:latin typeface="Calibri"/>
-                <a:ea typeface="DejaVu Sans"/>
-              </a:rPr>
-              <a:t>if … </a:t>
-            </a:r>
-            <a:r>
-              <a:rPr lang="en-US" sz="4400" b="1" strike="noStrike" spc="-1">
-                <a:solidFill>
-                  <a:srgbClr val="008000"/>
-                </a:solidFill>
-                <a:latin typeface="Calibri"/>
-                <a:ea typeface="DejaVu Sans"/>
-              </a:rPr>
-              <a:t>else </a:t>
-            </a:r>
-            <a:r>
-              <a:rPr lang="en-US" sz="4400" b="1" strike="noStrike" spc="-1">
-                <a:solidFill>
-                  <a:srgbClr val="000000"/>
-                </a:solidFill>
-                <a:latin typeface="Calibri"/>
-                <a:ea typeface="DejaVu Sans"/>
-              </a:rPr>
-              <a:t>statement</a:t>
-            </a:r>
-            <a:endParaRPr lang="en-GB" sz="4400" b="0" strike="noStrike" spc="-1">
-              <a:latin typeface="Arial"/>
-            </a:endParaRPr>
-          </a:p>
-        </p:txBody>
-      </p:sp>
-      <p:sp>
-        <p:nvSpPr>
-          <p:cNvPr id="239" name="CustomShape 2"/>
-          <p:cNvSpPr/>
-          <p:nvPr/>
-        </p:nvSpPr>
-        <p:spPr>
-          <a:xfrm>
-            <a:off x="457200" y="2359440"/>
-            <a:ext cx="3689280" cy="1707120"/>
-          </a:xfrm>
-          <a:prstGeom prst="rect">
-            <a:avLst/>
-          </a:prstGeom>
-          <a:noFill/>
-          <a:ln>
-            <a:noFill/>
-          </a:ln>
-        </p:spPr>
-        <p:style>
-          <a:lnRef idx="0">
-            <a:scrgbClr r="0" g="0" b="0"/>
-          </a:lnRef>
-          <a:fillRef idx="0">
-            <a:scrgbClr r="0" g="0" b="0"/>
-          </a:fillRef>
-          <a:effectRef idx="0">
-            <a:scrgbClr r="0" g="0" b="0"/>
-          </a:effectRef>
-          <a:fontRef idx="minor"/>
-        </p:style>
-        <p:txBody>
-          <a:bodyPr lIns="90000" tIns="45000" rIns="90000" bIns="45000">
-            <a:normAutofit fontScale="74000" lnSpcReduction="10000"/>
-          </a:bodyPr>
-          <a:lstStyle/>
-          <a:p>
-            <a:pPr>
-              <a:lnSpc>
-                <a:spcPct val="100000"/>
-              </a:lnSpc>
-              <a:spcBef>
-                <a:spcPts val="499"/>
-              </a:spcBef>
-              <a:tabLst>
-                <a:tab pos="0" algn="l"/>
-              </a:tabLst>
-            </a:pPr>
-            <a:r>
-              <a:rPr lang="en-GB" sz="2500" b="0" strike="noStrike" spc="-1">
-                <a:solidFill>
-                  <a:srgbClr val="FF6600"/>
-                </a:solidFill>
-                <a:latin typeface="Courier New"/>
-                <a:ea typeface="DejaVu Sans"/>
-              </a:rPr>
-              <a:t>if(TRUE or FALSE) </a:t>
-            </a:r>
-            <a:r>
-              <a:rPr lang="en-GB" sz="2500" b="1" strike="noStrike" spc="-1">
-                <a:solidFill>
-                  <a:srgbClr val="FF6600"/>
-                </a:solidFill>
-                <a:latin typeface="Courier New"/>
-                <a:ea typeface="DejaVu Sans"/>
-              </a:rPr>
-              <a:t>{</a:t>
-            </a:r>
-            <a:endParaRPr lang="en-GB" sz="2500" b="0" strike="noStrike" spc="-1">
-              <a:latin typeface="Arial"/>
-            </a:endParaRPr>
-          </a:p>
-          <a:p>
-            <a:pPr>
-              <a:lnSpc>
-                <a:spcPct val="100000"/>
-              </a:lnSpc>
-              <a:spcBef>
-                <a:spcPts val="499"/>
-              </a:spcBef>
-              <a:tabLst>
-                <a:tab pos="0" algn="l"/>
-              </a:tabLst>
-            </a:pPr>
-            <a:r>
-              <a:rPr lang="en-GB" sz="2500" b="0" strike="noStrike" spc="-1">
-                <a:solidFill>
-                  <a:srgbClr val="FF6600"/>
-                </a:solidFill>
-                <a:latin typeface="Courier New"/>
-                <a:ea typeface="DejaVu Sans"/>
-              </a:rPr>
-              <a:t>	Do something</a:t>
-            </a:r>
-            <a:endParaRPr lang="en-GB" sz="2500" b="0" strike="noStrike" spc="-1">
-              <a:latin typeface="Arial"/>
-            </a:endParaRPr>
-          </a:p>
-          <a:p>
-            <a:pPr>
-              <a:lnSpc>
-                <a:spcPct val="100000"/>
-              </a:lnSpc>
-              <a:spcBef>
-                <a:spcPts val="499"/>
-              </a:spcBef>
-              <a:tabLst>
-                <a:tab pos="0" algn="l"/>
-              </a:tabLst>
-            </a:pPr>
-            <a:r>
-              <a:rPr lang="en-GB" sz="2500" b="1" strike="noStrike" spc="-1">
-                <a:solidFill>
-                  <a:srgbClr val="FF6600"/>
-                </a:solidFill>
-                <a:latin typeface="Courier New"/>
-                <a:ea typeface="DejaVu Sans"/>
-              </a:rPr>
-              <a:t>}</a:t>
-            </a:r>
-            <a:r>
-              <a:rPr lang="en-GB" sz="2500" b="0" strike="noStrike" spc="-1">
-                <a:solidFill>
-                  <a:srgbClr val="FF6600"/>
-                </a:solidFill>
-                <a:latin typeface="Courier New"/>
-                <a:ea typeface="DejaVu Sans"/>
-              </a:rPr>
-              <a:t> </a:t>
-            </a:r>
-            <a:r>
-              <a:rPr lang="en-GB" sz="2500" b="0" strike="noStrike" spc="-1">
-                <a:solidFill>
-                  <a:srgbClr val="008000"/>
-                </a:solidFill>
-                <a:latin typeface="Courier New"/>
-                <a:ea typeface="DejaVu Sans"/>
-              </a:rPr>
-              <a:t>else </a:t>
-            </a:r>
-            <a:r>
-              <a:rPr lang="en-GB" sz="2500" b="1" strike="noStrike" spc="-1">
-                <a:solidFill>
-                  <a:srgbClr val="008000"/>
-                </a:solidFill>
-                <a:latin typeface="Courier New"/>
-                <a:ea typeface="DejaVu Sans"/>
-              </a:rPr>
-              <a:t>{</a:t>
-            </a:r>
-            <a:endParaRPr lang="en-GB" sz="2500" b="0" strike="noStrike" spc="-1">
-              <a:latin typeface="Arial"/>
-            </a:endParaRPr>
-          </a:p>
-          <a:p>
-            <a:pPr>
-              <a:lnSpc>
-                <a:spcPct val="100000"/>
-              </a:lnSpc>
-              <a:spcBef>
-                <a:spcPts val="499"/>
-              </a:spcBef>
-              <a:tabLst>
-                <a:tab pos="0" algn="l"/>
-              </a:tabLst>
-            </a:pPr>
-            <a:r>
-              <a:rPr lang="en-GB" sz="2500" b="0" strike="noStrike" spc="-1">
-                <a:solidFill>
-                  <a:srgbClr val="008000"/>
-                </a:solidFill>
-                <a:latin typeface="Courier New"/>
-                <a:ea typeface="DejaVu Sans"/>
-              </a:rPr>
-              <a:t>	Do some other thing</a:t>
-            </a:r>
-            <a:endParaRPr lang="en-GB" sz="2500" b="0" strike="noStrike" spc="-1">
-              <a:latin typeface="Arial"/>
-            </a:endParaRPr>
-          </a:p>
-          <a:p>
-            <a:pPr>
-              <a:lnSpc>
-                <a:spcPct val="100000"/>
-              </a:lnSpc>
-              <a:spcBef>
-                <a:spcPts val="499"/>
-              </a:spcBef>
-              <a:tabLst>
-                <a:tab pos="0" algn="l"/>
-              </a:tabLst>
-            </a:pPr>
-            <a:r>
-              <a:rPr lang="en-GB" sz="2500" b="1" strike="noStrike" spc="-1">
-                <a:solidFill>
-                  <a:srgbClr val="008000"/>
-                </a:solidFill>
-                <a:latin typeface="Courier New"/>
-                <a:ea typeface="DejaVu Sans"/>
-              </a:rPr>
-              <a:t>}</a:t>
-            </a:r>
-            <a:endParaRPr lang="en-GB" sz="2500" b="0" strike="noStrike" spc="-1">
-              <a:latin typeface="Arial"/>
-            </a:endParaRPr>
-          </a:p>
-          <a:p>
-            <a:pPr>
-              <a:lnSpc>
-                <a:spcPct val="100000"/>
-              </a:lnSpc>
-              <a:spcBef>
-                <a:spcPts val="400"/>
-              </a:spcBef>
-              <a:tabLst>
-                <a:tab pos="0" algn="l"/>
-              </a:tabLst>
-            </a:pPr>
-            <a:endParaRPr lang="en-GB" sz="2500" b="0" strike="noStrike" spc="-1">
-              <a:latin typeface="Arial"/>
-            </a:endParaRPr>
-          </a:p>
-        </p:txBody>
-      </p:sp>
-      <p:sp>
-        <p:nvSpPr>
-          <p:cNvPr id="240" name="CustomShape 3"/>
-          <p:cNvSpPr/>
-          <p:nvPr/>
-        </p:nvSpPr>
-        <p:spPr>
-          <a:xfrm>
-            <a:off x="548640" y="4318200"/>
-            <a:ext cx="4669560" cy="2224080"/>
-          </a:xfrm>
-          <a:prstGeom prst="rect">
-            <a:avLst/>
-          </a:prstGeom>
-          <a:noFill/>
-          <a:ln>
-            <a:noFill/>
-          </a:ln>
-        </p:spPr>
-        <p:style>
-          <a:lnRef idx="0">
-            <a:scrgbClr r="0" g="0" b="0"/>
-          </a:lnRef>
-          <a:fillRef idx="0">
-            <a:scrgbClr r="0" g="0" b="0"/>
-          </a:fillRef>
-          <a:effectRef idx="0">
-            <a:scrgbClr r="0" g="0" b="0"/>
-          </a:effectRef>
-          <a:fontRef idx="minor"/>
-        </p:style>
-        <p:txBody>
-          <a:bodyPr lIns="90000" tIns="45000" rIns="90000" bIns="45000">
-            <a:spAutoFit/>
-          </a:bodyPr>
-          <a:lstStyle/>
-          <a:p>
-            <a:pPr>
-              <a:lnSpc>
-                <a:spcPct val="100000"/>
-              </a:lnSpc>
-            </a:pPr>
-            <a:r>
-              <a:rPr lang="en-US" sz="2000" b="0" strike="noStrike" spc="-1">
-                <a:solidFill>
-                  <a:srgbClr val="000000"/>
-                </a:solidFill>
-                <a:latin typeface="Courier New"/>
-                <a:ea typeface="DejaVu Sans"/>
-              </a:rPr>
-              <a:t>x &lt;- 4 </a:t>
-            </a:r>
-            <a:endParaRPr lang="en-GB" sz="2000" b="0" strike="noStrike" spc="-1">
-              <a:latin typeface="Arial"/>
-            </a:endParaRPr>
-          </a:p>
-          <a:p>
-            <a:pPr>
-              <a:lnSpc>
-                <a:spcPct val="100000"/>
-              </a:lnSpc>
-            </a:pPr>
-            <a:r>
-              <a:rPr lang="en-US" sz="2000" b="0" strike="noStrike" spc="-1">
-                <a:solidFill>
-                  <a:srgbClr val="F79646"/>
-                </a:solidFill>
-                <a:latin typeface="Courier New"/>
-                <a:ea typeface="DejaVu Sans"/>
-              </a:rPr>
-              <a:t>if(x &gt; 0) </a:t>
-            </a:r>
-            <a:r>
-              <a:rPr lang="en-US" sz="2000" b="1" strike="noStrike" spc="-1">
-                <a:solidFill>
-                  <a:srgbClr val="F79646"/>
-                </a:solidFill>
-                <a:latin typeface="Courier New"/>
-                <a:ea typeface="DejaVu Sans"/>
-              </a:rPr>
-              <a:t>{</a:t>
-            </a:r>
-            <a:endParaRPr lang="en-GB" sz="2000" b="0" strike="noStrike" spc="-1">
-              <a:latin typeface="Arial"/>
-            </a:endParaRPr>
-          </a:p>
-          <a:p>
-            <a:pPr>
-              <a:lnSpc>
-                <a:spcPct val="100000"/>
-              </a:lnSpc>
-            </a:pPr>
-            <a:r>
-              <a:rPr lang="en-US" sz="2000" b="0" strike="noStrike" spc="-1">
-                <a:solidFill>
-                  <a:srgbClr val="F79646"/>
-                </a:solidFill>
-                <a:latin typeface="Courier New"/>
-                <a:ea typeface="DejaVu Sans"/>
-              </a:rPr>
-              <a:t>print("Positive number") </a:t>
-            </a:r>
-            <a:endParaRPr lang="en-GB" sz="2000" b="0" strike="noStrike" spc="-1">
-              <a:latin typeface="Arial"/>
-            </a:endParaRPr>
-          </a:p>
-          <a:p>
-            <a:pPr>
-              <a:lnSpc>
-                <a:spcPct val="100000"/>
-              </a:lnSpc>
-            </a:pPr>
-            <a:r>
-              <a:rPr lang="en-US" sz="2000" b="1" strike="noStrike" spc="-1">
-                <a:solidFill>
-                  <a:srgbClr val="F79646"/>
-                </a:solidFill>
-                <a:latin typeface="Courier New"/>
-                <a:ea typeface="DejaVu Sans"/>
-              </a:rPr>
-              <a:t>} </a:t>
-            </a:r>
-            <a:r>
-              <a:rPr lang="en-US" sz="2000" b="0" strike="noStrike" spc="-1">
-                <a:solidFill>
-                  <a:srgbClr val="008000"/>
-                </a:solidFill>
-                <a:latin typeface="Courier New"/>
-                <a:ea typeface="DejaVu Sans"/>
-              </a:rPr>
-              <a:t>else</a:t>
-            </a:r>
-            <a:r>
-              <a:rPr lang="en-US" sz="2000" b="1" strike="noStrike" spc="-1">
-                <a:solidFill>
-                  <a:srgbClr val="008000"/>
-                </a:solidFill>
-                <a:latin typeface="Courier New"/>
-                <a:ea typeface="DejaVu Sans"/>
-              </a:rPr>
-              <a:t> {</a:t>
-            </a:r>
-            <a:endParaRPr lang="en-GB" sz="2000" b="0" strike="noStrike" spc="-1">
-              <a:latin typeface="Arial"/>
-            </a:endParaRPr>
-          </a:p>
-          <a:p>
-            <a:pPr>
-              <a:lnSpc>
-                <a:spcPct val="100000"/>
-              </a:lnSpc>
-            </a:pPr>
-            <a:r>
-              <a:rPr lang="en-US" sz="2000" b="0" strike="noStrike" spc="-1">
-                <a:solidFill>
-                  <a:srgbClr val="008000"/>
-                </a:solidFill>
-                <a:latin typeface="Courier New"/>
-                <a:ea typeface="DejaVu Sans"/>
-              </a:rPr>
-              <a:t>print(”Not positive number")</a:t>
-            </a:r>
-            <a:endParaRPr lang="en-GB" sz="2000" b="0" strike="noStrike" spc="-1">
-              <a:latin typeface="Arial"/>
-            </a:endParaRPr>
-          </a:p>
-          <a:p>
-            <a:pPr>
-              <a:lnSpc>
-                <a:spcPct val="100000"/>
-              </a:lnSpc>
-            </a:pPr>
-            <a:r>
-              <a:rPr lang="en-US" sz="2000" b="1" strike="noStrike" spc="-1">
-                <a:solidFill>
-                  <a:srgbClr val="008000"/>
-                </a:solidFill>
-                <a:latin typeface="Courier New"/>
-                <a:ea typeface="Calibri"/>
-              </a:rPr>
-              <a:t>}</a:t>
-            </a:r>
-            <a:endParaRPr lang="en-GB" sz="2000" b="0" strike="noStrike" spc="-1">
-              <a:latin typeface="Arial"/>
-            </a:endParaRPr>
-          </a:p>
-          <a:p>
-            <a:pPr>
-              <a:lnSpc>
-                <a:spcPct val="100000"/>
-              </a:lnSpc>
-            </a:pPr>
-            <a:r>
-              <a:rPr lang="en-US" sz="2000" b="0" strike="noStrike" spc="-1">
-                <a:solidFill>
-                  <a:srgbClr val="000000"/>
-                </a:solidFill>
-                <a:latin typeface="Courier New"/>
-                <a:ea typeface="Calibri"/>
-              </a:rPr>
-              <a:t>x &lt;- -4</a:t>
-            </a:r>
-            <a:endParaRPr lang="en-GB" sz="2000" b="0" strike="noStrike" spc="-1">
-              <a:latin typeface="Arial"/>
-            </a:endParaRPr>
-          </a:p>
-        </p:txBody>
-      </p:sp>
-      <p:pic>
-        <p:nvPicPr>
-          <p:cNvPr id="241" name="Picture 6_1" descr="flowchart_if_else.png"/>
-          <p:cNvPicPr/>
-          <p:nvPr/>
-        </p:nvPicPr>
-        <p:blipFill>
-          <a:blip r:embed="rId2"/>
-          <a:stretch/>
-        </p:blipFill>
-        <p:spPr>
-          <a:xfrm>
-            <a:off x="4736880" y="2349000"/>
-            <a:ext cx="2684520" cy="3122640"/>
-          </a:xfrm>
-          <a:prstGeom prst="rect">
-            <a:avLst/>
-          </a:prstGeom>
-          <a:ln>
-            <a:noFill/>
-          </a:ln>
-        </p:spPr>
-      </p:pic>
-      <p:sp>
-        <p:nvSpPr>
-          <p:cNvPr id="242" name="CustomShape 4"/>
-          <p:cNvSpPr/>
-          <p:nvPr/>
-        </p:nvSpPr>
-        <p:spPr>
-          <a:xfrm>
-            <a:off x="4527360" y="4214160"/>
-            <a:ext cx="1143720" cy="363960"/>
-          </a:xfrm>
-          <a:prstGeom prst="rect">
-            <a:avLst/>
-          </a:prstGeom>
-          <a:ln>
-            <a:solidFill>
-              <a:srgbClr val="008000"/>
-            </a:solidFill>
-            <a:round/>
-          </a:ln>
-        </p:spPr>
-        <p:style>
-          <a:lnRef idx="2">
-            <a:schemeClr val="accent3"/>
-          </a:lnRef>
-          <a:fillRef idx="1">
-            <a:schemeClr val="lt1"/>
-          </a:fillRef>
-          <a:effectRef idx="0">
-            <a:schemeClr val="accent3"/>
-          </a:effectRef>
-          <a:fontRef idx="minor"/>
-        </p:style>
-        <p:txBody>
-          <a:bodyPr lIns="90000" tIns="45000" rIns="90000" bIns="45000">
-            <a:spAutoFit/>
-          </a:bodyPr>
-          <a:lstStyle/>
-          <a:p>
-            <a:pPr>
-              <a:lnSpc>
-                <a:spcPct val="100000"/>
-              </a:lnSpc>
-              <a:spcAft>
-                <a:spcPts val="601"/>
-              </a:spcAft>
-            </a:pPr>
-            <a:r>
-              <a:rPr lang="en-GB" sz="1800" b="0" strike="noStrike" spc="-1">
-                <a:solidFill>
-                  <a:srgbClr val="008000"/>
-                </a:solidFill>
-                <a:latin typeface="Calibri"/>
-                <a:ea typeface="DejaVu Sans"/>
-              </a:rPr>
-              <a:t>else block</a:t>
-            </a:r>
-            <a:endParaRPr lang="en-GB" sz="1800" b="0" strike="noStrike" spc="-1">
-              <a:latin typeface="Arial"/>
-            </a:endParaRPr>
-          </a:p>
-        </p:txBody>
-      </p:sp>
-      <p:sp>
-        <p:nvSpPr>
-          <p:cNvPr id="243" name="CustomShape 5"/>
-          <p:cNvSpPr/>
-          <p:nvPr/>
-        </p:nvSpPr>
-        <p:spPr>
-          <a:xfrm>
-            <a:off x="6567840" y="4214160"/>
-            <a:ext cx="895320" cy="363960"/>
-          </a:xfrm>
-          <a:prstGeom prst="rect">
-            <a:avLst/>
-          </a:prstGeom>
-          <a:ln>
-            <a:round/>
-          </a:ln>
-        </p:spPr>
-        <p:style>
-          <a:lnRef idx="2">
-            <a:schemeClr val="accent6"/>
-          </a:lnRef>
-          <a:fillRef idx="1">
-            <a:schemeClr val="lt1"/>
-          </a:fillRef>
-          <a:effectRef idx="0">
-            <a:schemeClr val="accent6"/>
-          </a:effectRef>
-          <a:fontRef idx="minor"/>
-        </p:style>
-        <p:txBody>
-          <a:bodyPr lIns="90000" tIns="45000" rIns="90000" bIns="45000">
-            <a:spAutoFit/>
-          </a:bodyPr>
-          <a:lstStyle/>
-          <a:p>
-            <a:pPr>
-              <a:lnSpc>
-                <a:spcPct val="100000"/>
-              </a:lnSpc>
-              <a:spcAft>
-                <a:spcPts val="601"/>
-              </a:spcAft>
-            </a:pPr>
-            <a:r>
-              <a:rPr lang="en-GB" sz="1800" b="0" strike="noStrike" spc="-1">
-                <a:solidFill>
-                  <a:srgbClr val="FF6600"/>
-                </a:solidFill>
-                <a:latin typeface="Calibri"/>
-                <a:ea typeface="DejaVu Sans"/>
-              </a:rPr>
-              <a:t>If block</a:t>
-            </a:r>
-            <a:endParaRPr lang="en-GB" sz="1800" b="0" strike="noStrike" spc="-1">
               <a:latin typeface="Arial"/>
             </a:endParaRPr>
           </a:p>
@@ -18672,7 +18725,7 @@
       </p:grpSpPr>
       <p:sp>
         <p:nvSpPr>
-          <p:cNvPr id="244" name="CustomShape 1"/>
+          <p:cNvPr id="238" name="CustomShape 1"/>
           <p:cNvSpPr/>
           <p:nvPr/>
         </p:nvSpPr>
@@ -18720,7 +18773,7 @@
                 <a:latin typeface="Calibri"/>
                 <a:ea typeface="DejaVu Sans"/>
               </a:rPr>
-              <a:t>Chained conditionals</a:t>
+              <a:t>Conditionals</a:t>
             </a:r>
             <a:br/>
             <a:r>
@@ -18741,17 +18794,17 @@
                 <a:latin typeface="Calibri"/>
                 <a:ea typeface="DejaVu Sans"/>
               </a:rPr>
-              <a:t>else if … </a:t>
+              <a:t>else </a:t>
             </a:r>
             <a:r>
               <a:rPr lang="en-US" sz="4400" b="1" strike="noStrike" spc="-1">
                 <a:solidFill>
-                  <a:srgbClr val="0000FF"/>
+                  <a:srgbClr val="000000"/>
                 </a:solidFill>
                 <a:latin typeface="Calibri"/>
                 <a:ea typeface="DejaVu Sans"/>
               </a:rPr>
-              <a:t>else</a:t>
+              <a:t>statement</a:t>
             </a:r>
             <a:endParaRPr lang="en-GB" sz="4400" b="0" strike="noStrike" spc="-1">
               <a:latin typeface="Arial"/>
@@ -18759,39 +18812,16 @@
           </a:p>
         </p:txBody>
       </p:sp>
-      <p:pic>
-        <p:nvPicPr>
-          <p:cNvPr id="245" name="Picture 9_0" descr="flowchart_chained_conditional.png"/>
-          <p:cNvPicPr/>
-          <p:nvPr/>
-        </p:nvPicPr>
-        <p:blipFill>
-          <a:blip r:embed="rId2"/>
-          <a:stretch/>
-        </p:blipFill>
-        <p:spPr>
-          <a:xfrm>
-            <a:off x="4608000" y="2274120"/>
-            <a:ext cx="3294360" cy="3237120"/>
-          </a:xfrm>
-          <a:prstGeom prst="rect">
-            <a:avLst/>
-          </a:prstGeom>
-          <a:ln>
-            <a:noFill/>
-          </a:ln>
-        </p:spPr>
-      </p:pic>
-      <p:sp>
-        <p:nvSpPr>
-          <p:cNvPr id="246" name="CustomShape 2"/>
+      <p:sp>
+        <p:nvSpPr>
+          <p:cNvPr id="239" name="CustomShape 2"/>
           <p:cNvSpPr/>
           <p:nvPr/>
         </p:nvSpPr>
         <p:spPr>
           <a:xfrm>
-            <a:off x="381600" y="2139480"/>
-            <a:ext cx="2860200" cy="2009880"/>
+            <a:off x="457200" y="2359440"/>
+            <a:ext cx="3689280" cy="1707120"/>
           </a:xfrm>
           <a:prstGeom prst="rect">
             <a:avLst/>
@@ -18815,7 +18845,7 @@
         </p:style>
         <p:txBody>
           <a:bodyPr lIns="90000" tIns="45000" rIns="90000" bIns="45000">
-            <a:spAutoFit/>
+            <a:normAutofit fontScale="81500" lnSpcReduction="20000"/>
           </a:bodyPr>
           <a:lstStyle/>
           <a:p>
@@ -18823,19 +18853,25 @@
               <a:lnSpc>
                 <a:spcPct val="100000"/>
               </a:lnSpc>
-            </a:pPr>
-            <a:r>
-              <a:rPr lang="en-US" sz="1800" b="0" strike="noStrike" spc="-1">
+              <a:spcBef>
+                <a:spcPts val="499"/>
+              </a:spcBef>
+              <a:tabLst>
+                <a:tab pos="0" algn="l"/>
+              </a:tabLst>
+            </a:pPr>
+            <a:r>
+              <a:rPr lang="en-GB" sz="2500" b="0" strike="noStrike" spc="-1">
                 <a:solidFill>
                   <a:srgbClr val="FF6600"/>
                 </a:solidFill>
                 <a:latin typeface="Courier New"/>
                 <a:ea typeface="DejaVu Sans"/>
               </a:rPr>
-              <a:t>if (x &lt; y) </a:t>
-            </a:r>
-            <a:r>
-              <a:rPr lang="en-US" sz="1800" b="1" strike="noStrike" spc="-1">
+              <a:t>if(TRUE or FALSE) </a:t>
+            </a:r>
+            <a:r>
+              <a:rPr lang="en-GB" sz="2500" b="1" strike="noStrike" spc="-1">
                 <a:solidFill>
                   <a:srgbClr val="FF6600"/>
                 </a:solidFill>
@@ -18844,7 +18880,7 @@
               </a:rPr>
               <a:t>{</a:t>
             </a:r>
-            <a:endParaRPr lang="en-GB" sz="1800" b="0" strike="noStrike" spc="-1">
+            <a:endParaRPr lang="en-GB" sz="2500" b="0" strike="noStrike" spc="-1">
               <a:latin typeface="Arial"/>
             </a:endParaRPr>
           </a:p>
@@ -18853,18 +18889,24 @@
               <a:lnSpc>
                 <a:spcPct val="100000"/>
               </a:lnSpc>
-            </a:pPr>
-            <a:r>
-              <a:rPr lang="en-US" sz="1800" b="0" strike="noStrike" spc="-1">
+              <a:spcBef>
+                <a:spcPts val="499"/>
+              </a:spcBef>
+              <a:tabLst>
+                <a:tab pos="0" algn="l"/>
+              </a:tabLst>
+            </a:pPr>
+            <a:r>
+              <a:rPr lang="en-GB" sz="2500" b="0" strike="noStrike" spc="-1">
                 <a:solidFill>
                   <a:srgbClr val="FF6600"/>
                 </a:solidFill>
                 <a:latin typeface="Courier New"/>
                 <a:ea typeface="DejaVu Sans"/>
               </a:rPr>
-              <a:t>    STATEMENTS_A</a:t>
-            </a:r>
-            <a:endParaRPr lang="en-GB" sz="1800" b="0" strike="noStrike" spc="-1">
+              <a:t>	Do something</a:t>
+            </a:r>
+            <a:endParaRPr lang="en-GB" sz="2500" b="0" strike="noStrike" spc="-1">
               <a:latin typeface="Arial"/>
             </a:endParaRPr>
           </a:p>
@@ -18873,9 +18915,15 @@
               <a:lnSpc>
                 <a:spcPct val="100000"/>
               </a:lnSpc>
-            </a:pPr>
-            <a:r>
-              <a:rPr lang="en-US" sz="1800" b="1" strike="noStrike" spc="-1">
+              <a:spcBef>
+                <a:spcPts val="499"/>
+              </a:spcBef>
+              <a:tabLst>
+                <a:tab pos="0" algn="l"/>
+              </a:tabLst>
+            </a:pPr>
+            <a:r>
+              <a:rPr lang="en-GB" sz="2500" b="1" strike="noStrike" spc="-1">
                 <a:solidFill>
                   <a:srgbClr val="FF6600"/>
                 </a:solidFill>
@@ -18885,7 +18933,7 @@
               <a:t>}</a:t>
             </a:r>
             <a:r>
-              <a:rPr lang="en-US" sz="1800" b="0" strike="noStrike" spc="-1">
+              <a:rPr lang="en-GB" sz="2500" b="0" strike="noStrike" spc="-1">
                 <a:solidFill>
                   <a:srgbClr val="FF6600"/>
                 </a:solidFill>
@@ -18895,36 +18943,26 @@
               <a:t> </a:t>
             </a:r>
             <a:r>
-              <a:rPr lang="en-US" sz="1800" b="0" strike="noStrike" spc="-1">
+              <a:rPr lang="en-GB" sz="2500" b="0" strike="noStrike" spc="-1">
                 <a:solidFill>
                   <a:srgbClr val="008000"/>
                 </a:solidFill>
                 <a:latin typeface="Courier New"/>
                 <a:ea typeface="DejaVu Sans"/>
               </a:rPr>
-              <a:t>e</a:t>
-            </a:r>
-            <a:r>
-              <a:rPr lang="tr-TR" sz="1800" b="0" strike="noStrike" spc="-1">
+              <a:t>else </a:t>
+            </a:r>
+            <a:r>
+              <a:rPr lang="en-GB" sz="2500" b="1" strike="noStrike" spc="-1">
                 <a:solidFill>
                   <a:srgbClr val="008000"/>
                 </a:solidFill>
                 <a:latin typeface="Courier New"/>
                 <a:ea typeface="DejaVu Sans"/>
               </a:rPr>
-              <a:t>lse if (x &gt; y) </a:t>
-            </a:r>
-            <a:r>
-              <a:rPr lang="tr-TR" sz="1800" b="1" strike="noStrike" spc="-1">
-                <a:solidFill>
-                  <a:srgbClr val="008000"/>
-                </a:solidFill>
-                <a:latin typeface="Courier New"/>
-                <a:ea typeface="DejaVu Sans"/>
-              </a:rPr>
               <a:t>{</a:t>
             </a:r>
-            <a:endParaRPr lang="en-GB" sz="1800" b="0" strike="noStrike" spc="-1">
+            <a:endParaRPr lang="en-GB" sz="2500" b="0" strike="noStrike" spc="-1">
               <a:latin typeface="Arial"/>
             </a:endParaRPr>
           </a:p>
@@ -18933,18 +18971,24 @@
               <a:lnSpc>
                 <a:spcPct val="100000"/>
               </a:lnSpc>
-            </a:pPr>
-            <a:r>
-              <a:rPr lang="tr-TR" sz="1800" b="0" strike="noStrike" spc="-1">
+              <a:spcBef>
+                <a:spcPts val="499"/>
+              </a:spcBef>
+              <a:tabLst>
+                <a:tab pos="0" algn="l"/>
+              </a:tabLst>
+            </a:pPr>
+            <a:r>
+              <a:rPr lang="en-GB" sz="2500" b="0" strike="noStrike" spc="-1">
                 <a:solidFill>
                   <a:srgbClr val="008000"/>
                 </a:solidFill>
                 <a:latin typeface="Courier New"/>
                 <a:ea typeface="DejaVu Sans"/>
               </a:rPr>
-              <a:t>    STATEMENTS_B</a:t>
-            </a:r>
-            <a:endParaRPr lang="en-GB" sz="1800" b="0" strike="noStrike" spc="-1">
+              <a:t>	Do some other thing</a:t>
+            </a:r>
+            <a:endParaRPr lang="en-GB" sz="2500" b="0" strike="noStrike" spc="-1">
               <a:latin typeface="Arial"/>
             </a:endParaRPr>
           </a:p>
@@ -18953,9 +18997,15 @@
               <a:lnSpc>
                 <a:spcPct val="100000"/>
               </a:lnSpc>
-            </a:pPr>
-            <a:r>
-              <a:rPr lang="tr-TR" sz="1800" b="1" strike="noStrike" spc="-1">
+              <a:spcBef>
+                <a:spcPts val="499"/>
+              </a:spcBef>
+              <a:tabLst>
+                <a:tab pos="0" algn="l"/>
+              </a:tabLst>
+            </a:pPr>
+            <a:r>
+              <a:rPr lang="en-GB" sz="2500" b="1" strike="noStrike" spc="-1">
                 <a:solidFill>
                   <a:srgbClr val="008000"/>
                 </a:solidFill>
@@ -18964,37 +19014,7 @@
               </a:rPr>
               <a:t>}</a:t>
             </a:r>
-            <a:r>
-              <a:rPr lang="tr-TR" sz="1800" b="0" strike="noStrike" spc="-1">
-                <a:solidFill>
-                  <a:srgbClr val="008000"/>
-                </a:solidFill>
-                <a:latin typeface="Courier New"/>
-                <a:ea typeface="DejaVu Sans"/>
-              </a:rPr>
-              <a:t> </a:t>
-            </a:r>
-            <a:r>
-              <a:rPr lang="tr-TR" sz="1800" b="0" strike="noStrike" spc="-1">
-                <a:solidFill>
-                  <a:srgbClr val="0000FF"/>
-                </a:solidFill>
-                <a:latin typeface="Courier New"/>
-                <a:ea typeface="DejaVu Sans"/>
-              </a:rPr>
-              <a:t>else </a:t>
-            </a:r>
-            <a:r>
-              <a:rPr lang="tr-TR" sz="1800" b="1" strike="noStrike" spc="-1">
-                <a:solidFill>
-                  <a:srgbClr val="0000FF"/>
-                </a:solidFill>
-                <a:latin typeface="Courier New"/>
-                <a:ea typeface="DejaVu Sans"/>
-              </a:rPr>
-              <a:t>{</a:t>
-            </a:r>
-            <a:endParaRPr lang="en-GB" sz="1800" b="0" strike="noStrike" spc="-1">
+            <a:endParaRPr lang="en-GB" sz="2500" b="0" strike="noStrike" spc="-1">
               <a:latin typeface="Arial"/>
             </a:endParaRPr>
           </a:p>
@@ -19003,53 +19023,29 @@
               <a:lnSpc>
                 <a:spcPct val="100000"/>
               </a:lnSpc>
-            </a:pPr>
-            <a:r>
-              <a:rPr lang="tr-TR" sz="1800" b="0" strike="noStrike" spc="-1">
-                <a:solidFill>
-                  <a:srgbClr val="0000FF"/>
-                </a:solidFill>
-                <a:latin typeface="Courier New"/>
-                <a:ea typeface="DejaVu Sans"/>
-              </a:rPr>
-              <a:t>    STATEMENTS_C</a:t>
-            </a:r>
-            <a:endParaRPr lang="en-GB" sz="1800" b="0" strike="noStrike" spc="-1">
-              <a:latin typeface="Arial"/>
-            </a:endParaRPr>
-          </a:p>
-          <a:p>
-            <a:pPr>
-              <a:lnSpc>
-                <a:spcPct val="100000"/>
-              </a:lnSpc>
-            </a:pPr>
-            <a:r>
-              <a:rPr lang="tr-TR" sz="1800" b="1" strike="noStrike" spc="-1">
-                <a:solidFill>
-                  <a:srgbClr val="0000FF"/>
-                </a:solidFill>
-                <a:latin typeface="Courier New"/>
-                <a:ea typeface="DejaVu Sans"/>
-              </a:rPr>
-              <a:t>}</a:t>
-            </a:r>
-            <a:endParaRPr lang="en-GB" sz="1800" b="0" strike="noStrike" spc="-1">
-              <a:latin typeface="Arial"/>
-            </a:endParaRPr>
-          </a:p>
-        </p:txBody>
-      </p:sp>
-      <p:sp>
-        <p:nvSpPr>
-          <p:cNvPr id="247" name="CustomShape 3"/>
+              <a:spcBef>
+                <a:spcPts val="400"/>
+              </a:spcBef>
+              <a:tabLst>
+                <a:tab pos="0" algn="l"/>
+              </a:tabLst>
+            </a:pPr>
+            <a:endParaRPr lang="en-GB" sz="2500" b="0" strike="noStrike" spc="-1">
+              <a:latin typeface="Arial"/>
+            </a:endParaRPr>
+          </a:p>
+        </p:txBody>
+      </p:sp>
+      <p:sp>
+        <p:nvSpPr>
+          <p:cNvPr id="240" name="CustomShape 3"/>
           <p:cNvSpPr/>
           <p:nvPr/>
         </p:nvSpPr>
         <p:spPr>
           <a:xfrm>
-            <a:off x="341280" y="4271040"/>
-            <a:ext cx="4570560" cy="2284200"/>
+            <a:off x="548640" y="4318200"/>
+            <a:ext cx="4669560" cy="2224080"/>
           </a:xfrm>
           <a:prstGeom prst="rect">
             <a:avLst/>
@@ -19083,16 +19079,16 @@
               </a:lnSpc>
             </a:pPr>
             <a:r>
-              <a:rPr lang="en-GB" sz="1800" b="0" strike="noStrike" spc="-1">
+              <a:rPr lang="en-US" sz="2000" b="0" strike="noStrike" spc="-1">
                 <a:solidFill>
                   <a:srgbClr val="000000"/>
                 </a:solidFill>
                 <a:latin typeface="Courier New"/>
                 <a:ea typeface="DejaVu Sans"/>
               </a:rPr>
-              <a:t>x &lt;- 0</a:t>
-            </a:r>
-            <a:endParaRPr lang="en-GB" sz="1800" b="0" strike="noStrike" spc="-1">
+              <a:t>x &lt;- 4 </a:t>
+            </a:r>
+            <a:endParaRPr lang="en-GB" sz="2000" b="0" strike="noStrike" spc="-1">
               <a:latin typeface="Arial"/>
             </a:endParaRPr>
           </a:p>
@@ -19103,26 +19099,26 @@
               </a:lnSpc>
             </a:pPr>
             <a:r>
-              <a:rPr lang="en-GB" sz="1800" b="0" strike="noStrike" spc="-1">
-                <a:solidFill>
-                  <a:srgbClr val="FF6600"/>
+              <a:rPr lang="en-US" sz="2000" b="0" strike="noStrike" spc="-1">
+                <a:solidFill>
+                  <a:srgbClr val="F79646"/>
                 </a:solidFill>
                 <a:latin typeface="Courier New"/>
                 <a:ea typeface="DejaVu Sans"/>
               </a:rPr>
-              <a:t>if (x &lt; 0) </a:t>
-            </a:r>
-            <a:r>
-              <a:rPr lang="en-GB" sz="1800" b="1" strike="noStrike" spc="-1">
-                <a:solidFill>
-                  <a:srgbClr val="FF6600"/>
+              <a:t>if(x &gt; 0) </a:t>
+            </a:r>
+            <a:r>
+              <a:rPr lang="en-US" sz="2000" b="1" strike="noStrike" spc="-1">
+                <a:solidFill>
+                  <a:srgbClr val="F79646"/>
                 </a:solidFill>
                 <a:latin typeface="Courier New"/>
                 <a:ea typeface="DejaVu Sans"/>
               </a:rPr>
               <a:t>{</a:t>
             </a:r>
-            <a:endParaRPr lang="en-GB" sz="1800" b="0" strike="noStrike" spc="-1">
+            <a:endParaRPr lang="en-GB" sz="2000" b="0" strike="noStrike" spc="-1">
               <a:latin typeface="Arial"/>
             </a:endParaRPr>
           </a:p>
@@ -19133,16 +19129,16 @@
               </a:lnSpc>
             </a:pPr>
             <a:r>
-              <a:rPr lang="en-US" sz="1800" b="0" strike="noStrike" spc="-1">
-                <a:solidFill>
-                  <a:srgbClr val="FF6600"/>
+              <a:rPr lang="en-US" sz="2000" b="0" strike="noStrike" spc="-1">
+                <a:solidFill>
+                  <a:srgbClr val="F79646"/>
                 </a:solidFill>
                 <a:latin typeface="Courier New"/>
                 <a:ea typeface="DejaVu Sans"/>
               </a:rPr>
-              <a:t>print("Negative number")</a:t>
-            </a:r>
-            <a:endParaRPr lang="en-GB" sz="1800" b="0" strike="noStrike" spc="-1">
+              <a:t>print("Positive number") </a:t>
+            </a:r>
+            <a:endParaRPr lang="en-GB" sz="2000" b="0" strike="noStrike" spc="-1">
               <a:latin typeface="Arial"/>
             </a:endParaRPr>
           </a:p>
@@ -19153,46 +19149,36 @@
               </a:lnSpc>
             </a:pPr>
             <a:r>
-              <a:rPr lang="en-US" sz="1800" b="1" strike="noStrike" spc="-1">
-                <a:solidFill>
-                  <a:srgbClr val="FF6600"/>
+              <a:rPr lang="en-US" sz="2000" b="1" strike="noStrike" spc="-1">
+                <a:solidFill>
+                  <a:srgbClr val="F79646"/>
                 </a:solidFill>
                 <a:latin typeface="Courier New"/>
                 <a:ea typeface="DejaVu Sans"/>
               </a:rPr>
-              <a:t>}</a:t>
-            </a:r>
-            <a:r>
-              <a:rPr lang="en-US" sz="1800" b="0" strike="noStrike" spc="-1">
-                <a:solidFill>
-                  <a:srgbClr val="FF6600"/>
+              <a:t>} </a:t>
+            </a:r>
+            <a:r>
+              <a:rPr lang="en-US" sz="2000" b="0" strike="noStrike" spc="-1">
+                <a:solidFill>
+                  <a:srgbClr val="008000"/>
                 </a:solidFill>
                 <a:latin typeface="Courier New"/>
                 <a:ea typeface="DejaVu Sans"/>
               </a:rPr>
-              <a:t> </a:t>
-            </a:r>
-            <a:r>
-              <a:rPr lang="en-US" sz="1800" b="0" strike="noStrike" spc="-1">
+              <a:t>else</a:t>
+            </a:r>
+            <a:r>
+              <a:rPr lang="en-US" sz="2000" b="1" strike="noStrike" spc="-1">
                 <a:solidFill>
                   <a:srgbClr val="008000"/>
                 </a:solidFill>
                 <a:latin typeface="Courier New"/>
                 <a:ea typeface="DejaVu Sans"/>
               </a:rPr>
-              <a:t>else if (x &gt; 0) </a:t>
-            </a:r>
-            <a:r>
-              <a:rPr lang="en-US" sz="1800" b="1" strike="noStrike" spc="-1">
-                <a:solidFill>
-                  <a:srgbClr val="008000"/>
-                </a:solidFill>
-                <a:latin typeface="Courier New"/>
-                <a:ea typeface="DejaVu Sans"/>
-              </a:rPr>
-              <a:t>{</a:t>
-            </a:r>
-            <a:endParaRPr lang="en-GB" sz="1800" b="0" strike="noStrike" spc="-1">
+              <a:t> {</a:t>
+            </a:r>
+            <a:endParaRPr lang="en-GB" sz="2000" b="0" strike="noStrike" spc="-1">
               <a:latin typeface="Arial"/>
             </a:endParaRPr>
           </a:p>
@@ -19203,16 +19189,16 @@
               </a:lnSpc>
             </a:pPr>
             <a:r>
-              <a:rPr lang="en-US" sz="1800" b="0" strike="noStrike" spc="-1">
+              <a:rPr lang="en-US" sz="2000" b="0" strike="noStrike" spc="-1">
                 <a:solidFill>
                   <a:srgbClr val="008000"/>
                 </a:solidFill>
                 <a:latin typeface="Courier New"/>
                 <a:ea typeface="DejaVu Sans"/>
               </a:rPr>
-              <a:t>print("Positive number")</a:t>
-            </a:r>
-            <a:endParaRPr lang="en-GB" sz="1800" b="0" strike="noStrike" spc="-1">
+              <a:t>print(”Not positive number")</a:t>
+            </a:r>
+            <a:endParaRPr lang="en-GB" sz="2000" b="0" strike="noStrike" spc="-1">
               <a:latin typeface="Arial"/>
             </a:endParaRPr>
           </a:p>
@@ -19223,46 +19209,16 @@
               </a:lnSpc>
             </a:pPr>
             <a:r>
-              <a:rPr lang="en-US" sz="1800" b="1" strike="noStrike" spc="-1">
+              <a:rPr lang="en-US" sz="2000" b="1" strike="noStrike" spc="-1">
                 <a:solidFill>
                   <a:srgbClr val="008000"/>
                 </a:solidFill>
                 <a:latin typeface="Courier New"/>
-                <a:ea typeface="DejaVu Sans"/>
+                <a:ea typeface="Calibri"/>
               </a:rPr>
               <a:t>}</a:t>
             </a:r>
-            <a:r>
-              <a:rPr lang="en-US" sz="1800" b="0" strike="noStrike" spc="-1">
-                <a:solidFill>
-                  <a:srgbClr val="008000"/>
-                </a:solidFill>
-                <a:latin typeface="Courier New"/>
-                <a:ea typeface="DejaVu Sans"/>
-              </a:rPr>
-              <a:t> </a:t>
-            </a:r>
-            <a:r>
-              <a:rPr lang="en-US" sz="1800" b="0" strike="noStrike" spc="-1">
-                <a:solidFill>
-                  <a:srgbClr val="0000FF"/>
-                </a:solidFill>
-                <a:latin typeface="Courier New"/>
-                <a:ea typeface="DejaVu Sans"/>
-              </a:rPr>
-              <a:t>else </a:t>
-            </a:r>
-            <a:r>
-              <a:rPr lang="en-US" sz="1800" b="1" strike="noStrike" spc="-1">
-                <a:solidFill>
-                  <a:srgbClr val="0000FF"/>
-                </a:solidFill>
-                <a:latin typeface="Courier New"/>
-                <a:ea typeface="DejaVu Sans"/>
-              </a:rPr>
-              <a:t>{</a:t>
-            </a:r>
-            <a:endParaRPr lang="en-GB" sz="1800" b="0" strike="noStrike" spc="-1">
+            <a:endParaRPr lang="en-GB" sz="2000" b="0" strike="noStrike" spc="-1">
               <a:latin typeface="Arial"/>
             </a:endParaRPr>
           </a:p>
@@ -19273,34 +19229,160 @@
               </a:lnSpc>
             </a:pPr>
             <a:r>
-              <a:rPr lang="en-US" sz="1800" b="0" strike="noStrike" spc="-1">
-                <a:solidFill>
-                  <a:srgbClr val="0000FF"/>
+              <a:rPr lang="en-US" sz="2000" b="0" strike="noStrike" spc="-1">
+                <a:solidFill>
+                  <a:srgbClr val="000000"/>
                 </a:solidFill>
                 <a:latin typeface="Courier New"/>
-                <a:ea typeface="DejaVu Sans"/>
-              </a:rPr>
-              <a:t>print("Zero")</a:t>
-            </a:r>
-            <a:endParaRPr lang="en-GB" sz="1800" b="0" strike="noStrike" spc="-1">
-              <a:latin typeface="Arial"/>
-            </a:endParaRPr>
-          </a:p>
+                <a:ea typeface="Calibri"/>
+              </a:rPr>
+              <a:t>x &lt;- -4</a:t>
+            </a:r>
+            <a:endParaRPr lang="en-GB" sz="2000" b="0" strike="noStrike" spc="-1">
+              <a:latin typeface="Arial"/>
+            </a:endParaRPr>
+          </a:p>
+        </p:txBody>
+      </p:sp>
+      <p:pic>
+        <p:nvPicPr>
+          <p:cNvPr id="241" name="Picture 6_1" descr="flowchart_if_else.png"/>
+          <p:cNvPicPr/>
+          <p:nvPr/>
+        </p:nvPicPr>
+        <p:blipFill>
+          <a:blip r:embed="rId2"/>
+          <a:stretch/>
+        </p:blipFill>
+        <p:spPr>
+          <a:xfrm>
+            <a:off x="4736880" y="2349000"/>
+            <a:ext cx="2684520" cy="3122640"/>
+          </a:xfrm>
+          <a:prstGeom prst="rect">
+            <a:avLst/>
+          </a:prstGeom>
+          <a:ln>
+            <a:noFill/>
+          </a:ln>
+        </p:spPr>
+      </p:pic>
+      <p:sp>
+        <p:nvSpPr>
+          <p:cNvPr id="242" name="CustomShape 4"/>
+          <p:cNvSpPr/>
+          <p:nvPr/>
+        </p:nvSpPr>
+        <p:spPr>
+          <a:xfrm>
+            <a:off x="4527360" y="4214160"/>
+            <a:ext cx="1143720" cy="363960"/>
+          </a:xfrm>
+          <a:prstGeom prst="rect">
+            <a:avLst/>
+          </a:prstGeom>
+          <a:ln>
+            <a:solidFill>
+              <a:srgbClr val="008000"/>
+            </a:solidFill>
+            <a:round/>
+          </a:ln>
+        </p:spPr>
+        <p:style>
+          <a:lnRef idx="2">
+            <a:schemeClr val="accent3"/>
+          </a:lnRef>
+          <a:fillRef idx="1">
+            <a:schemeClr val="lt1"/>
+          </a:fillRef>
+          <a:effectRef idx="0">
+            <a:schemeClr val="accent3"/>
+          </a:effectRef>
+          <a:fontRef idx="minor"/>
+        </p:style>
+        <p:txBody>
+          <a:bodyPr lIns="90000" tIns="45000" rIns="90000" bIns="45000">
+            <a:spAutoFit/>
+          </a:bodyPr>
+          <a:lstStyle/>
           <a:p>
             <a:pPr>
               <a:lnSpc>
                 <a:spcPct val="100000"/>
               </a:lnSpc>
-            </a:pPr>
-            <a:r>
-              <a:rPr lang="en-US" sz="1800" b="1" strike="noStrike" spc="-1">
-                <a:solidFill>
-                  <a:srgbClr val="0000FF"/>
-                </a:solidFill>
-                <a:latin typeface="Courier New"/>
+              <a:spcAft>
+                <a:spcPts val="601"/>
+              </a:spcAft>
+            </a:pPr>
+            <a:r>
+              <a:rPr lang="en-GB" sz="1800" b="0" strike="noStrike" spc="-1">
+                <a:solidFill>
+                  <a:srgbClr val="008000"/>
+                </a:solidFill>
+                <a:latin typeface="Calibri"/>
                 <a:ea typeface="DejaVu Sans"/>
               </a:rPr>
-              <a:t>}</a:t>
+              <a:t>else block</a:t>
+            </a:r>
+            <a:endParaRPr lang="en-GB" sz="1800" b="0" strike="noStrike" spc="-1">
+              <a:latin typeface="Arial"/>
+            </a:endParaRPr>
+          </a:p>
+        </p:txBody>
+      </p:sp>
+      <p:sp>
+        <p:nvSpPr>
+          <p:cNvPr id="243" name="CustomShape 5"/>
+          <p:cNvSpPr/>
+          <p:nvPr/>
+        </p:nvSpPr>
+        <p:spPr>
+          <a:xfrm>
+            <a:off x="6567840" y="4214160"/>
+            <a:ext cx="895320" cy="363960"/>
+          </a:xfrm>
+          <a:prstGeom prst="rect">
+            <a:avLst/>
+          </a:prstGeom>
+          <a:ln>
+            <a:round/>
+          </a:ln>
+        </p:spPr>
+        <p:style>
+          <a:lnRef idx="2">
+            <a:schemeClr val="accent6"/>
+          </a:lnRef>
+          <a:fillRef idx="1">
+            <a:schemeClr val="lt1"/>
+          </a:fillRef>
+          <a:effectRef idx="0">
+            <a:schemeClr val="accent6"/>
+          </a:effectRef>
+          <a:fontRef idx="minor"/>
+        </p:style>
+        <p:txBody>
+          <a:bodyPr lIns="90000" tIns="45000" rIns="90000" bIns="45000">
+            <a:spAutoFit/>
+          </a:bodyPr>
+          <a:lstStyle/>
+          <a:p>
+            <a:pPr>
+              <a:lnSpc>
+                <a:spcPct val="100000"/>
+              </a:lnSpc>
+              <a:spcAft>
+                <a:spcPts val="601"/>
+              </a:spcAft>
+            </a:pPr>
+            <a:r>
+              <a:rPr lang="en-GB" sz="1800" b="0" strike="noStrike" spc="-1">
+                <a:solidFill>
+                  <a:srgbClr val="FF6600"/>
+                </a:solidFill>
+                <a:latin typeface="Calibri"/>
+                <a:ea typeface="DejaVu Sans"/>
+              </a:rPr>
+              <a:t>If block</a:t>
             </a:r>
             <a:endParaRPr lang="en-GB" sz="1800" b="0" strike="noStrike" spc="-1">
               <a:latin typeface="Arial"/>
@@ -19335,14 +19417,14 @@
       </p:grpSpPr>
       <p:sp>
         <p:nvSpPr>
-          <p:cNvPr id="248" name="CustomShape 1"/>
+          <p:cNvPr id="244" name="CustomShape 1"/>
           <p:cNvSpPr/>
           <p:nvPr/>
         </p:nvSpPr>
         <p:spPr>
           <a:xfrm>
-            <a:off x="457200" y="684000"/>
-            <a:ext cx="8227440" cy="1143360"/>
+            <a:off x="2024280" y="247680"/>
+            <a:ext cx="5079240" cy="1834200"/>
           </a:xfrm>
           <a:prstGeom prst="rect">
             <a:avLst/>
@@ -19365,36 +19447,56 @@
           <a:fontRef idx="minor"/>
         </p:style>
         <p:txBody>
-          <a:bodyPr lIns="0" tIns="0" rIns="0" bIns="0" anchor="ctr">
+          <a:bodyPr lIns="90000" tIns="45000" rIns="90000" bIns="45000" anchor="b">
             <a:noAutofit/>
           </a:bodyPr>
           <a:lstStyle/>
           <a:p>
             <a:pPr algn="ctr">
               <a:lnSpc>
-                <a:spcPct val="100000"/>
+                <a:spcPct val="90000"/>
               </a:lnSpc>
             </a:pPr>
             <a:r>
-              <a:rPr lang="en-GB" sz="4400" b="1" strike="noStrike" spc="-1">
+              <a:rPr lang="en-US" sz="4400" b="1" strike="noStrike" spc="-1">
                 <a:solidFill>
                   <a:srgbClr val="000000"/>
                 </a:solidFill>
                 <a:latin typeface="Calibri"/>
                 <a:ea typeface="DejaVu Sans"/>
               </a:rPr>
-              <a:t>Loops</a:t>
+              <a:t>Chained conditionals</a:t>
             </a:r>
             <a:br/>
             <a:r>
-              <a:rPr lang="en-GB" sz="4400" b="1" strike="noStrike" spc="-1">
-                <a:solidFill>
-                  <a:srgbClr val="000000"/>
+              <a:rPr lang="en-US" sz="4400" b="1" strike="noStrike" spc="-1">
+                <a:solidFill>
+                  <a:srgbClr val="FF6600"/>
                 </a:solidFill>
                 <a:latin typeface="Calibri"/>
                 <a:ea typeface="DejaVu Sans"/>
               </a:rPr>
-              <a:t>for</a:t>
+              <a:t>if … </a:t>
+            </a:r>
+            <a:r>
+              <a:rPr lang="en-US" sz="4400" b="1" strike="noStrike" spc="-1">
+                <a:solidFill>
+                  <a:srgbClr val="008000"/>
+                </a:solidFill>
+                <a:latin typeface="Calibri"/>
+                <a:ea typeface="DejaVu Sans"/>
+              </a:rPr>
+              <a:t>else if … </a:t>
+            </a:r>
+            <a:r>
+              <a:rPr lang="en-US" sz="4400" b="1" strike="noStrike" spc="-1">
+                <a:solidFill>
+                  <a:srgbClr val="0000FF"/>
+                </a:solidFill>
+                <a:latin typeface="Calibri"/>
+                <a:ea typeface="DejaVu Sans"/>
+              </a:rPr>
+              <a:t>else</a:t>
             </a:r>
             <a:endParaRPr lang="en-GB" sz="4400" b="0" strike="noStrike" spc="-1">
               <a:latin typeface="Arial"/>
@@ -19402,16 +19504,39 @@
           </a:p>
         </p:txBody>
       </p:sp>
-      <p:sp>
-        <p:nvSpPr>
-          <p:cNvPr id="249" name="CustomShape 2"/>
+      <p:pic>
+        <p:nvPicPr>
+          <p:cNvPr id="245" name="Picture 9_0" descr="flowchart_chained_conditional.png"/>
+          <p:cNvPicPr/>
+          <p:nvPr/>
+        </p:nvPicPr>
+        <p:blipFill>
+          <a:blip r:embed="rId2"/>
+          <a:stretch/>
+        </p:blipFill>
+        <p:spPr>
+          <a:xfrm>
+            <a:off x="4608000" y="2274120"/>
+            <a:ext cx="3294360" cy="3237120"/>
+          </a:xfrm>
+          <a:prstGeom prst="rect">
+            <a:avLst/>
+          </a:prstGeom>
+          <a:ln>
+            <a:noFill/>
+          </a:ln>
+        </p:spPr>
+      </p:pic>
+      <p:sp>
+        <p:nvSpPr>
+          <p:cNvPr id="246" name="CustomShape 2"/>
           <p:cNvSpPr/>
           <p:nvPr/>
         </p:nvSpPr>
         <p:spPr>
           <a:xfrm>
-            <a:off x="457200" y="2359440"/>
-            <a:ext cx="8227440" cy="3126960"/>
+            <a:off x="381600" y="2139480"/>
+            <a:ext cx="2860200" cy="2009880"/>
           </a:xfrm>
           <a:prstGeom prst="rect">
             <a:avLst/>
@@ -19434,8 +19559,8 @@
           <a:fontRef idx="minor"/>
         </p:style>
         <p:txBody>
-          <a:bodyPr lIns="0" tIns="0" rIns="0" bIns="0">
-            <a:normAutofit/>
+          <a:bodyPr lIns="90000" tIns="45000" rIns="90000" bIns="45000">
+            <a:spAutoFit/>
           </a:bodyPr>
           <a:lstStyle/>
           <a:p>
@@ -19443,10 +19568,27 @@
               <a:lnSpc>
                 <a:spcPct val="100000"/>
               </a:lnSpc>
-              <a:spcBef>
-                <a:spcPts val="434"/>
-              </a:spcBef>
-            </a:pPr>
+            </a:pPr>
+            <a:r>
+              <a:rPr lang="en-US" sz="1800" b="0" strike="noStrike" spc="-1">
+                <a:solidFill>
+                  <a:srgbClr val="FF6600"/>
+                </a:solidFill>
+                <a:latin typeface="Courier New"/>
+                <a:ea typeface="DejaVu Sans"/>
+              </a:rPr>
+              <a:t>if (x &lt; y) </a:t>
+            </a:r>
+            <a:r>
+              <a:rPr lang="en-US" sz="1800" b="1" strike="noStrike" spc="-1">
+                <a:solidFill>
+                  <a:srgbClr val="FF6600"/>
+                </a:solidFill>
+                <a:latin typeface="Courier New"/>
+                <a:ea typeface="DejaVu Sans"/>
+              </a:rPr>
+              <a:t>{</a:t>
+            </a:r>
             <a:endParaRPr lang="en-GB" sz="1800" b="0" strike="noStrike" spc="-1">
               <a:latin typeface="Arial"/>
             </a:endParaRPr>
@@ -19456,50 +19598,203 @@
               <a:lnSpc>
                 <a:spcPct val="100000"/>
               </a:lnSpc>
-              <a:spcBef>
-                <a:spcPts val="405"/>
-              </a:spcBef>
-            </a:pPr>
+            </a:pPr>
+            <a:r>
+              <a:rPr lang="en-US" sz="1800" b="0" strike="noStrike" spc="-1">
+                <a:solidFill>
+                  <a:srgbClr val="FF6600"/>
+                </a:solidFill>
+                <a:latin typeface="Courier New"/>
+                <a:ea typeface="DejaVu Sans"/>
+              </a:rPr>
+              <a:t>    STATEMENTS_A</a:t>
+            </a:r>
             <a:endParaRPr lang="en-GB" sz="1800" b="0" strike="noStrike" spc="-1">
               <a:latin typeface="Arial"/>
             </a:endParaRPr>
           </a:p>
-        </p:txBody>
-      </p:sp>
-      <p:pic>
-        <p:nvPicPr>
-          <p:cNvPr id="250" name="Picture 2_1" descr="r-for-loop.jpg"/>
-          <p:cNvPicPr/>
-          <p:nvPr/>
-        </p:nvPicPr>
-        <p:blipFill>
-          <a:blip r:embed="rId2"/>
-          <a:srcRect b="7884"/>
-          <a:stretch/>
-        </p:blipFill>
-        <p:spPr>
-          <a:xfrm>
-            <a:off x="5714280" y="1470600"/>
-            <a:ext cx="2779920" cy="4490640"/>
-          </a:xfrm>
-          <a:prstGeom prst="rect">
-            <a:avLst/>
-          </a:prstGeom>
-          <a:ln>
-            <a:noFill/>
-          </a:ln>
-        </p:spPr>
-      </p:pic>
-      <p:sp>
-        <p:nvSpPr>
-          <p:cNvPr id="251" name="CustomShape 3"/>
+          <a:p>
+            <a:pPr>
+              <a:lnSpc>
+                <a:spcPct val="100000"/>
+              </a:lnSpc>
+            </a:pPr>
+            <a:r>
+              <a:rPr lang="en-US" sz="1800" b="1" strike="noStrike" spc="-1">
+                <a:solidFill>
+                  <a:srgbClr val="FF6600"/>
+                </a:solidFill>
+                <a:latin typeface="Courier New"/>
+                <a:ea typeface="DejaVu Sans"/>
+              </a:rPr>
+              <a:t>}</a:t>
+            </a:r>
+            <a:r>
+              <a:rPr lang="en-US" sz="1800" b="0" strike="noStrike" spc="-1">
+                <a:solidFill>
+                  <a:srgbClr val="FF6600"/>
+                </a:solidFill>
+                <a:latin typeface="Courier New"/>
+                <a:ea typeface="DejaVu Sans"/>
+              </a:rPr>
+              <a:t> </a:t>
+            </a:r>
+            <a:r>
+              <a:rPr lang="en-US" sz="1800" b="0" strike="noStrike" spc="-1">
+                <a:solidFill>
+                  <a:srgbClr val="008000"/>
+                </a:solidFill>
+                <a:latin typeface="Courier New"/>
+                <a:ea typeface="DejaVu Sans"/>
+              </a:rPr>
+              <a:t>e</a:t>
+            </a:r>
+            <a:r>
+              <a:rPr lang="tr-TR" sz="1800" b="0" strike="noStrike" spc="-1">
+                <a:solidFill>
+                  <a:srgbClr val="008000"/>
+                </a:solidFill>
+                <a:latin typeface="Courier New"/>
+                <a:ea typeface="DejaVu Sans"/>
+              </a:rPr>
+              <a:t>lse if (x &gt; y) </a:t>
+            </a:r>
+            <a:r>
+              <a:rPr lang="tr-TR" sz="1800" b="1" strike="noStrike" spc="-1">
+                <a:solidFill>
+                  <a:srgbClr val="008000"/>
+                </a:solidFill>
+                <a:latin typeface="Courier New"/>
+                <a:ea typeface="DejaVu Sans"/>
+              </a:rPr>
+              <a:t>{</a:t>
+            </a:r>
+            <a:endParaRPr lang="en-GB" sz="1800" b="0" strike="noStrike" spc="-1">
+              <a:latin typeface="Arial"/>
+            </a:endParaRPr>
+          </a:p>
+          <a:p>
+            <a:pPr>
+              <a:lnSpc>
+                <a:spcPct val="100000"/>
+              </a:lnSpc>
+            </a:pPr>
+            <a:r>
+              <a:rPr lang="tr-TR" sz="1800" b="0" strike="noStrike" spc="-1">
+                <a:solidFill>
+                  <a:srgbClr val="008000"/>
+                </a:solidFill>
+                <a:latin typeface="Courier New"/>
+                <a:ea typeface="DejaVu Sans"/>
+              </a:rPr>
+              <a:t>    STATEMENTS_B</a:t>
+            </a:r>
+            <a:endParaRPr lang="en-GB" sz="1800" b="0" strike="noStrike" spc="-1">
+              <a:latin typeface="Arial"/>
+            </a:endParaRPr>
+          </a:p>
+          <a:p>
+            <a:pPr>
+              <a:lnSpc>
+                <a:spcPct val="100000"/>
+              </a:lnSpc>
+            </a:pPr>
+            <a:r>
+              <a:rPr lang="tr-TR" sz="1800" b="1" strike="noStrike" spc="-1">
+                <a:solidFill>
+                  <a:srgbClr val="008000"/>
+                </a:solidFill>
+                <a:latin typeface="Courier New"/>
+                <a:ea typeface="DejaVu Sans"/>
+              </a:rPr>
+              <a:t>}</a:t>
+            </a:r>
+            <a:r>
+              <a:rPr lang="tr-TR" sz="1800" b="0" strike="noStrike" spc="-1">
+                <a:solidFill>
+                  <a:srgbClr val="008000"/>
+                </a:solidFill>
+                <a:latin typeface="Courier New"/>
+                <a:ea typeface="DejaVu Sans"/>
+              </a:rPr>
+              <a:t> </a:t>
+            </a:r>
+            <a:r>
+              <a:rPr lang="tr-TR" sz="1800" b="0" strike="noStrike" spc="-1">
+                <a:solidFill>
+                  <a:srgbClr val="0000FF"/>
+                </a:solidFill>
+                <a:latin typeface="Courier New"/>
+                <a:ea typeface="DejaVu Sans"/>
+              </a:rPr>
+              <a:t>else </a:t>
+            </a:r>
+            <a:r>
+              <a:rPr lang="tr-TR" sz="1800" b="1" strike="noStrike" spc="-1">
+                <a:solidFill>
+                  <a:srgbClr val="0000FF"/>
+                </a:solidFill>
+                <a:latin typeface="Courier New"/>
+                <a:ea typeface="DejaVu Sans"/>
+              </a:rPr>
+              <a:t>{</a:t>
+            </a:r>
+            <a:endParaRPr lang="en-GB" sz="1800" b="0" strike="noStrike" spc="-1">
+              <a:latin typeface="Arial"/>
+            </a:endParaRPr>
+          </a:p>
+          <a:p>
+            <a:pPr>
+              <a:lnSpc>
+                <a:spcPct val="100000"/>
+              </a:lnSpc>
+            </a:pPr>
+            <a:r>
+              <a:rPr lang="tr-TR" sz="1800" b="0" strike="noStrike" spc="-1">
+                <a:solidFill>
+                  <a:srgbClr val="0000FF"/>
+                </a:solidFill>
+                <a:latin typeface="Courier New"/>
+                <a:ea typeface="DejaVu Sans"/>
+              </a:rPr>
+              <a:t>    STATEMENTS_C</a:t>
+            </a:r>
+            <a:endParaRPr lang="en-GB" sz="1800" b="0" strike="noStrike" spc="-1">
+              <a:latin typeface="Arial"/>
+            </a:endParaRPr>
+          </a:p>
+          <a:p>
+            <a:pPr>
+              <a:lnSpc>
+                <a:spcPct val="100000"/>
+              </a:lnSpc>
+            </a:pPr>
+            <a:r>
+              <a:rPr lang="tr-TR" sz="1800" b="1" strike="noStrike" spc="-1">
+                <a:solidFill>
+                  <a:srgbClr val="0000FF"/>
+                </a:solidFill>
+                <a:latin typeface="Courier New"/>
+                <a:ea typeface="DejaVu Sans"/>
+              </a:rPr>
+              <a:t>}</a:t>
+            </a:r>
+            <a:endParaRPr lang="en-GB" sz="1800" b="0" strike="noStrike" spc="-1">
+              <a:latin typeface="Arial"/>
+            </a:endParaRPr>
+          </a:p>
+        </p:txBody>
+      </p:sp>
+      <p:sp>
+        <p:nvSpPr>
+          <p:cNvPr id="247" name="CustomShape 3"/>
           <p:cNvSpPr/>
           <p:nvPr/>
         </p:nvSpPr>
         <p:spPr>
           <a:xfrm>
-            <a:off x="539640" y="2174040"/>
-            <a:ext cx="4570560" cy="1186920"/>
+            <a:off x="341280" y="4271040"/>
+            <a:ext cx="4570560" cy="2284200"/>
           </a:xfrm>
           <a:prstGeom prst="rect">
             <a:avLst/>
@@ -19533,14 +19828,14 @@
               </a:lnSpc>
             </a:pPr>
             <a:r>
-              <a:rPr lang="en-US" sz="1800" b="0" strike="noStrike" spc="-1">
+              <a:rPr lang="en-GB" sz="1800" b="0" strike="noStrike" spc="-1">
                 <a:solidFill>
                   <a:srgbClr val="000000"/>
                 </a:solidFill>
                 <a:latin typeface="Courier New"/>
                 <a:ea typeface="DejaVu Sans"/>
               </a:rPr>
-              <a:t>for (val in sequence)</a:t>
+              <a:t>x &lt;- 0</a:t>
             </a:r>
             <a:endParaRPr lang="en-GB" sz="1800" b="0" strike="noStrike" spc="-1">
               <a:latin typeface="Arial"/>
@@ -19553,9 +19848,19 @@
               </a:lnSpc>
             </a:pPr>
             <a:r>
-              <a:rPr lang="en-US" sz="1800" b="0" strike="noStrike" spc="-1">
-                <a:solidFill>
-                  <a:srgbClr val="000000"/>
+              <a:rPr lang="en-GB" sz="1800" b="0" strike="noStrike" spc="-1">
+                <a:solidFill>
+                  <a:srgbClr val="FF6600"/>
+                </a:solidFill>
+                <a:latin typeface="Courier New"/>
+                <a:ea typeface="DejaVu Sans"/>
+              </a:rPr>
+              <a:t>if (x &lt; 0) </a:t>
+            </a:r>
+            <a:r>
+              <a:rPr lang="en-GB" sz="1800" b="1" strike="noStrike" spc="-1">
+                <a:solidFill>
+                  <a:srgbClr val="FF6600"/>
                 </a:solidFill>
                 <a:latin typeface="Courier New"/>
                 <a:ea typeface="DejaVu Sans"/>
@@ -19575,12 +19880,12 @@
             <a:r>
               <a:rPr lang="en-US" sz="1800" b="0" strike="noStrike" spc="-1">
                 <a:solidFill>
-                  <a:srgbClr val="000000"/>
+                  <a:srgbClr val="FF6600"/>
                 </a:solidFill>
                 <a:latin typeface="Courier New"/>
                 <a:ea typeface="DejaVu Sans"/>
               </a:rPr>
-              <a:t>statement</a:t>
+              <a:t>print("Negative number")</a:t>
             </a:r>
             <a:endParaRPr lang="en-GB" sz="1800" b="0" strike="noStrike" spc="-1">
               <a:latin typeface="Arial"/>
@@ -19593,57 +19898,49 @@
               </a:lnSpc>
             </a:pPr>
             <a:r>
-              <a:rPr lang="en-US" sz="1800" b="0" strike="noStrike" spc="-1">
-                <a:solidFill>
-                  <a:srgbClr val="000000"/>
+              <a:rPr lang="en-US" sz="1800" b="1" strike="noStrike" spc="-1">
+                <a:solidFill>
+                  <a:srgbClr val="FF6600"/>
                 </a:solidFill>
                 <a:latin typeface="Courier New"/>
                 <a:ea typeface="DejaVu Sans"/>
               </a:rPr>
               <a:t>}</a:t>
             </a:r>
+            <a:r>
+              <a:rPr lang="en-US" sz="1800" b="0" strike="noStrike" spc="-1">
+                <a:solidFill>
+                  <a:srgbClr val="FF6600"/>
+                </a:solidFill>
+                <a:latin typeface="Courier New"/>
+                <a:ea typeface="DejaVu Sans"/>
+              </a:rPr>
+              <a:t> </a:t>
+            </a:r>
+            <a:r>
+              <a:rPr lang="en-US" sz="1800" b="0" strike="noStrike" spc="-1">
+                <a:solidFill>
+                  <a:srgbClr val="008000"/>
+                </a:solidFill>
+                <a:latin typeface="Courier New"/>
+                <a:ea typeface="DejaVu Sans"/>
+              </a:rPr>
+              <a:t>else if (x &gt; 0) </a:t>
+            </a:r>
+            <a:r>
+              <a:rPr lang="en-US" sz="1800" b="1" strike="noStrike" spc="-1">
+                <a:solidFill>
+                  <a:srgbClr val="008000"/>
+                </a:solidFill>
+                <a:latin typeface="Courier New"/>
+                <a:ea typeface="DejaVu Sans"/>
+              </a:rPr>
+              <a:t>{</a:t>
+            </a:r>
             <a:endParaRPr lang="en-GB" sz="1800" b="0" strike="noStrike" spc="-1">
               <a:latin typeface="Arial"/>
             </a:endParaRPr>
           </a:p>
-        </p:txBody>
-      </p:sp>
-      <p:sp>
-        <p:nvSpPr>
-          <p:cNvPr id="252" name="CustomShape 4"/>
-          <p:cNvSpPr/>
-          <p:nvPr/>
-        </p:nvSpPr>
-        <p:spPr>
-          <a:xfrm>
-            <a:off x="519840" y="4317120"/>
-            <a:ext cx="5115240" cy="1461240"/>
-          </a:xfrm>
-          <a:prstGeom prst="rect">
-            <a:avLst/>
-          </a:prstGeom>
-          <a:noFill/>
-          <a:ln>
-            <a:noFill/>
-          </a:ln>
-        </p:spPr>
-        <p:style>
-          <a:lnRef idx="0">
-            <a:scrgbClr r="0" g="0" b="0"/>
-          </a:lnRef>
-          <a:fillRef idx="0">
-            <a:scrgbClr r="0" g="0" b="0"/>
-          </a:fillRef>
-          <a:effectRef idx="0">
-            <a:scrgbClr r="0" g="0" b="0"/>
-          </a:effectRef>
-          <a:fontRef idx="minor"/>
-        </p:style>
-        <p:txBody>
-          <a:bodyPr lIns="90000" tIns="45000" rIns="90000" bIns="45000">
-            <a:spAutoFit/>
-          </a:bodyPr>
-          <a:lstStyle/>
           <a:p>
             <a:pPr>
               <a:lnSpc>
@@ -19653,32 +19950,12 @@
             <a:r>
               <a:rPr lang="en-US" sz="1800" b="0" strike="noStrike" spc="-1">
                 <a:solidFill>
-                  <a:srgbClr val="000000"/>
+                  <a:srgbClr val="008000"/>
                 </a:solidFill>
                 <a:latin typeface="Courier New"/>
                 <a:ea typeface="DejaVu Sans"/>
               </a:rPr>
-              <a:t>for (year in c(2011,2012,2013,2014,2015</a:t>
-            </a:r>
-            <a:r>
-              <a:rPr lang="ru-RU" sz="1800" b="0" strike="noStrike" spc="-1">
-                <a:solidFill>
-                  <a:srgbClr val="000000"/>
-                </a:solidFill>
-                <a:latin typeface="Courier New"/>
-                <a:ea typeface="DejaVu Sans"/>
-              </a:rPr>
-              <a:t>,2016</a:t>
-            </a:r>
-            <a:r>
-              <a:rPr lang="en-US" sz="1800" b="0" strike="noStrike" spc="-1">
-                <a:solidFill>
-                  <a:srgbClr val="000000"/>
-                </a:solidFill>
-                <a:latin typeface="Courier New"/>
-                <a:ea typeface="DejaVu Sans"/>
-              </a:rPr>
-              <a:t>)) </a:t>
+              <a:t>print("Positive number")</a:t>
             </a:r>
             <a:endParaRPr lang="en-GB" sz="1800" b="0" strike="noStrike" spc="-1">
               <a:latin typeface="Arial"/>
@@ -19691,14 +19968,44 @@
               </a:lnSpc>
             </a:pPr>
             <a:r>
-              <a:rPr lang="en-US" sz="1800" b="0" strike="noStrike" spc="-1">
-                <a:solidFill>
-                  <a:srgbClr val="000000"/>
+              <a:rPr lang="en-US" sz="1800" b="1" strike="noStrike" spc="-1">
+                <a:solidFill>
+                  <a:srgbClr val="008000"/>
                 </a:solidFill>
                 <a:latin typeface="Courier New"/>
                 <a:ea typeface="DejaVu Sans"/>
               </a:rPr>
-              <a:t>{	</a:t>
+              <a:t>}</a:t>
+            </a:r>
+            <a:r>
+              <a:rPr lang="en-US" sz="1800" b="0" strike="noStrike" spc="-1">
+                <a:solidFill>
+                  <a:srgbClr val="008000"/>
+                </a:solidFill>
+                <a:latin typeface="Courier New"/>
+                <a:ea typeface="DejaVu Sans"/>
+              </a:rPr>
+              <a:t> </a:t>
+            </a:r>
+            <a:r>
+              <a:rPr lang="en-US" sz="1800" b="0" strike="noStrike" spc="-1">
+                <a:solidFill>
+                  <a:srgbClr val="0000FF"/>
+                </a:solidFill>
+                <a:latin typeface="Courier New"/>
+                <a:ea typeface="DejaVu Sans"/>
+              </a:rPr>
+              <a:t>else </a:t>
+            </a:r>
+            <a:r>
+              <a:rPr lang="en-US" sz="1800" b="1" strike="noStrike" spc="-1">
+                <a:solidFill>
+                  <a:srgbClr val="0000FF"/>
+                </a:solidFill>
+                <a:latin typeface="Courier New"/>
+                <a:ea typeface="DejaVu Sans"/>
+              </a:rPr>
+              <a:t>{</a:t>
             </a:r>
             <a:endParaRPr lang="en-GB" sz="1800" b="0" strike="noStrike" spc="-1">
               <a:latin typeface="Arial"/>
@@ -19713,12 +20020,12 @@
             <a:r>
               <a:rPr lang="en-US" sz="1800" b="0" strike="noStrike" spc="-1">
                 <a:solidFill>
-                  <a:srgbClr val="000000"/>
+                  <a:srgbClr val="0000FF"/>
                 </a:solidFill>
                 <a:latin typeface="Courier New"/>
                 <a:ea typeface="DejaVu Sans"/>
               </a:rPr>
-              <a:t>  print(paste("The year is", year))</a:t>
+              <a:t>print("Zero")</a:t>
             </a:r>
             <a:endParaRPr lang="en-GB" sz="1800" b="0" strike="noStrike" spc="-1">
               <a:latin typeface="Arial"/>
@@ -19731,14 +20038,14 @@
               </a:lnSpc>
             </a:pPr>
             <a:r>
-              <a:rPr lang="en-US" sz="1800" b="0" strike="noStrike" spc="-1">
-                <a:solidFill>
-                  <a:srgbClr val="000000"/>
+              <a:rPr lang="en-US" sz="1800" b="1" strike="noStrike" spc="-1">
+                <a:solidFill>
+                  <a:srgbClr val="0000FF"/>
                 </a:solidFill>
                 <a:latin typeface="Courier New"/>
                 <a:ea typeface="DejaVu Sans"/>
               </a:rPr>
-              <a:t>}	</a:t>
+              <a:t>}</a:t>
             </a:r>
             <a:endParaRPr lang="en-GB" sz="1800" b="0" strike="noStrike" spc="-1">
               <a:latin typeface="Arial"/>
@@ -19773,7 +20080,7 @@
       </p:grpSpPr>
       <p:sp>
         <p:nvSpPr>
-          <p:cNvPr id="253" name="CustomShape 1"/>
+          <p:cNvPr id="248" name="CustomShape 1"/>
           <p:cNvSpPr/>
           <p:nvPr/>
         </p:nvSpPr>
@@ -19832,7 +20139,7 @@
                 <a:latin typeface="Calibri"/>
                 <a:ea typeface="DejaVu Sans"/>
               </a:rPr>
-              <a:t>while</a:t>
+              <a:t>for</a:t>
             </a:r>
             <a:endParaRPr lang="en-GB" sz="4400" b="0" strike="noStrike" spc="-1">
               <a:latin typeface="Arial"/>
@@ -19842,7 +20149,7 @@
       </p:sp>
       <p:sp>
         <p:nvSpPr>
-          <p:cNvPr id="254" name="CustomShape 2"/>
+          <p:cNvPr id="249" name="CustomShape 2"/>
           <p:cNvSpPr/>
           <p:nvPr/>
         </p:nvSpPr>
@@ -19904,16 +20211,40 @@
           </a:p>
         </p:txBody>
       </p:sp>
-      <p:sp>
-        <p:nvSpPr>
-          <p:cNvPr id="255" name="CustomShape 3"/>
+      <p:pic>
+        <p:nvPicPr>
+          <p:cNvPr id="250" name="Picture 2_1" descr="r-for-loop.jpg"/>
+          <p:cNvPicPr/>
+          <p:nvPr/>
+        </p:nvPicPr>
+        <p:blipFill>
+          <a:blip r:embed="rId2"/>
+          <a:srcRect b="7884"/>
+          <a:stretch/>
+        </p:blipFill>
+        <p:spPr>
+          <a:xfrm>
+            <a:off x="5714280" y="1470600"/>
+            <a:ext cx="2779920" cy="4490640"/>
+          </a:xfrm>
+          <a:prstGeom prst="rect">
+            <a:avLst/>
+          </a:prstGeom>
+          <a:ln>
+            <a:noFill/>
+          </a:ln>
+        </p:spPr>
+      </p:pic>
+      <p:sp>
+        <p:nvSpPr>
+          <p:cNvPr id="251" name="CustomShape 3"/>
           <p:cNvSpPr/>
           <p:nvPr/>
         </p:nvSpPr>
         <p:spPr>
           <a:xfrm>
             <a:off x="539640" y="2174040"/>
-            <a:ext cx="4570560" cy="367920"/>
+            <a:ext cx="4570560" cy="1186920"/>
           </a:xfrm>
           <a:prstGeom prst="rect">
             <a:avLst/>
@@ -19935,41 +20266,103 @@
           </a:effectRef>
           <a:fontRef idx="minor"/>
         </p:style>
-      </p:sp>
-      <p:pic>
-        <p:nvPicPr>
-          <p:cNvPr id="256" name="Picture 3_1" descr="r-while-loop.jpg"/>
-          <p:cNvPicPr/>
-          <p:nvPr/>
-        </p:nvPicPr>
-        <p:blipFill>
-          <a:blip r:embed="rId2"/>
-          <a:srcRect b="6319"/>
-          <a:stretch/>
-        </p:blipFill>
-        <p:spPr>
-          <a:xfrm>
-            <a:off x="5796000" y="1566720"/>
-            <a:ext cx="2830680" cy="4424400"/>
-          </a:xfrm>
-          <a:prstGeom prst="rect">
-            <a:avLst/>
-          </a:prstGeom>
-          <a:ln>
-            <a:noFill/>
-          </a:ln>
-        </p:spPr>
-      </p:pic>
-      <p:sp>
-        <p:nvSpPr>
-          <p:cNvPr id="257" name="CustomShape 4"/>
+        <p:txBody>
+          <a:bodyPr lIns="90000" tIns="45000" rIns="90000" bIns="45000">
+            <a:spAutoFit/>
+          </a:bodyPr>
+          <a:lstStyle/>
+          <a:p>
+            <a:pPr>
+              <a:lnSpc>
+                <a:spcPct val="100000"/>
+              </a:lnSpc>
+            </a:pPr>
+            <a:r>
+              <a:rPr lang="en-US" sz="1800" b="0" strike="noStrike" spc="-1">
+                <a:solidFill>
+                  <a:srgbClr val="000000"/>
+                </a:solidFill>
+                <a:latin typeface="Courier New"/>
+                <a:ea typeface="DejaVu Sans"/>
+              </a:rPr>
+              <a:t>for (val in sequence)</a:t>
+            </a:r>
+            <a:endParaRPr lang="en-GB" sz="1800" b="0" strike="noStrike" spc="-1">
+              <a:latin typeface="Arial"/>
+            </a:endParaRPr>
+          </a:p>
+          <a:p>
+            <a:pPr>
+              <a:lnSpc>
+                <a:spcPct val="100000"/>
+              </a:lnSpc>
+            </a:pPr>
+            <a:r>
+              <a:rPr lang="en-US" sz="1800" b="0" strike="noStrike" spc="-1">
+                <a:solidFill>
+                  <a:srgbClr val="000000"/>
+                </a:solidFill>
+                <a:latin typeface="Courier New"/>
+                <a:ea typeface="DejaVu Sans"/>
+              </a:rPr>
+              <a:t>{</a:t>
+            </a:r>
+            <a:endParaRPr lang="en-GB" sz="1800" b="0" strike="noStrike" spc="-1">
+              <a:latin typeface="Arial"/>
+            </a:endParaRPr>
+          </a:p>
+          <a:p>
+            <a:pPr>
+              <a:lnSpc>
+                <a:spcPct val="100000"/>
+              </a:lnSpc>
+            </a:pPr>
+            <a:r>
+              <a:rPr lang="en-US" sz="1800" b="0" strike="noStrike" spc="-1">
+                <a:solidFill>
+                  <a:srgbClr val="000000"/>
+                </a:solidFill>
+                <a:latin typeface="Courier New"/>
+                <a:ea typeface="DejaVu Sans"/>
+              </a:rPr>
+              <a:t>statement</a:t>
+            </a:r>
+            <a:endParaRPr lang="en-GB" sz="1800" b="0" strike="noStrike" spc="-1">
+              <a:latin typeface="Arial"/>
+            </a:endParaRPr>
+          </a:p>
+          <a:p>
+            <a:pPr>
+              <a:lnSpc>
+                <a:spcPct val="100000"/>
+              </a:lnSpc>
+            </a:pPr>
+            <a:r>
+              <a:rPr lang="en-US" sz="1800" b="0" strike="noStrike" spc="-1">
+                <a:solidFill>
+                  <a:srgbClr val="000000"/>
+                </a:solidFill>
+                <a:latin typeface="Courier New"/>
+                <a:ea typeface="DejaVu Sans"/>
+              </a:rPr>
+              <a:t>}</a:t>
+            </a:r>
+            <a:endParaRPr lang="en-GB" sz="1800" b="0" strike="noStrike" spc="-1">
+              <a:latin typeface="Arial"/>
+            </a:endParaRPr>
+          </a:p>
+        </p:txBody>
+      </p:sp>
+      <p:sp>
+        <p:nvSpPr>
+          <p:cNvPr id="252" name="CustomShape 4"/>
           <p:cNvSpPr/>
           <p:nvPr/>
         </p:nvSpPr>
         <p:spPr>
           <a:xfrm>
-            <a:off x="678600" y="2174040"/>
-            <a:ext cx="4570560" cy="1186920"/>
+            <a:off x="519840" y="4317120"/>
+            <a:ext cx="5115240" cy="1461240"/>
           </a:xfrm>
           <a:prstGeom prst="rect">
             <a:avLst/>
@@ -20010,7 +20403,27 @@
                 <a:latin typeface="Courier New"/>
                 <a:ea typeface="DejaVu Sans"/>
               </a:rPr>
-              <a:t>while (test_expression)</a:t>
+              <a:t>for (year in c(2011,2012,2013,2014,2015</a:t>
+            </a:r>
+            <a:r>
+              <a:rPr lang="ru-RU" sz="1800" b="0" strike="noStrike" spc="-1">
+                <a:solidFill>
+                  <a:srgbClr val="000000"/>
+                </a:solidFill>
+                <a:latin typeface="Courier New"/>
+                <a:ea typeface="DejaVu Sans"/>
+              </a:rPr>
+              <a:t>,2016</a:t>
+            </a:r>
+            <a:r>
+              <a:rPr lang="en-US" sz="1800" b="0" strike="noStrike" spc="-1">
+                <a:solidFill>
+                  <a:srgbClr val="000000"/>
+                </a:solidFill>
+                <a:latin typeface="Courier New"/>
+                <a:ea typeface="DejaVu Sans"/>
+              </a:rPr>
+              <a:t>)) </a:t>
             </a:r>
             <a:endParaRPr lang="en-GB" sz="1800" b="0" strike="noStrike" spc="-1">
               <a:latin typeface="Arial"/>
@@ -20030,7 +20443,7 @@
                 <a:latin typeface="Courier New"/>
                 <a:ea typeface="DejaVu Sans"/>
               </a:rPr>
-              <a:t>{</a:t>
+              <a:t>{	</a:t>
             </a:r>
             <a:endParaRPr lang="en-GB" sz="1800" b="0" strike="noStrike" spc="-1">
               <a:latin typeface="Arial"/>
@@ -20050,7 +20463,7 @@
                 <a:latin typeface="Courier New"/>
                 <a:ea typeface="DejaVu Sans"/>
               </a:rPr>
-              <a:t>statement</a:t>
+              <a:t>  print(paste("The year is", year))</a:t>
             </a:r>
             <a:endParaRPr lang="en-GB" sz="1800" b="0" strike="noStrike" spc="-1">
               <a:latin typeface="Arial"/>
@@ -20070,145 +20483,7 @@
                 <a:latin typeface="Courier New"/>
                 <a:ea typeface="DejaVu Sans"/>
               </a:rPr>
-              <a:t>}</a:t>
-            </a:r>
-            <a:endParaRPr lang="en-GB" sz="1800" b="0" strike="noStrike" spc="-1">
-              <a:latin typeface="Arial"/>
-            </a:endParaRPr>
-          </a:p>
-        </p:txBody>
-      </p:sp>
-      <p:sp>
-        <p:nvSpPr>
-          <p:cNvPr id="258" name="CustomShape 5"/>
-          <p:cNvSpPr/>
-          <p:nvPr/>
-        </p:nvSpPr>
-        <p:spPr>
-          <a:xfrm>
-            <a:off x="678600" y="4257720"/>
-            <a:ext cx="4570560" cy="1461240"/>
-          </a:xfrm>
-          <a:prstGeom prst="rect">
-            <a:avLst/>
-          </a:prstGeom>
-          <a:noFill/>
-          <a:ln>
-            <a:noFill/>
-          </a:ln>
-        </p:spPr>
-        <p:style>
-          <a:lnRef idx="0">
-            <a:scrgbClr r="0" g="0" b="0"/>
-          </a:lnRef>
-          <a:fillRef idx="0">
-            <a:scrgbClr r="0" g="0" b="0"/>
-          </a:fillRef>
-          <a:effectRef idx="0">
-            <a:scrgbClr r="0" g="0" b="0"/>
-          </a:effectRef>
-          <a:fontRef idx="minor"/>
-        </p:style>
-        <p:txBody>
-          <a:bodyPr lIns="90000" tIns="45000" rIns="90000" bIns="45000">
-            <a:spAutoFit/>
-          </a:bodyPr>
-          <a:lstStyle/>
-          <a:p>
-            <a:pPr>
-              <a:lnSpc>
-                <a:spcPct val="100000"/>
-              </a:lnSpc>
-            </a:pPr>
-            <a:r>
-              <a:rPr lang="en-GB" sz="1800" b="0" strike="noStrike" spc="-1">
-                <a:solidFill>
-                  <a:srgbClr val="000000"/>
-                </a:solidFill>
-                <a:latin typeface="Courier New"/>
-                <a:ea typeface="DejaVu Sans"/>
-              </a:rPr>
-              <a:t>i &lt;- 1</a:t>
-            </a:r>
-            <a:endParaRPr lang="en-GB" sz="1800" b="0" strike="noStrike" spc="-1">
-              <a:latin typeface="Arial"/>
-            </a:endParaRPr>
-          </a:p>
-          <a:p>
-            <a:pPr>
-              <a:lnSpc>
-                <a:spcPct val="100000"/>
-              </a:lnSpc>
-            </a:pPr>
-            <a:r>
-              <a:rPr lang="en-US" sz="1800" b="0" strike="noStrike" spc="-1">
-                <a:solidFill>
-                  <a:srgbClr val="000000"/>
-                </a:solidFill>
-                <a:latin typeface="Courier New"/>
-                <a:ea typeface="DejaVu Sans"/>
-              </a:rPr>
-              <a:t>while (i &lt; 6) {</a:t>
-            </a:r>
-            <a:endParaRPr lang="en-GB" sz="1800" b="0" strike="noStrike" spc="-1">
-              <a:latin typeface="Arial"/>
-            </a:endParaRPr>
-          </a:p>
-          <a:p>
-            <a:pPr>
-              <a:lnSpc>
-                <a:spcPct val="100000"/>
-              </a:lnSpc>
-            </a:pPr>
-            <a:r>
-              <a:rPr lang="en-US" sz="1800" b="0" strike="noStrike" spc="-1">
-                <a:solidFill>
-                  <a:srgbClr val="000000"/>
-                </a:solidFill>
-                <a:latin typeface="Courier New"/>
-                <a:ea typeface="DejaVu Sans"/>
-              </a:rPr>
-              <a:t>print(i)</a:t>
-            </a:r>
-            <a:endParaRPr lang="en-GB" sz="1800" b="0" strike="noStrike" spc="-1">
-              <a:latin typeface="Arial"/>
-            </a:endParaRPr>
-          </a:p>
-          <a:p>
-            <a:pPr>
-              <a:lnSpc>
-                <a:spcPct val="100000"/>
-              </a:lnSpc>
-            </a:pPr>
-            <a:r>
-              <a:rPr lang="en-US" sz="1800" b="0" strike="noStrike" spc="-1">
-                <a:solidFill>
-                  <a:srgbClr val="000000"/>
-                </a:solidFill>
-                <a:latin typeface="Courier New"/>
-                <a:ea typeface="DejaVu Sans"/>
-              </a:rPr>
-              <a:t>i = i+1</a:t>
-            </a:r>
-            <a:endParaRPr lang="en-GB" sz="1800" b="0" strike="noStrike" spc="-1">
-              <a:latin typeface="Arial"/>
-            </a:endParaRPr>
-          </a:p>
-          <a:p>
-            <a:pPr>
-              <a:lnSpc>
-                <a:spcPct val="100000"/>
-              </a:lnSpc>
-            </a:pPr>
-            <a:r>
-              <a:rPr lang="en-US" sz="1800" b="0" strike="noStrike" spc="-1">
-                <a:solidFill>
-                  <a:srgbClr val="000000"/>
-                </a:solidFill>
-                <a:latin typeface="Courier New"/>
-                <a:ea typeface="DejaVu Sans"/>
-              </a:rPr>
-              <a:t>}</a:t>
+              <a:t>}	</a:t>
             </a:r>
             <a:endParaRPr lang="en-GB" sz="1800" b="0" strike="noStrike" spc="-1">
               <a:latin typeface="Arial"/>
@@ -20243,13 +20518,13 @@
       </p:grpSpPr>
       <p:sp>
         <p:nvSpPr>
-          <p:cNvPr id="259" name="CustomShape 1"/>
+          <p:cNvPr id="253" name="CustomShape 1"/>
           <p:cNvSpPr/>
           <p:nvPr/>
         </p:nvSpPr>
         <p:spPr>
           <a:xfrm>
-            <a:off x="457200" y="532440"/>
+            <a:off x="457200" y="684000"/>
             <a:ext cx="8227440" cy="1143360"/>
           </a:xfrm>
           <a:prstGeom prst="rect">
@@ -20291,7 +20566,18 @@
                 <a:latin typeface="Calibri"/>
                 <a:ea typeface="DejaVu Sans"/>
               </a:rPr>
-              <a:t>Infinite loops</a:t>
+              <a:t>Loops</a:t>
+            </a:r>
+            <a:br/>
+            <a:r>
+              <a:rPr lang="en-GB" sz="4400" b="1" strike="noStrike" spc="-1">
+                <a:solidFill>
+                  <a:srgbClr val="000000"/>
+                </a:solidFill>
+                <a:latin typeface="Calibri"/>
+                <a:ea typeface="DejaVu Sans"/>
+              </a:rPr>
+              <a:t>while</a:t>
             </a:r>
             <a:endParaRPr lang="en-GB" sz="4400" b="0" strike="noStrike" spc="-1">
               <a:latin typeface="Arial"/>
@@ -20299,39 +20585,16 @@
           </a:p>
         </p:txBody>
       </p:sp>
-      <p:pic>
-        <p:nvPicPr>
-          <p:cNvPr id="260" name="Picture 6_0" descr="arguing-with-yourself-at-are-you-stuck-in-an-infinite-49873894.png"/>
-          <p:cNvPicPr/>
-          <p:nvPr/>
-        </p:nvPicPr>
-        <p:blipFill>
-          <a:blip r:embed="rId2"/>
-          <a:stretch/>
-        </p:blipFill>
-        <p:spPr>
-          <a:xfrm>
-            <a:off x="4680720" y="1600200"/>
-            <a:ext cx="4164480" cy="5039640"/>
-          </a:xfrm>
-          <a:prstGeom prst="rect">
-            <a:avLst/>
-          </a:prstGeom>
-          <a:ln>
-            <a:noFill/>
-          </a:ln>
-        </p:spPr>
-      </p:pic>
-      <p:sp>
-        <p:nvSpPr>
-          <p:cNvPr id="261" name="CustomShape 2"/>
+      <p:sp>
+        <p:nvSpPr>
+          <p:cNvPr id="254" name="CustomShape 2"/>
           <p:cNvSpPr/>
           <p:nvPr/>
         </p:nvSpPr>
         <p:spPr>
           <a:xfrm>
-            <a:off x="678600" y="2723760"/>
-            <a:ext cx="3831480" cy="1461240"/>
+            <a:off x="457200" y="2359440"/>
+            <a:ext cx="8227440" cy="3126960"/>
           </a:xfrm>
           <a:prstGeom prst="rect">
             <a:avLst/>
@@ -20354,8 +20617,8 @@
           <a:fontRef idx="minor"/>
         </p:style>
         <p:txBody>
-          <a:bodyPr lIns="90000" tIns="45000" rIns="90000" bIns="45000">
-            <a:spAutoFit/>
+          <a:bodyPr lIns="0" tIns="0" rIns="0" bIns="0">
+            <a:normAutofit/>
           </a:bodyPr>
           <a:lstStyle/>
           <a:p>
@@ -20363,17 +20626,10 @@
               <a:lnSpc>
                 <a:spcPct val="100000"/>
               </a:lnSpc>
-            </a:pPr>
-            <a:r>
-              <a:rPr lang="en-US" sz="1800" b="0" strike="noStrike" spc="-1">
-                <a:solidFill>
-                  <a:srgbClr val="000000"/>
-                </a:solidFill>
-                <a:latin typeface="Courier New"/>
-                <a:ea typeface="DejaVu Sans"/>
-              </a:rPr>
-              <a:t>x &lt;- 1</a:t>
-            </a:r>
+              <a:spcBef>
+                <a:spcPts val="434"/>
+              </a:spcBef>
+            </a:pPr>
             <a:endParaRPr lang="en-GB" sz="1800" b="0" strike="noStrike" spc="-1">
               <a:latin typeface="Arial"/>
             </a:endParaRPr>
@@ -20383,93 +20639,26 @@
               <a:lnSpc>
                 <a:spcPct val="100000"/>
               </a:lnSpc>
-            </a:pPr>
-            <a:r>
-              <a:rPr lang="en-US" sz="1800" b="0" strike="noStrike" spc="-1">
-                <a:solidFill>
-                  <a:srgbClr val="000000"/>
-                </a:solidFill>
-                <a:latin typeface="Courier New"/>
-                <a:ea typeface="DejaVu Sans"/>
-              </a:rPr>
-              <a:t>while (x=1)</a:t>
-            </a:r>
+              <a:spcBef>
+                <a:spcPts val="405"/>
+              </a:spcBef>
+            </a:pPr>
             <a:endParaRPr lang="en-GB" sz="1800" b="0" strike="noStrike" spc="-1">
               <a:latin typeface="Arial"/>
             </a:endParaRPr>
           </a:p>
-          <a:p>
-            <a:pPr>
-              <a:lnSpc>
-                <a:spcPct val="100000"/>
-              </a:lnSpc>
-            </a:pPr>
-            <a:r>
-              <a:rPr lang="en-US" sz="1800" b="0" strike="noStrike" spc="-1">
-                <a:solidFill>
-                  <a:srgbClr val="000000"/>
-                </a:solidFill>
-                <a:latin typeface="Courier New"/>
-                <a:ea typeface="DejaVu Sans"/>
-              </a:rPr>
-              <a:t>{</a:t>
-            </a:r>
-            <a:endParaRPr lang="en-GB" sz="1800" b="0" strike="noStrike" spc="-1">
-              <a:latin typeface="Arial"/>
-            </a:endParaRPr>
-          </a:p>
-          <a:p>
-            <a:pPr>
-              <a:lnSpc>
-                <a:spcPct val="100000"/>
-              </a:lnSpc>
-            </a:pPr>
-            <a:r>
-              <a:rPr lang="en-US" sz="1800" b="0" strike="noStrike" spc="-1">
-                <a:solidFill>
-                  <a:srgbClr val="000000"/>
-                </a:solidFill>
-                <a:latin typeface="Courier New"/>
-                <a:ea typeface="DejaVu Sans"/>
-              </a:rPr>
-              <a:t>Print(“Let’s move on!”)</a:t>
-            </a:r>
-            <a:endParaRPr lang="en-GB" sz="1800" b="0" strike="noStrike" spc="-1">
-              <a:latin typeface="Arial"/>
-            </a:endParaRPr>
-          </a:p>
-          <a:p>
-            <a:pPr>
-              <a:lnSpc>
-                <a:spcPct val="100000"/>
-              </a:lnSpc>
-            </a:pPr>
-            <a:r>
-              <a:rPr lang="en-US" sz="1800" b="0" strike="noStrike" spc="-1">
-                <a:solidFill>
-                  <a:srgbClr val="000000"/>
-                </a:solidFill>
-                <a:latin typeface="Courier New"/>
-                <a:ea typeface="DejaVu Sans"/>
-              </a:rPr>
-              <a:t>}</a:t>
-            </a:r>
-            <a:endParaRPr lang="en-GB" sz="1800" b="0" strike="noStrike" spc="-1">
-              <a:latin typeface="Arial"/>
-            </a:endParaRPr>
-          </a:p>
-        </p:txBody>
-      </p:sp>
-      <p:sp>
-        <p:nvSpPr>
-          <p:cNvPr id="262" name="CustomShape 3"/>
+        </p:txBody>
+      </p:sp>
+      <p:sp>
+        <p:nvSpPr>
+          <p:cNvPr id="255" name="CustomShape 3"/>
           <p:cNvSpPr/>
           <p:nvPr/>
         </p:nvSpPr>
         <p:spPr>
           <a:xfrm>
-            <a:off x="771120" y="4796280"/>
-            <a:ext cx="3038040" cy="394560"/>
+            <a:off x="539640" y="2174040"/>
+            <a:ext cx="4570560" cy="367920"/>
           </a:xfrm>
           <a:prstGeom prst="rect">
             <a:avLst/>
@@ -20492,42 +20681,47 @@
           <a:fontRef idx="minor"/>
         </p:style>
         <p:txBody>
-          <a:bodyPr wrap="none" lIns="90000" tIns="45000" rIns="90000" bIns="45000">
-            <a:spAutoFit/>
-          </a:bodyPr>
-          <a:lstStyle/>
-          <a:p>
-            <a:pPr>
-              <a:lnSpc>
-                <a:spcPct val="100000"/>
-              </a:lnSpc>
-            </a:pPr>
-            <a:r>
-              <a:rPr lang="en-US" sz="2000" b="0" strike="noStrike" spc="-1">
-                <a:solidFill>
-                  <a:srgbClr val="FF0000"/>
-                </a:solidFill>
-                <a:latin typeface="Calibri"/>
-                <a:ea typeface="DejaVu Sans"/>
-              </a:rPr>
-              <a:t>Something to keep in mind!</a:t>
-            </a:r>
-            <a:endParaRPr lang="en-GB" sz="2000" b="0" strike="noStrike" spc="-1">
-              <a:latin typeface="Arial"/>
-            </a:endParaRPr>
-          </a:p>
-        </p:txBody>
-      </p:sp>
-      <p:sp>
-        <p:nvSpPr>
-          <p:cNvPr id="263" name="CustomShape 4"/>
+          <a:bodyPr/>
+          <a:lstStyle/>
+          <a:p>
+            <a:endParaRPr lang="en-US"/>
+          </a:p>
+        </p:txBody>
+      </p:sp>
+      <p:pic>
+        <p:nvPicPr>
+          <p:cNvPr id="256" name="Picture 3_1" descr="r-while-loop.jpg"/>
+          <p:cNvPicPr/>
+          <p:nvPr/>
+        </p:nvPicPr>
+        <p:blipFill>
+          <a:blip r:embed="rId2"/>
+          <a:srcRect b="6319"/>
+          <a:stretch/>
+        </p:blipFill>
+        <p:spPr>
+          <a:xfrm>
+            <a:off x="5796000" y="1566720"/>
+            <a:ext cx="2830680" cy="4424400"/>
+          </a:xfrm>
+          <a:prstGeom prst="rect">
+            <a:avLst/>
+          </a:prstGeom>
+          <a:ln>
+            <a:noFill/>
+          </a:ln>
+        </p:spPr>
+      </p:pic>
+      <p:sp>
+        <p:nvSpPr>
+          <p:cNvPr id="257" name="CustomShape 4"/>
           <p:cNvSpPr/>
           <p:nvPr/>
         </p:nvSpPr>
         <p:spPr>
           <a:xfrm>
-            <a:off x="349920" y="5914800"/>
-            <a:ext cx="4284720" cy="638280"/>
+            <a:off x="678600" y="2174040"/>
+            <a:ext cx="4570560" cy="1186920"/>
           </a:xfrm>
           <a:prstGeom prst="rect">
             <a:avLst/>
@@ -20550,7 +20744,7 @@
           <a:fontRef idx="minor"/>
         </p:style>
         <p:txBody>
-          <a:bodyPr wrap="none" lIns="90000" tIns="45000" rIns="90000" bIns="45000">
+          <a:bodyPr lIns="90000" tIns="45000" rIns="90000" bIns="45000">
             <a:spAutoFit/>
           </a:bodyPr>
           <a:lstStyle/>
@@ -20565,50 +20759,10 @@
                 <a:solidFill>
                   <a:srgbClr val="000000"/>
                 </a:solidFill>
-                <a:latin typeface="Calibri"/>
-                <a:ea typeface="DejaVu Sans"/>
-              </a:rPr>
-              <a:t>*</a:t>
-            </a:r>
-            <a:r>
-              <a:rPr lang="en-US" sz="1800" b="0" strike="noStrike" spc="-1">
-                <a:solidFill>
-                  <a:srgbClr val="000000"/>
-                </a:solidFill>
                 <a:latin typeface="Courier New"/>
                 <a:ea typeface="DejaVu Sans"/>
               </a:rPr>
-              <a:t>break</a:t>
-            </a:r>
-            <a:r>
-              <a:rPr lang="en-US" sz="1800" b="0" strike="noStrike" spc="-1">
-                <a:solidFill>
-                  <a:srgbClr val="000000"/>
-                </a:solidFill>
-                <a:latin typeface="Calibri"/>
-                <a:ea typeface="DejaVu Sans"/>
-              </a:rPr>
-              <a:t> and </a:t>
-            </a:r>
-            <a:r>
-              <a:rPr lang="en-US" sz="1800" b="0" strike="noStrike" spc="-1">
-                <a:solidFill>
-                  <a:srgbClr val="000000"/>
-                </a:solidFill>
-                <a:latin typeface="Courier New"/>
-                <a:ea typeface="DejaVu Sans"/>
-              </a:rPr>
-              <a:t>next</a:t>
-            </a:r>
-            <a:r>
-              <a:rPr lang="en-US" sz="1800" b="0" strike="noStrike" spc="-1">
-                <a:solidFill>
-                  <a:srgbClr val="000000"/>
-                </a:solidFill>
-                <a:latin typeface="Calibri"/>
-                <a:ea typeface="DejaVu Sans"/>
-              </a:rPr>
-              <a:t> statements might help –</a:t>
+              <a:t>while (test_expression)</a:t>
             </a:r>
             <a:endParaRPr lang="en-GB" sz="1800" b="0" strike="noStrike" spc="-1">
               <a:latin typeface="Arial"/>
@@ -20625,10 +20779,188 @@
                 <a:solidFill>
                   <a:srgbClr val="000000"/>
                 </a:solidFill>
-                <a:latin typeface="Calibri"/>
+                <a:latin typeface="Courier New"/>
                 <a:ea typeface="DejaVu Sans"/>
               </a:rPr>
-              <a:t> advanced level</a:t>
+              <a:t>{</a:t>
+            </a:r>
+            <a:endParaRPr lang="en-GB" sz="1800" b="0" strike="noStrike" spc="-1">
+              <a:latin typeface="Arial"/>
+            </a:endParaRPr>
+          </a:p>
+          <a:p>
+            <a:pPr>
+              <a:lnSpc>
+                <a:spcPct val="100000"/>
+              </a:lnSpc>
+            </a:pPr>
+            <a:r>
+              <a:rPr lang="en-US" sz="1800" b="0" strike="noStrike" spc="-1">
+                <a:solidFill>
+                  <a:srgbClr val="000000"/>
+                </a:solidFill>
+                <a:latin typeface="Courier New"/>
+                <a:ea typeface="DejaVu Sans"/>
+              </a:rPr>
+              <a:t>statement</a:t>
+            </a:r>
+            <a:endParaRPr lang="en-GB" sz="1800" b="0" strike="noStrike" spc="-1">
+              <a:latin typeface="Arial"/>
+            </a:endParaRPr>
+          </a:p>
+          <a:p>
+            <a:pPr>
+              <a:lnSpc>
+                <a:spcPct val="100000"/>
+              </a:lnSpc>
+            </a:pPr>
+            <a:r>
+              <a:rPr lang="en-US" sz="1800" b="0" strike="noStrike" spc="-1">
+                <a:solidFill>
+                  <a:srgbClr val="000000"/>
+                </a:solidFill>
+                <a:latin typeface="Courier New"/>
+                <a:ea typeface="DejaVu Sans"/>
+              </a:rPr>
+              <a:t>}</a:t>
+            </a:r>
+            <a:endParaRPr lang="en-GB" sz="1800" b="0" strike="noStrike" spc="-1">
+              <a:latin typeface="Arial"/>
+            </a:endParaRPr>
+          </a:p>
+        </p:txBody>
+      </p:sp>
+      <p:sp>
+        <p:nvSpPr>
+          <p:cNvPr id="258" name="CustomShape 5"/>
+          <p:cNvSpPr/>
+          <p:nvPr/>
+        </p:nvSpPr>
+        <p:spPr>
+          <a:xfrm>
+            <a:off x="678600" y="4257720"/>
+            <a:ext cx="4570560" cy="1461240"/>
+          </a:xfrm>
+          <a:prstGeom prst="rect">
+            <a:avLst/>
+          </a:prstGeom>
+          <a:noFill/>
+          <a:ln>
+            <a:noFill/>
+          </a:ln>
+        </p:spPr>
+        <p:style>
+          <a:lnRef idx="0">
+            <a:scrgbClr r="0" g="0" b="0"/>
+          </a:lnRef>
+          <a:fillRef idx="0">
+            <a:scrgbClr r="0" g="0" b="0"/>
+          </a:fillRef>
+          <a:effectRef idx="0">
+            <a:scrgbClr r="0" g="0" b="0"/>
+          </a:effectRef>
+          <a:fontRef idx="minor"/>
+        </p:style>
+        <p:txBody>
+          <a:bodyPr lIns="90000" tIns="45000" rIns="90000" bIns="45000">
+            <a:spAutoFit/>
+          </a:bodyPr>
+          <a:lstStyle/>
+          <a:p>
+            <a:pPr>
+              <a:lnSpc>
+                <a:spcPct val="100000"/>
+              </a:lnSpc>
+            </a:pPr>
+            <a:r>
+              <a:rPr lang="en-GB" sz="1800" b="0" strike="noStrike" spc="-1">
+                <a:solidFill>
+                  <a:srgbClr val="000000"/>
+                </a:solidFill>
+                <a:latin typeface="Courier New"/>
+                <a:ea typeface="DejaVu Sans"/>
+              </a:rPr>
+              <a:t>i &lt;- 1</a:t>
+            </a:r>
+            <a:endParaRPr lang="en-GB" sz="1800" b="0" strike="noStrike" spc="-1">
+              <a:latin typeface="Arial"/>
+            </a:endParaRPr>
+          </a:p>
+          <a:p>
+            <a:pPr>
+              <a:lnSpc>
+                <a:spcPct val="100000"/>
+              </a:lnSpc>
+            </a:pPr>
+            <a:r>
+              <a:rPr lang="en-US" sz="1800" b="0" strike="noStrike" spc="-1">
+                <a:solidFill>
+                  <a:srgbClr val="000000"/>
+                </a:solidFill>
+                <a:latin typeface="Courier New"/>
+                <a:ea typeface="DejaVu Sans"/>
+              </a:rPr>
+              <a:t>while (i &lt; 6) {</a:t>
+            </a:r>
+            <a:endParaRPr lang="en-GB" sz="1800" b="0" strike="noStrike" spc="-1">
+              <a:latin typeface="Arial"/>
+            </a:endParaRPr>
+          </a:p>
+          <a:p>
+            <a:pPr>
+              <a:lnSpc>
+                <a:spcPct val="100000"/>
+              </a:lnSpc>
+            </a:pPr>
+            <a:r>
+              <a:rPr lang="en-US" sz="1800" b="0" strike="noStrike" spc="-1">
+                <a:solidFill>
+                  <a:srgbClr val="000000"/>
+                </a:solidFill>
+                <a:latin typeface="Courier New"/>
+                <a:ea typeface="DejaVu Sans"/>
+              </a:rPr>
+              <a:t>print(i)</a:t>
+            </a:r>
+            <a:endParaRPr lang="en-GB" sz="1800" b="0" strike="noStrike" spc="-1">
+              <a:latin typeface="Arial"/>
+            </a:endParaRPr>
+          </a:p>
+          <a:p>
+            <a:pPr>
+              <a:lnSpc>
+                <a:spcPct val="100000"/>
+              </a:lnSpc>
+            </a:pPr>
+            <a:r>
+              <a:rPr lang="en-US" sz="1800" b="0" strike="noStrike" spc="-1">
+                <a:solidFill>
+                  <a:srgbClr val="000000"/>
+                </a:solidFill>
+                <a:latin typeface="Courier New"/>
+                <a:ea typeface="DejaVu Sans"/>
+              </a:rPr>
+              <a:t>i = i+1</a:t>
+            </a:r>
+            <a:endParaRPr lang="en-GB" sz="1800" b="0" strike="noStrike" spc="-1">
+              <a:latin typeface="Arial"/>
+            </a:endParaRPr>
+          </a:p>
+          <a:p>
+            <a:pPr>
+              <a:lnSpc>
+                <a:spcPct val="100000"/>
+              </a:lnSpc>
+            </a:pPr>
+            <a:r>
+              <a:rPr lang="en-US" sz="1800" b="0" strike="noStrike" spc="-1">
+                <a:solidFill>
+                  <a:srgbClr val="000000"/>
+                </a:solidFill>
+                <a:latin typeface="Courier New"/>
+                <a:ea typeface="DejaVu Sans"/>
+              </a:rPr>
+              <a:t>}</a:t>
             </a:r>
             <a:endParaRPr lang="en-GB" sz="1800" b="0" strike="noStrike" spc="-1">
               <a:latin typeface="Arial"/>

--- a/powerpoint/Session2.pptx
+++ b/powerpoint/Session2.pptx
@@ -150,7 +150,7 @@
   <pc:docChgLst>
     <pc:chgData name="Srinivasa Rao" userId="a6b54366-f13d-4292-8bb4-f06c50909b1e" providerId="ADAL" clId="{CF7D4108-D40D-A74D-804B-296130AF4168}"/>
     <pc:docChg chg="custSel addSld modSld sldOrd">
-      <pc:chgData name="Srinivasa Rao" userId="a6b54366-f13d-4292-8bb4-f06c50909b1e" providerId="ADAL" clId="{CF7D4108-D40D-A74D-804B-296130AF4168}" dt="2023-10-10T07:57:48.161" v="68" actId="20577"/>
+      <pc:chgData name="Srinivasa Rao" userId="a6b54366-f13d-4292-8bb4-f06c50909b1e" providerId="ADAL" clId="{CF7D4108-D40D-A74D-804B-296130AF4168}" dt="2023-10-11T11:42:12.383" v="70" actId="20577"/>
       <pc:docMkLst>
         <pc:docMk/>
       </pc:docMkLst>
@@ -189,6 +189,21 @@
             <pc:docMk/>
             <pc:sldMk cId="0" sldId="260"/>
             <ac:spMk id="239" creationId="{00000000-0000-0000-0000-000000000000}"/>
+          </ac:spMkLst>
+        </pc:spChg>
+      </pc:sldChg>
+      <pc:sldChg chg="modSp mod">
+        <pc:chgData name="Srinivasa Rao" userId="a6b54366-f13d-4292-8bb4-f06c50909b1e" providerId="ADAL" clId="{CF7D4108-D40D-A74D-804B-296130AF4168}" dt="2023-10-11T11:42:12.383" v="70" actId="20577"/>
+        <pc:sldMkLst>
+          <pc:docMk/>
+          <pc:sldMk cId="0" sldId="272"/>
+        </pc:sldMkLst>
+        <pc:spChg chg="mod">
+          <ac:chgData name="Srinivasa Rao" userId="a6b54366-f13d-4292-8bb4-f06c50909b1e" providerId="ADAL" clId="{CF7D4108-D40D-A74D-804B-296130AF4168}" dt="2023-10-11T11:42:12.383" v="70" actId="20577"/>
+          <ac:spMkLst>
+            <pc:docMk/>
+            <pc:sldMk cId="0" sldId="272"/>
+            <ac:spMk id="287" creationId="{00000000-0000-0000-0000-000000000000}"/>
           </ac:spMkLst>
         </pc:spChg>
       </pc:sldChg>
@@ -15730,7 +15745,7 @@
         <p:spPr>
           <a:xfrm>
             <a:off x="979560" y="1715760"/>
-            <a:ext cx="7016760" cy="4478760"/>
+            <a:ext cx="7016760" cy="4522861"/>
           </a:xfrm>
           <a:prstGeom prst="rect">
             <a:avLst/>
@@ -15769,7 +15784,7 @@
               <a:buChar char="•"/>
             </a:pPr>
             <a:r>
-              <a:rPr lang="en-US" sz="1800" b="0" strike="noStrike" spc="-1">
+              <a:rPr lang="en-US" sz="1800" b="0" strike="noStrike" spc="-1" dirty="0">
                 <a:solidFill>
                   <a:srgbClr val="000000"/>
                 </a:solidFill>
@@ -15779,7 +15794,7 @@
               <a:t>CRAN (</a:t>
             </a:r>
             <a:r>
-              <a:rPr lang="en-US" sz="1800" b="0" u="sng" strike="noStrike" spc="-1">
+              <a:rPr lang="en-US" sz="1800" b="0" u="sng" strike="noStrike" spc="-1" dirty="0">
                 <a:solidFill>
                   <a:srgbClr val="0000FF"/>
                 </a:solidFill>
@@ -15791,7 +15806,7 @@
               <a:t>https://cran.r-project.org</a:t>
             </a:r>
             <a:r>
-              <a:rPr lang="en-US" sz="1800" b="0" strike="noStrike" spc="-1">
+              <a:rPr lang="en-US" sz="1800" b="0" strike="noStrike" spc="-1" dirty="0">
                 <a:solidFill>
                   <a:srgbClr val="000000"/>
                 </a:solidFill>
@@ -15800,7 +15815,7 @@
               </a:rPr>
               <a:t>)</a:t>
             </a:r>
-            <a:endParaRPr lang="en-GB" sz="1800" b="0" strike="noStrike" spc="-1">
+            <a:endParaRPr lang="en-GB" sz="1800" b="0" strike="noStrike" spc="-1" dirty="0">
               <a:latin typeface="Arial"/>
             </a:endParaRPr>
           </a:p>
@@ -15811,7 +15826,7 @@
               </a:lnSpc>
             </a:pPr>
             <a:r>
-              <a:rPr lang="en-US" sz="1800" b="0" strike="noStrike" spc="-1">
+              <a:rPr lang="en-US" sz="1800" b="0" strike="noStrike" spc="-1" dirty="0">
                 <a:solidFill>
                   <a:srgbClr val="000000"/>
                 </a:solidFill>
@@ -15820,7 +15835,7 @@
               </a:rPr>
               <a:t>Install:</a:t>
             </a:r>
-            <a:endParaRPr lang="en-GB" sz="1800" b="0" strike="noStrike" spc="-1">
+            <a:endParaRPr lang="en-GB" sz="1800" b="0" strike="noStrike" spc="-1" dirty="0">
               <a:latin typeface="Arial"/>
             </a:endParaRPr>
           </a:p>
@@ -15831,16 +15846,46 @@
               </a:lnSpc>
             </a:pPr>
             <a:r>
-              <a:rPr lang="en-US" sz="1800" b="0" strike="noStrike" spc="-1">
+              <a:rPr lang="en-US" sz="1800" b="0" strike="noStrike" spc="-1" dirty="0" err="1">
                 <a:solidFill>
                   <a:srgbClr val="000000"/>
                 </a:solidFill>
                 <a:latin typeface="Courier New"/>
                 <a:ea typeface="DejaVu Sans"/>
               </a:rPr>
-              <a:t>install.packages("dplyr")</a:t>
-            </a:r>
-            <a:endParaRPr lang="en-GB" sz="1800" b="0" strike="noStrike" spc="-1">
+              <a:t>install.packages</a:t>
+            </a:r>
+            <a:r>
+              <a:rPr lang="en-US" sz="1800" b="0" strike="noStrike" spc="-1" dirty="0">
+                <a:solidFill>
+                  <a:srgbClr val="000000"/>
+                </a:solidFill>
+                <a:latin typeface="Courier New"/>
+                <a:ea typeface="DejaVu Sans"/>
+              </a:rPr>
+              <a:t>("</a:t>
+            </a:r>
+            <a:r>
+              <a:rPr lang="en-US" sz="1800" b="0" strike="noStrike" spc="-1" dirty="0" err="1">
+                <a:solidFill>
+                  <a:srgbClr val="000000"/>
+                </a:solidFill>
+                <a:latin typeface="Courier New"/>
+                <a:ea typeface="DejaVu Sans"/>
+              </a:rPr>
+              <a:t>dplyr</a:t>
+            </a:r>
+            <a:r>
+              <a:rPr lang="en-US" sz="1800" b="0" strike="noStrike" spc="-1" dirty="0">
+                <a:solidFill>
+                  <a:srgbClr val="000000"/>
+                </a:solidFill>
+                <a:latin typeface="Courier New"/>
+                <a:ea typeface="DejaVu Sans"/>
+              </a:rPr>
+              <a:t>")</a:t>
+            </a:r>
+            <a:endParaRPr lang="en-GB" sz="1800" b="0" strike="noStrike" spc="-1" dirty="0">
               <a:latin typeface="Arial"/>
             </a:endParaRPr>
           </a:p>
@@ -15851,7 +15896,7 @@
               </a:lnSpc>
             </a:pPr>
             <a:r>
-              <a:rPr lang="en-US" sz="1800" b="0" strike="noStrike" spc="-1">
+              <a:rPr lang="en-US" sz="1800" b="0" strike="noStrike" spc="-1" dirty="0">
                 <a:solidFill>
                   <a:srgbClr val="000000"/>
                 </a:solidFill>
@@ -15860,7 +15905,7 @@
               </a:rPr>
               <a:t>Activate:</a:t>
             </a:r>
-            <a:endParaRPr lang="en-GB" sz="1800" b="0" strike="noStrike" spc="-1">
+            <a:endParaRPr lang="en-GB" sz="1800" b="0" strike="noStrike" spc="-1" dirty="0">
               <a:latin typeface="Arial"/>
             </a:endParaRPr>
           </a:p>
@@ -15871,6 +15916,16 @@
               </a:lnSpc>
             </a:pPr>
             <a:r>
+              <a:rPr lang="en-US" spc="-1">
+                <a:solidFill>
+                  <a:srgbClr val="000000"/>
+                </a:solidFill>
+                <a:latin typeface="Courier New"/>
+                <a:ea typeface="DejaVu Sans"/>
+              </a:rPr>
+              <a:t>l</a:t>
+            </a:r>
+            <a:r>
               <a:rPr lang="en-US" sz="1800" b="0" strike="noStrike" spc="-1">
                 <a:solidFill>
                   <a:srgbClr val="000000"/>
@@ -15878,9 +15933,39 @@
                 <a:latin typeface="Courier New"/>
                 <a:ea typeface="DejaVu Sans"/>
               </a:rPr>
-              <a:t>Library("dplyr")</a:t>
-            </a:r>
-            <a:endParaRPr lang="en-GB" sz="1800" b="0" strike="noStrike" spc="-1">
+              <a:t>ibrary</a:t>
+            </a:r>
+            <a:r>
+              <a:rPr lang="en-US" sz="1800" b="0" strike="noStrike" spc="-1" dirty="0">
+                <a:solidFill>
+                  <a:srgbClr val="000000"/>
+                </a:solidFill>
+                <a:latin typeface="Courier New"/>
+                <a:ea typeface="DejaVu Sans"/>
+              </a:rPr>
+              <a:t>("</a:t>
+            </a:r>
+            <a:r>
+              <a:rPr lang="en-US" sz="1800" b="0" strike="noStrike" spc="-1" dirty="0" err="1">
+                <a:solidFill>
+                  <a:srgbClr val="000000"/>
+                </a:solidFill>
+                <a:latin typeface="Courier New"/>
+                <a:ea typeface="DejaVu Sans"/>
+              </a:rPr>
+              <a:t>dplyr</a:t>
+            </a:r>
+            <a:r>
+              <a:rPr lang="en-US" sz="1800" b="0" strike="noStrike" spc="-1" dirty="0">
+                <a:solidFill>
+                  <a:srgbClr val="000000"/>
+                </a:solidFill>
+                <a:latin typeface="Courier New"/>
+                <a:ea typeface="DejaVu Sans"/>
+              </a:rPr>
+              <a:t>")</a:t>
+            </a:r>
+            <a:endParaRPr lang="en-GB" sz="1800" b="0" strike="noStrike" spc="-1" dirty="0">
               <a:latin typeface="Arial"/>
             </a:endParaRPr>
           </a:p>
@@ -15890,7 +15975,7 @@
                 <a:spcPct val="100000"/>
               </a:lnSpc>
             </a:pPr>
-            <a:endParaRPr lang="en-GB" sz="1800" b="0" strike="noStrike" spc="-1">
+            <a:endParaRPr lang="en-GB" sz="1800" b="0" strike="noStrike" spc="-1" dirty="0">
               <a:latin typeface="Arial"/>
             </a:endParaRPr>
           </a:p>
@@ -15906,7 +15991,7 @@
               <a:buChar char="•"/>
             </a:pPr>
             <a:r>
-              <a:rPr lang="en-US" sz="1800" b="0" strike="noStrike" spc="-1">
+              <a:rPr lang="en-US" sz="1800" b="0" strike="noStrike" spc="-1" dirty="0">
                 <a:solidFill>
                   <a:srgbClr val="000000"/>
                 </a:solidFill>
@@ -15916,7 +16001,7 @@
               <a:t>Bioconductor (</a:t>
             </a:r>
             <a:r>
-              <a:rPr lang="en-US" sz="1800" b="0" u="sng" strike="noStrike" spc="-1">
+              <a:rPr lang="en-US" sz="1800" b="0" u="sng" strike="noStrike" spc="-1" dirty="0">
                 <a:solidFill>
                   <a:srgbClr val="0000FF"/>
                 </a:solidFill>
@@ -15928,7 +16013,7 @@
               <a:t>https://bioconductor.org</a:t>
             </a:r>
             <a:r>
-              <a:rPr lang="en-US" sz="1800" b="0" strike="noStrike" spc="-1">
+              <a:rPr lang="en-US" sz="1800" b="0" strike="noStrike" spc="-1" dirty="0">
                 <a:solidFill>
                   <a:srgbClr val="000000"/>
                 </a:solidFill>
@@ -15937,7 +16022,7 @@
               </a:rPr>
               <a:t>)</a:t>
             </a:r>
-            <a:endParaRPr lang="en-GB" sz="1800" b="0" strike="noStrike" spc="-1">
+            <a:endParaRPr lang="en-GB" sz="1800" b="0" strike="noStrike" spc="-1" dirty="0">
               <a:latin typeface="Arial"/>
             </a:endParaRPr>
           </a:p>
@@ -15948,16 +16033,56 @@
               </a:lnSpc>
             </a:pPr>
             <a:r>
-              <a:rPr lang="en-US" sz="1800" b="0" strike="noStrike" spc="-1">
+              <a:rPr lang="en-US" sz="1800" b="0" strike="noStrike" spc="-1" dirty="0">
                 <a:solidFill>
                   <a:srgbClr val="000000"/>
                 </a:solidFill>
                 <a:latin typeface="Courier New"/>
                 <a:ea typeface="DejaVu Sans"/>
               </a:rPr>
-              <a:t>if (!requireNamespace("BiocManager", quietly = TRUE))</a:t>
-            </a:r>
-            <a:endParaRPr lang="en-GB" sz="1800" b="0" strike="noStrike" spc="-1">
+              <a:t>if (!</a:t>
+            </a:r>
+            <a:r>
+              <a:rPr lang="en-US" sz="1800" b="0" strike="noStrike" spc="-1" dirty="0" err="1">
+                <a:solidFill>
+                  <a:srgbClr val="000000"/>
+                </a:solidFill>
+                <a:latin typeface="Courier New"/>
+                <a:ea typeface="DejaVu Sans"/>
+              </a:rPr>
+              <a:t>requireNamespace</a:t>
+            </a:r>
+            <a:r>
+              <a:rPr lang="en-US" sz="1800" b="0" strike="noStrike" spc="-1" dirty="0">
+                <a:solidFill>
+                  <a:srgbClr val="000000"/>
+                </a:solidFill>
+                <a:latin typeface="Courier New"/>
+                <a:ea typeface="DejaVu Sans"/>
+              </a:rPr>
+              <a:t>("</a:t>
+            </a:r>
+            <a:r>
+              <a:rPr lang="en-US" sz="1800" b="0" strike="noStrike" spc="-1" dirty="0" err="1">
+                <a:solidFill>
+                  <a:srgbClr val="000000"/>
+                </a:solidFill>
+                <a:latin typeface="Courier New"/>
+                <a:ea typeface="DejaVu Sans"/>
+              </a:rPr>
+              <a:t>BiocManager</a:t>
+            </a:r>
+            <a:r>
+              <a:rPr lang="en-US" sz="1800" b="0" strike="noStrike" spc="-1" dirty="0">
+                <a:solidFill>
+                  <a:srgbClr val="000000"/>
+                </a:solidFill>
+                <a:latin typeface="Courier New"/>
+                <a:ea typeface="DejaVu Sans"/>
+              </a:rPr>
+              <a:t>", quietly = TRUE))</a:t>
+            </a:r>
+            <a:endParaRPr lang="en-GB" sz="1800" b="0" strike="noStrike" spc="-1" dirty="0">
               <a:latin typeface="Arial"/>
             </a:endParaRPr>
           </a:p>
@@ -15968,16 +16093,56 @@
               </a:lnSpc>
             </a:pPr>
             <a:r>
-              <a:rPr lang="en-US" sz="1800" b="0" strike="noStrike" spc="-1">
+              <a:rPr lang="en-US" sz="1800" b="0" strike="noStrike" spc="-1" dirty="0">
                 <a:solidFill>
                   <a:srgbClr val="000000"/>
                 </a:solidFill>
                 <a:latin typeface="Courier New"/>
                 <a:ea typeface="DejaVu Sans"/>
               </a:rPr>
-              <a:t>    install.packages("BiocManager”)</a:t>
-            </a:r>
-            <a:endParaRPr lang="en-GB" sz="1800" b="0" strike="noStrike" spc="-1">
+              <a:t>    </a:t>
+            </a:r>
+            <a:r>
+              <a:rPr lang="en-US" sz="1800" b="0" strike="noStrike" spc="-1" dirty="0" err="1">
+                <a:solidFill>
+                  <a:srgbClr val="000000"/>
+                </a:solidFill>
+                <a:latin typeface="Courier New"/>
+                <a:ea typeface="DejaVu Sans"/>
+              </a:rPr>
+              <a:t>install.packages</a:t>
+            </a:r>
+            <a:r>
+              <a:rPr lang="en-US" sz="1800" b="0" strike="noStrike" spc="-1" dirty="0">
+                <a:solidFill>
+                  <a:srgbClr val="000000"/>
+                </a:solidFill>
+                <a:latin typeface="Courier New"/>
+                <a:ea typeface="DejaVu Sans"/>
+              </a:rPr>
+              <a:t>("</a:t>
+            </a:r>
+            <a:r>
+              <a:rPr lang="en-US" sz="1800" b="0" strike="noStrike" spc="-1" dirty="0" err="1">
+                <a:solidFill>
+                  <a:srgbClr val="000000"/>
+                </a:solidFill>
+                <a:latin typeface="Courier New"/>
+                <a:ea typeface="DejaVu Sans"/>
+              </a:rPr>
+              <a:t>BiocManager</a:t>
+            </a:r>
+            <a:r>
+              <a:rPr lang="en-US" sz="1800" b="0" strike="noStrike" spc="-1" dirty="0">
+                <a:solidFill>
+                  <a:srgbClr val="000000"/>
+                </a:solidFill>
+                <a:latin typeface="Courier New"/>
+                <a:ea typeface="DejaVu Sans"/>
+              </a:rPr>
+              <a:t>”)</a:t>
+            </a:r>
+            <a:endParaRPr lang="en-GB" sz="1800" b="0" strike="noStrike" spc="-1" dirty="0">
               <a:latin typeface="Arial"/>
             </a:endParaRPr>
           </a:p>
@@ -15988,16 +16153,46 @@
               </a:lnSpc>
             </a:pPr>
             <a:r>
-              <a:rPr lang="en-US" sz="1800" b="0" strike="noStrike" spc="-1">
+              <a:rPr lang="en-US" sz="1800" b="0" strike="noStrike" spc="-1" dirty="0" err="1">
                 <a:solidFill>
                   <a:srgbClr val="000000"/>
                 </a:solidFill>
                 <a:latin typeface="Courier New"/>
                 <a:ea typeface="DejaVu Sans"/>
               </a:rPr>
-              <a:t>BiocManager::install("limma")</a:t>
-            </a:r>
-            <a:endParaRPr lang="en-GB" sz="1800" b="0" strike="noStrike" spc="-1">
+              <a:t>BiocManager</a:t>
+            </a:r>
+            <a:r>
+              <a:rPr lang="en-US" sz="1800" b="0" strike="noStrike" spc="-1" dirty="0">
+                <a:solidFill>
+                  <a:srgbClr val="000000"/>
+                </a:solidFill>
+                <a:latin typeface="Courier New"/>
+                <a:ea typeface="DejaVu Sans"/>
+              </a:rPr>
+              <a:t>::install("</a:t>
+            </a:r>
+            <a:r>
+              <a:rPr lang="en-US" sz="1800" b="0" strike="noStrike" spc="-1" dirty="0" err="1">
+                <a:solidFill>
+                  <a:srgbClr val="000000"/>
+                </a:solidFill>
+                <a:latin typeface="Courier New"/>
+                <a:ea typeface="DejaVu Sans"/>
+              </a:rPr>
+              <a:t>limma</a:t>
+            </a:r>
+            <a:r>
+              <a:rPr lang="en-US" sz="1800" b="0" strike="noStrike" spc="-1" dirty="0">
+                <a:solidFill>
+                  <a:srgbClr val="000000"/>
+                </a:solidFill>
+                <a:latin typeface="Courier New"/>
+                <a:ea typeface="DejaVu Sans"/>
+              </a:rPr>
+              <a:t>")</a:t>
+            </a:r>
+            <a:endParaRPr lang="en-GB" sz="1800" b="0" strike="noStrike" spc="-1" dirty="0">
               <a:latin typeface="Arial"/>
             </a:endParaRPr>
           </a:p>
@@ -16007,7 +16202,7 @@
                 <a:spcPct val="100000"/>
               </a:lnSpc>
             </a:pPr>
-            <a:endParaRPr lang="en-GB" sz="1800" b="0" strike="noStrike" spc="-1">
+            <a:endParaRPr lang="en-GB" sz="1800" b="0" strike="noStrike" spc="-1" dirty="0">
               <a:latin typeface="Arial"/>
             </a:endParaRPr>
           </a:p>
@@ -16023,17 +16218,27 @@
               <a:buChar char="•"/>
             </a:pPr>
             <a:r>
-              <a:rPr lang="en-US" sz="1800" b="0" strike="noStrike" spc="-1">
+              <a:rPr lang="en-US" sz="1800" b="0" strike="noStrike" spc="-1" dirty="0" err="1">
                 <a:solidFill>
                   <a:srgbClr val="000000"/>
                 </a:solidFill>
                 <a:latin typeface="Calibri"/>
                 <a:ea typeface="DejaVu Sans"/>
               </a:rPr>
-              <a:t>Github (</a:t>
-            </a:r>
-            <a:r>
-              <a:rPr lang="en-US" sz="1800" b="0" u="sng" strike="noStrike" spc="-1">
+              <a:t>Github</a:t>
+            </a:r>
+            <a:r>
+              <a:rPr lang="en-US" sz="1800" b="0" strike="noStrike" spc="-1" dirty="0">
+                <a:solidFill>
+                  <a:srgbClr val="000000"/>
+                </a:solidFill>
+                <a:latin typeface="Calibri"/>
+                <a:ea typeface="DejaVu Sans"/>
+              </a:rPr>
+              <a:t> (</a:t>
+            </a:r>
+            <a:r>
+              <a:rPr lang="en-US" sz="1800" b="0" u="sng" strike="noStrike" spc="-1" dirty="0">
                 <a:solidFill>
                   <a:srgbClr val="0000FF"/>
                 </a:solidFill>
@@ -16045,7 +16250,7 @@
               <a:t>https://github.com</a:t>
             </a:r>
             <a:r>
-              <a:rPr lang="en-US" sz="1800" b="0" strike="noStrike" spc="-1">
+              <a:rPr lang="en-US" sz="1800" b="0" strike="noStrike" spc="-1" dirty="0">
                 <a:solidFill>
                   <a:srgbClr val="000000"/>
                 </a:solidFill>
@@ -16054,7 +16259,7 @@
               </a:rPr>
               <a:t>)</a:t>
             </a:r>
-            <a:endParaRPr lang="en-GB" sz="1800" b="0" strike="noStrike" spc="-1">
+            <a:endParaRPr lang="en-GB" sz="1800" b="0" strike="noStrike" spc="-1" dirty="0">
               <a:latin typeface="Arial"/>
             </a:endParaRPr>
           </a:p>
@@ -16065,16 +16270,46 @@
               </a:lnSpc>
             </a:pPr>
             <a:r>
-              <a:rPr lang="en-US" sz="1800" b="0" strike="noStrike" spc="-1">
+              <a:rPr lang="en-US" sz="1800" b="0" strike="noStrike" spc="-1" dirty="0" err="1">
                 <a:solidFill>
                   <a:srgbClr val="000000"/>
                 </a:solidFill>
                 <a:latin typeface="Courier New"/>
                 <a:ea typeface="DejaVu Sans"/>
               </a:rPr>
-              <a:t>install.packages("devtools")</a:t>
-            </a:r>
-            <a:endParaRPr lang="en-GB" sz="1800" b="0" strike="noStrike" spc="-1">
+              <a:t>install.packages</a:t>
+            </a:r>
+            <a:r>
+              <a:rPr lang="en-US" sz="1800" b="0" strike="noStrike" spc="-1" dirty="0">
+                <a:solidFill>
+                  <a:srgbClr val="000000"/>
+                </a:solidFill>
+                <a:latin typeface="Courier New"/>
+                <a:ea typeface="DejaVu Sans"/>
+              </a:rPr>
+              <a:t>("</a:t>
+            </a:r>
+            <a:r>
+              <a:rPr lang="en-US" sz="1800" b="0" strike="noStrike" spc="-1" dirty="0" err="1">
+                <a:solidFill>
+                  <a:srgbClr val="000000"/>
+                </a:solidFill>
+                <a:latin typeface="Courier New"/>
+                <a:ea typeface="DejaVu Sans"/>
+              </a:rPr>
+              <a:t>devtools</a:t>
+            </a:r>
+            <a:r>
+              <a:rPr lang="en-US" sz="1800" b="0" strike="noStrike" spc="-1" dirty="0">
+                <a:solidFill>
+                  <a:srgbClr val="000000"/>
+                </a:solidFill>
+                <a:latin typeface="Courier New"/>
+                <a:ea typeface="DejaVu Sans"/>
+              </a:rPr>
+              <a:t>")</a:t>
+            </a:r>
+            <a:endParaRPr lang="en-GB" sz="1800" b="0" strike="noStrike" spc="-1" dirty="0">
               <a:latin typeface="Arial"/>
             </a:endParaRPr>
           </a:p>
@@ -16085,16 +16320,36 @@
               </a:lnSpc>
             </a:pPr>
             <a:r>
-              <a:rPr lang="en-US" sz="1800" b="0" strike="noStrike" spc="-1">
+              <a:rPr lang="en-US" sz="1800" b="0" strike="noStrike" spc="-1" dirty="0">
                 <a:solidFill>
                   <a:srgbClr val="000000"/>
                 </a:solidFill>
                 <a:latin typeface="Courier New"/>
                 <a:ea typeface="DejaVu Sans"/>
               </a:rPr>
-              <a:t>library(devtools)</a:t>
-            </a:r>
-            <a:endParaRPr lang="en-GB" sz="1800" b="0" strike="noStrike" spc="-1">
+              <a:t>library(</a:t>
+            </a:r>
+            <a:r>
+              <a:rPr lang="en-US" sz="1800" b="0" strike="noStrike" spc="-1" dirty="0" err="1">
+                <a:solidFill>
+                  <a:srgbClr val="000000"/>
+                </a:solidFill>
+                <a:latin typeface="Courier New"/>
+                <a:ea typeface="DejaVu Sans"/>
+              </a:rPr>
+              <a:t>devtools</a:t>
+            </a:r>
+            <a:r>
+              <a:rPr lang="en-US" sz="1800" b="0" strike="noStrike" spc="-1" dirty="0">
+                <a:solidFill>
+                  <a:srgbClr val="000000"/>
+                </a:solidFill>
+                <a:latin typeface="Courier New"/>
+                <a:ea typeface="DejaVu Sans"/>
+              </a:rPr>
+              <a:t>)</a:t>
+            </a:r>
+            <a:endParaRPr lang="en-GB" sz="1800" b="0" strike="noStrike" spc="-1" dirty="0">
               <a:latin typeface="Arial"/>
             </a:endParaRPr>
           </a:p>
@@ -16105,16 +16360,66 @@
               </a:lnSpc>
             </a:pPr>
             <a:r>
-              <a:rPr lang="en-US" sz="1800" b="0" strike="noStrike" spc="-1">
+              <a:rPr lang="en-US" sz="1800" b="0" strike="noStrike" spc="-1" dirty="0" err="1">
                 <a:solidFill>
                   <a:srgbClr val="000000"/>
                 </a:solidFill>
                 <a:latin typeface="Courier New"/>
                 <a:ea typeface="DejaVu Sans"/>
               </a:rPr>
-              <a:t>install_github("hadley/dplyr”)</a:t>
-            </a:r>
-            <a:endParaRPr lang="en-GB" sz="1800" b="0" strike="noStrike" spc="-1">
+              <a:t>install_github</a:t>
+            </a:r>
+            <a:r>
+              <a:rPr lang="en-US" sz="1800" b="0" strike="noStrike" spc="-1" dirty="0">
+                <a:solidFill>
+                  <a:srgbClr val="000000"/>
+                </a:solidFill>
+                <a:latin typeface="Courier New"/>
+                <a:ea typeface="DejaVu Sans"/>
+              </a:rPr>
+              <a:t>("</a:t>
+            </a:r>
+            <a:r>
+              <a:rPr lang="en-US" sz="1800" b="0" strike="noStrike" spc="-1" dirty="0" err="1">
+                <a:solidFill>
+                  <a:srgbClr val="000000"/>
+                </a:solidFill>
+                <a:latin typeface="Courier New"/>
+                <a:ea typeface="DejaVu Sans"/>
+              </a:rPr>
+              <a:t>hadley</a:t>
+            </a:r>
+            <a:r>
+              <a:rPr lang="en-US" sz="1800" b="0" strike="noStrike" spc="-1" dirty="0">
+                <a:solidFill>
+                  <a:srgbClr val="000000"/>
+                </a:solidFill>
+                <a:latin typeface="Courier New"/>
+                <a:ea typeface="DejaVu Sans"/>
+              </a:rPr>
+              <a:t>/</a:t>
+            </a:r>
+            <a:r>
+              <a:rPr lang="en-US" sz="1800" b="0" strike="noStrike" spc="-1" dirty="0" err="1">
+                <a:solidFill>
+                  <a:srgbClr val="000000"/>
+                </a:solidFill>
+                <a:latin typeface="Courier New"/>
+                <a:ea typeface="DejaVu Sans"/>
+              </a:rPr>
+              <a:t>dplyr</a:t>
+            </a:r>
+            <a:r>
+              <a:rPr lang="en-US" sz="1800" b="0" strike="noStrike" spc="-1" dirty="0">
+                <a:solidFill>
+                  <a:srgbClr val="000000"/>
+                </a:solidFill>
+                <a:latin typeface="Courier New"/>
+                <a:ea typeface="DejaVu Sans"/>
+              </a:rPr>
+              <a:t>”)</a:t>
+            </a:r>
+            <a:endParaRPr lang="en-GB" sz="1800" b="0" strike="noStrike" spc="-1" dirty="0">
               <a:latin typeface="Arial"/>
             </a:endParaRPr>
           </a:p>
